--- a/CHING JIAN/C_Class/A1_邏輯思考訓練題.pptx
+++ b/CHING JIAN/C_Class/A1_邏輯思考訓練題.pptx
@@ -5,7 +5,7 @@
     <p:sldMasterId id="2147483648" r:id="rId1"/>
   </p:sldMasterIdLst>
   <p:notesMasterIdLst>
-    <p:notesMasterId r:id="rId36"/>
+    <p:notesMasterId r:id="rId37"/>
   </p:notesMasterIdLst>
   <p:sldIdLst>
     <p:sldId id="256" r:id="rId2"/>
@@ -41,7 +41,8 @@
     <p:sldId id="286" r:id="rId32"/>
     <p:sldId id="287" r:id="rId33"/>
     <p:sldId id="289" r:id="rId34"/>
-    <p:sldId id="288" r:id="rId35"/>
+    <p:sldId id="290" r:id="rId35"/>
+    <p:sldId id="288" r:id="rId36"/>
   </p:sldIdLst>
   <p:sldSz cx="12192000" cy="6858000"/>
   <p:notesSz cx="6858000" cy="9144000"/>
@@ -241,7 +242,7 @@
           <a:p>
             <a:fld id="{3829F076-822F-4A1E-B104-9D9E5204E598}" type="datetimeFigureOut">
               <a:rPr lang="zh-TW" altLang="en-US" smtClean="0"/>
-              <a:t>2020/12/31</a:t>
+              <a:t>2021/1/1</a:t>
             </a:fld>
             <a:endParaRPr lang="zh-TW" altLang="en-US"/>
           </a:p>
@@ -1255,7 +1256,7 @@
             <a:fld id="{B61BEF0D-F0BB-DE4B-95CE-6DB70DBA9567}" type="datetimeFigureOut">
               <a:rPr lang="en-US" dirty="0"/>
               <a:pPr/>
-              <a:t>12/31/2020</a:t>
+              <a:t>1/1/2021</a:t>
             </a:fld>
             <a:endParaRPr lang="en-US" dirty="0"/>
           </a:p>
@@ -1510,7 +1511,7 @@
             <a:fld id="{B61BEF0D-F0BB-DE4B-95CE-6DB70DBA9567}" type="datetimeFigureOut">
               <a:rPr lang="en-US" dirty="0"/>
               <a:pPr/>
-              <a:t>12/31/2020</a:t>
+              <a:t>1/1/2021</a:t>
             </a:fld>
             <a:endParaRPr lang="en-US" dirty="0"/>
           </a:p>
@@ -1828,7 +1829,7 @@
             <a:fld id="{B61BEF0D-F0BB-DE4B-95CE-6DB70DBA9567}" type="datetimeFigureOut">
               <a:rPr lang="en-US" dirty="0"/>
               <a:pPr/>
-              <a:t>12/31/2020</a:t>
+              <a:t>1/1/2021</a:t>
             </a:fld>
             <a:endParaRPr lang="en-US" dirty="0"/>
           </a:p>
@@ -2165,7 +2166,7 @@
             <a:fld id="{B61BEF0D-F0BB-DE4B-95CE-6DB70DBA9567}" type="datetimeFigureOut">
               <a:rPr lang="en-US" dirty="0"/>
               <a:pPr/>
-              <a:t>12/31/2020</a:t>
+              <a:t>1/1/2021</a:t>
             </a:fld>
             <a:endParaRPr lang="en-US" dirty="0"/>
           </a:p>
@@ -2483,7 +2484,7 @@
             <a:fld id="{B61BEF0D-F0BB-DE4B-95CE-6DB70DBA9567}" type="datetimeFigureOut">
               <a:rPr lang="en-US" dirty="0"/>
               <a:pPr/>
-              <a:t>12/31/2020</a:t>
+              <a:t>1/1/2021</a:t>
             </a:fld>
             <a:endParaRPr lang="en-US" dirty="0"/>
           </a:p>
@@ -2880,7 +2881,7 @@
             <a:fld id="{B61BEF0D-F0BB-DE4B-95CE-6DB70DBA9567}" type="datetimeFigureOut">
               <a:rPr lang="en-US" dirty="0"/>
               <a:pPr/>
-              <a:t>12/31/2020</a:t>
+              <a:t>1/1/2021</a:t>
             </a:fld>
             <a:endParaRPr lang="en-US" dirty="0"/>
           </a:p>
@@ -3053,7 +3054,7 @@
           <a:p>
             <a:fld id="{55C6B4A9-1611-4792-9094-5F34BCA07E0B}" type="datetimeFigureOut">
               <a:rPr lang="en-US" dirty="0"/>
-              <a:t>12/31/2020</a:t>
+              <a:t>1/1/2021</a:t>
             </a:fld>
             <a:endParaRPr lang="en-US" dirty="0"/>
           </a:p>
@@ -3236,7 +3237,7 @@
             <a:fld id="{B61BEF0D-F0BB-DE4B-95CE-6DB70DBA9567}" type="datetimeFigureOut">
               <a:rPr lang="en-US" dirty="0"/>
               <a:pPr/>
-              <a:t>12/31/2020</a:t>
+              <a:t>1/1/2021</a:t>
             </a:fld>
             <a:endParaRPr lang="en-US" dirty="0"/>
           </a:p>
@@ -3409,7 +3410,7 @@
           <a:p>
             <a:fld id="{42A54C80-263E-416B-A8E0-580EDEADCBDC}" type="datetimeFigureOut">
               <a:rPr lang="en-US" dirty="0"/>
-              <a:t>12/31/2020</a:t>
+              <a:t>1/1/2021</a:t>
             </a:fld>
             <a:endParaRPr lang="en-US" dirty="0"/>
           </a:p>
@@ -3659,7 +3660,7 @@
             <a:fld id="{B61BEF0D-F0BB-DE4B-95CE-6DB70DBA9567}" type="datetimeFigureOut">
               <a:rPr lang="en-US" dirty="0"/>
               <a:pPr/>
-              <a:t>12/31/2020</a:t>
+              <a:t>1/1/2021</a:t>
             </a:fld>
             <a:endParaRPr lang="en-US" dirty="0"/>
           </a:p>
@@ -3894,7 +3895,7 @@
           <a:p>
             <a:fld id="{42A54C80-263E-416B-A8E0-580EDEADCBDC}" type="datetimeFigureOut">
               <a:rPr lang="en-US" dirty="0"/>
-              <a:t>12/31/2020</a:t>
+              <a:t>1/1/2021</a:t>
             </a:fld>
             <a:endParaRPr lang="en-US" dirty="0"/>
           </a:p>
@@ -4271,7 +4272,7 @@
             <a:fld id="{B61BEF0D-F0BB-DE4B-95CE-6DB70DBA9567}" type="datetimeFigureOut">
               <a:rPr lang="en-US" dirty="0"/>
               <a:pPr/>
-              <a:t>12/31/2020</a:t>
+              <a:t>1/1/2021</a:t>
             </a:fld>
             <a:endParaRPr lang="en-US" dirty="0"/>
           </a:p>
@@ -4398,7 +4399,7 @@
             <a:fld id="{B61BEF0D-F0BB-DE4B-95CE-6DB70DBA9567}" type="datetimeFigureOut">
               <a:rPr lang="en-US" dirty="0"/>
               <a:pPr/>
-              <a:t>12/31/2020</a:t>
+              <a:t>1/1/2021</a:t>
             </a:fld>
             <a:endParaRPr lang="en-US" dirty="0"/>
           </a:p>
@@ -4490,7 +4491,7 @@
             <a:fld id="{B61BEF0D-F0BB-DE4B-95CE-6DB70DBA9567}" type="datetimeFigureOut">
               <a:rPr lang="en-US" dirty="0"/>
               <a:pPr/>
-              <a:t>12/31/2020</a:t>
+              <a:t>1/1/2021</a:t>
             </a:fld>
             <a:endParaRPr lang="en-US" dirty="0"/>
           </a:p>
@@ -4748,7 +4749,7 @@
           <a:p>
             <a:fld id="{42A54C80-263E-416B-A8E0-580EDEADCBDC}" type="datetimeFigureOut">
               <a:rPr lang="en-US" dirty="0"/>
-              <a:t>12/31/2020</a:t>
+              <a:t>1/1/2021</a:t>
             </a:fld>
             <a:endParaRPr lang="en-US" dirty="0"/>
           </a:p>
@@ -5057,7 +5058,7 @@
             <a:fld id="{B61BEF0D-F0BB-DE4B-95CE-6DB70DBA9567}" type="datetimeFigureOut">
               <a:rPr lang="en-US" dirty="0"/>
               <a:pPr/>
-              <a:t>12/31/2020</a:t>
+              <a:t>1/1/2021</a:t>
             </a:fld>
             <a:endParaRPr lang="en-US" dirty="0"/>
           </a:p>
@@ -5762,7 +5763,7 @@
             <a:fld id="{B61BEF0D-F0BB-DE4B-95CE-6DB70DBA9567}" type="datetimeFigureOut">
               <a:rPr lang="en-US" dirty="0"/>
               <a:pPr/>
-              <a:t>12/31/2020</a:t>
+              <a:t>1/1/2021</a:t>
             </a:fld>
             <a:endParaRPr lang="en-US" dirty="0"/>
           </a:p>
@@ -6349,7 +6350,7 @@
             <a:fld id="{4805910D-2C61-424F-80CE-807290CF0E1E}" type="datetime4">
               <a:rPr lang="zh-TW" altLang="zh-TW"/>
               <a:pPr/>
-              <a:t>109年12月31日星期四</a:t>
+              <a:t>110年1月1日星期五</a:t>
             </a:fld>
             <a:endParaRPr lang="zh-TW" altLang="en-US" dirty="0"/>
           </a:p>
@@ -12265,8 +12266,8 @@
           </a:p>
         </p:txBody>
       </p:sp>
-      <mc:AlternateContent xmlns:mc="http://schemas.openxmlformats.org/markup-compatibility/2006">
-        <mc:Choice xmlns:a14="http://schemas.microsoft.com/office/drawing/2010/main" Requires="a14">
+      <mc:AlternateContent xmlns:mc="http://schemas.openxmlformats.org/markup-compatibility/2006" xmlns:a14="http://schemas.microsoft.com/office/drawing/2010/main">
+        <mc:Choice Requires="a14">
           <p:sp>
             <p:nvSpPr>
               <p:cNvPr id="3" name="內容版面配置區 2"/>
@@ -12620,7 +12621,7 @@
             </p:txBody>
           </p:sp>
         </mc:Choice>
-        <mc:Fallback>
+        <mc:Fallback xmlns="">
           <p:sp>
             <p:nvSpPr>
               <p:cNvPr id="3" name="內容版面配置區 2"/>
@@ -25136,7 +25137,6 @@
               <a:rPr lang="zh-TW" altLang="en-US" dirty="0"/>
               <a:t>反轉表</a:t>
             </a:r>
-            <a:endParaRPr lang="zh-TW" altLang="en-US" dirty="0"/>
           </a:p>
         </p:txBody>
       </p:sp>
@@ -29344,7 +29344,15 @@
                 <a:pPr lvl="1"/>
                 <a:r>
                   <a:rPr lang="zh-TW" altLang="en-US" dirty="0" smtClean="0"/>
-                  <a:t>法一：暴力解，迴圈算接乘，再乘除，會數字超大！</a:t>
+                  <a:t>法一：暴力解，迴圈</a:t>
+                </a:r>
+                <a:r>
+                  <a:rPr lang="zh-TW" altLang="en-US" dirty="0" smtClean="0"/>
+                  <a:t>算階乘</a:t>
+                </a:r>
+                <a:r>
+                  <a:rPr lang="zh-TW" altLang="en-US" dirty="0" smtClean="0"/>
+                  <a:t>，再乘除，會數字超大！</a:t>
                 </a:r>
                 <a:endParaRPr lang="en-US" altLang="zh-TW" dirty="0" smtClean="0"/>
               </a:p>
@@ -29408,6 +29416,6263 @@
           </p:sp>
         </mc:Fallback>
       </mc:AlternateContent>
+      <p:graphicFrame>
+        <p:nvGraphicFramePr>
+          <p:cNvPr id="4" name="表格 3"/>
+          <p:cNvGraphicFramePr>
+            <a:graphicFrameLocks noGrp="1"/>
+          </p:cNvGraphicFramePr>
+          <p:nvPr>
+            <p:extLst>
+              <p:ext uri="{D42A27DB-BD31-4B8C-83A1-F6EECF244321}">
+                <p14:modId xmlns:p14="http://schemas.microsoft.com/office/powerpoint/2010/main" val="2895749646"/>
+              </p:ext>
+            </p:extLst>
+          </p:nvPr>
+        </p:nvGraphicFramePr>
+        <p:xfrm>
+          <a:off x="7238162" y="2863078"/>
+          <a:ext cx="3657600" cy="3741552"/>
+        </p:xfrm>
+        <a:graphic>
+          <a:graphicData uri="http://schemas.openxmlformats.org/drawingml/2006/table">
+            <a:tbl>
+              <a:tblPr firstRow="1" bandRow="1">
+                <a:tableStyleId>{5C22544A-7EE6-4342-B048-85BDC9FD1C3A}</a:tableStyleId>
+              </a:tblPr>
+              <a:tblGrid>
+                <a:gridCol w="406400">
+                  <a:extLst>
+                    <a:ext uri="{9D8B030D-6E8A-4147-A177-3AD203B41FA5}">
+                      <a16:colId xmlns:a16="http://schemas.microsoft.com/office/drawing/2014/main" val="3717514790"/>
+                    </a:ext>
+                  </a:extLst>
+                </a:gridCol>
+                <a:gridCol w="406400">
+                  <a:extLst>
+                    <a:ext uri="{9D8B030D-6E8A-4147-A177-3AD203B41FA5}">
+                      <a16:colId xmlns:a16="http://schemas.microsoft.com/office/drawing/2014/main" val="2799693078"/>
+                    </a:ext>
+                  </a:extLst>
+                </a:gridCol>
+                <a:gridCol w="406400">
+                  <a:extLst>
+                    <a:ext uri="{9D8B030D-6E8A-4147-A177-3AD203B41FA5}">
+                      <a16:colId xmlns:a16="http://schemas.microsoft.com/office/drawing/2014/main" val="240781048"/>
+                    </a:ext>
+                  </a:extLst>
+                </a:gridCol>
+                <a:gridCol w="406400">
+                  <a:extLst>
+                    <a:ext uri="{9D8B030D-6E8A-4147-A177-3AD203B41FA5}">
+                      <a16:colId xmlns:a16="http://schemas.microsoft.com/office/drawing/2014/main" val="3565601257"/>
+                    </a:ext>
+                  </a:extLst>
+                </a:gridCol>
+                <a:gridCol w="406400">
+                  <a:extLst>
+                    <a:ext uri="{9D8B030D-6E8A-4147-A177-3AD203B41FA5}">
+                      <a16:colId xmlns:a16="http://schemas.microsoft.com/office/drawing/2014/main" val="3996608123"/>
+                    </a:ext>
+                  </a:extLst>
+                </a:gridCol>
+                <a:gridCol w="406400">
+                  <a:extLst>
+                    <a:ext uri="{9D8B030D-6E8A-4147-A177-3AD203B41FA5}">
+                      <a16:colId xmlns:a16="http://schemas.microsoft.com/office/drawing/2014/main" val="35339013"/>
+                    </a:ext>
+                  </a:extLst>
+                </a:gridCol>
+                <a:gridCol w="406400">
+                  <a:extLst>
+                    <a:ext uri="{9D8B030D-6E8A-4147-A177-3AD203B41FA5}">
+                      <a16:colId xmlns:a16="http://schemas.microsoft.com/office/drawing/2014/main" val="1984066138"/>
+                    </a:ext>
+                  </a:extLst>
+                </a:gridCol>
+                <a:gridCol w="406400">
+                  <a:extLst>
+                    <a:ext uri="{9D8B030D-6E8A-4147-A177-3AD203B41FA5}">
+                      <a16:colId xmlns:a16="http://schemas.microsoft.com/office/drawing/2014/main" val="729936901"/>
+                    </a:ext>
+                  </a:extLst>
+                </a:gridCol>
+                <a:gridCol w="406400">
+                  <a:extLst>
+                    <a:ext uri="{9D8B030D-6E8A-4147-A177-3AD203B41FA5}">
+                      <a16:colId xmlns:a16="http://schemas.microsoft.com/office/drawing/2014/main" val="2192136081"/>
+                    </a:ext>
+                  </a:extLst>
+                </a:gridCol>
+              </a:tblGrid>
+              <a:tr h="415728">
+                <a:tc>
+                  <a:txBody>
+                    <a:bodyPr/>
+                    <a:lstStyle/>
+                    <a:p>
+                      <a:pPr algn="ctr"/>
+                      <a:endParaRPr lang="zh-TW" altLang="en-US" sz="1600" dirty="0">
+                        <a:solidFill>
+                          <a:schemeClr val="tx1"/>
+                        </a:solidFill>
+                      </a:endParaRPr>
+                    </a:p>
+                  </a:txBody>
+                  <a:tcPr anchor="ctr">
+                    <a:lnL w="12700" cap="flat" cmpd="sng" algn="ctr">
+                      <a:noFill/>
+                      <a:prstDash val="solid"/>
+                      <a:round/>
+                      <a:headEnd type="none" w="med" len="med"/>
+                      <a:tailEnd type="none" w="med" len="med"/>
+                    </a:lnL>
+                    <a:lnR w="12700" cap="flat" cmpd="sng" algn="ctr">
+                      <a:noFill/>
+                      <a:prstDash val="solid"/>
+                      <a:round/>
+                      <a:headEnd type="none" w="med" len="med"/>
+                      <a:tailEnd type="none" w="med" len="med"/>
+                    </a:lnR>
+                    <a:lnT w="12700" cap="flat" cmpd="sng" algn="ctr">
+                      <a:noFill/>
+                      <a:prstDash val="solid"/>
+                      <a:round/>
+                      <a:headEnd type="none" w="med" len="med"/>
+                      <a:tailEnd type="none" w="med" len="med"/>
+                    </a:lnT>
+                    <a:lnB w="12700" cap="flat" cmpd="sng" algn="ctr">
+                      <a:noFill/>
+                      <a:prstDash val="solid"/>
+                      <a:round/>
+                      <a:headEnd type="none" w="med" len="med"/>
+                      <a:tailEnd type="none" w="med" len="med"/>
+                    </a:lnB>
+                    <a:lnTlToBr w="12700" cmpd="sng">
+                      <a:noFill/>
+                      <a:prstDash val="solid"/>
+                    </a:lnTlToBr>
+                    <a:lnBlToTr w="12700" cmpd="sng">
+                      <a:noFill/>
+                      <a:prstDash val="solid"/>
+                    </a:lnBlToTr>
+                    <a:solidFill>
+                      <a:schemeClr val="bg1"/>
+                    </a:solidFill>
+                  </a:tcPr>
+                </a:tc>
+                <a:tc>
+                  <a:txBody>
+                    <a:bodyPr/>
+                    <a:lstStyle/>
+                    <a:p>
+                      <a:pPr algn="ctr"/>
+                      <a:r>
+                        <a:rPr lang="en-US" altLang="zh-TW" sz="1600" dirty="0" smtClean="0">
+                          <a:solidFill>
+                            <a:srgbClr val="FF0000"/>
+                          </a:solidFill>
+                        </a:rPr>
+                        <a:t>0</a:t>
+                      </a:r>
+                      <a:endParaRPr lang="zh-TW" altLang="en-US" sz="1600" dirty="0">
+                        <a:solidFill>
+                          <a:srgbClr val="FF0000"/>
+                        </a:solidFill>
+                      </a:endParaRPr>
+                    </a:p>
+                  </a:txBody>
+                  <a:tcPr anchor="ctr">
+                    <a:lnL w="12700" cap="flat" cmpd="sng" algn="ctr">
+                      <a:noFill/>
+                      <a:prstDash val="solid"/>
+                      <a:round/>
+                      <a:headEnd type="none" w="med" len="med"/>
+                      <a:tailEnd type="none" w="med" len="med"/>
+                    </a:lnL>
+                    <a:lnR w="12700" cap="flat" cmpd="sng" algn="ctr">
+                      <a:noFill/>
+                      <a:prstDash val="solid"/>
+                      <a:round/>
+                      <a:headEnd type="none" w="med" len="med"/>
+                      <a:tailEnd type="none" w="med" len="med"/>
+                    </a:lnR>
+                    <a:lnT w="12700" cap="flat" cmpd="sng" algn="ctr">
+                      <a:noFill/>
+                      <a:prstDash val="solid"/>
+                      <a:round/>
+                      <a:headEnd type="none" w="med" len="med"/>
+                      <a:tailEnd type="none" w="med" len="med"/>
+                    </a:lnT>
+                    <a:lnB w="12700" cap="flat" cmpd="sng" algn="ctr">
+                      <a:solidFill>
+                        <a:schemeClr val="tx1"/>
+                      </a:solidFill>
+                      <a:prstDash val="solid"/>
+                      <a:round/>
+                      <a:headEnd type="none" w="med" len="med"/>
+                      <a:tailEnd type="none" w="med" len="med"/>
+                    </a:lnB>
+                    <a:lnTlToBr w="12700" cmpd="sng">
+                      <a:noFill/>
+                      <a:prstDash val="solid"/>
+                    </a:lnTlToBr>
+                    <a:lnBlToTr w="12700" cmpd="sng">
+                      <a:noFill/>
+                      <a:prstDash val="solid"/>
+                    </a:lnBlToTr>
+                    <a:solidFill>
+                      <a:schemeClr val="bg1"/>
+                    </a:solidFill>
+                  </a:tcPr>
+                </a:tc>
+                <a:tc>
+                  <a:txBody>
+                    <a:bodyPr/>
+                    <a:lstStyle/>
+                    <a:p>
+                      <a:pPr algn="ctr"/>
+                      <a:r>
+                        <a:rPr lang="en-US" altLang="zh-TW" sz="1600" dirty="0" smtClean="0">
+                          <a:solidFill>
+                            <a:srgbClr val="FF0000"/>
+                          </a:solidFill>
+                        </a:rPr>
+                        <a:t>1</a:t>
+                      </a:r>
+                      <a:endParaRPr lang="zh-TW" altLang="en-US" sz="1600" dirty="0">
+                        <a:solidFill>
+                          <a:srgbClr val="FF0000"/>
+                        </a:solidFill>
+                      </a:endParaRPr>
+                    </a:p>
+                  </a:txBody>
+                  <a:tcPr anchor="ctr">
+                    <a:lnL w="12700" cap="flat" cmpd="sng" algn="ctr">
+                      <a:noFill/>
+                      <a:prstDash val="solid"/>
+                      <a:round/>
+                      <a:headEnd type="none" w="med" len="med"/>
+                      <a:tailEnd type="none" w="med" len="med"/>
+                    </a:lnL>
+                    <a:lnR w="12700" cap="flat" cmpd="sng" algn="ctr">
+                      <a:noFill/>
+                      <a:prstDash val="solid"/>
+                      <a:round/>
+                      <a:headEnd type="none" w="med" len="med"/>
+                      <a:tailEnd type="none" w="med" len="med"/>
+                    </a:lnR>
+                    <a:lnT w="12700" cap="flat" cmpd="sng" algn="ctr">
+                      <a:noFill/>
+                      <a:prstDash val="solid"/>
+                      <a:round/>
+                      <a:headEnd type="none" w="med" len="med"/>
+                      <a:tailEnd type="none" w="med" len="med"/>
+                    </a:lnT>
+                    <a:lnB w="12700" cap="flat" cmpd="sng" algn="ctr">
+                      <a:solidFill>
+                        <a:schemeClr val="tx1"/>
+                      </a:solidFill>
+                      <a:prstDash val="solid"/>
+                      <a:round/>
+                      <a:headEnd type="none" w="med" len="med"/>
+                      <a:tailEnd type="none" w="med" len="med"/>
+                    </a:lnB>
+                    <a:lnTlToBr w="12700" cmpd="sng">
+                      <a:noFill/>
+                      <a:prstDash val="solid"/>
+                    </a:lnTlToBr>
+                    <a:lnBlToTr w="12700" cmpd="sng">
+                      <a:noFill/>
+                      <a:prstDash val="solid"/>
+                    </a:lnBlToTr>
+                    <a:solidFill>
+                      <a:schemeClr val="bg1"/>
+                    </a:solidFill>
+                  </a:tcPr>
+                </a:tc>
+                <a:tc>
+                  <a:txBody>
+                    <a:bodyPr/>
+                    <a:lstStyle/>
+                    <a:p>
+                      <a:pPr algn="ctr"/>
+                      <a:r>
+                        <a:rPr lang="en-US" altLang="zh-TW" sz="1600" dirty="0" smtClean="0">
+                          <a:solidFill>
+                            <a:srgbClr val="FF0000"/>
+                          </a:solidFill>
+                        </a:rPr>
+                        <a:t>2</a:t>
+                      </a:r>
+                      <a:endParaRPr lang="zh-TW" altLang="en-US" sz="1600" dirty="0">
+                        <a:solidFill>
+                          <a:srgbClr val="FF0000"/>
+                        </a:solidFill>
+                      </a:endParaRPr>
+                    </a:p>
+                  </a:txBody>
+                  <a:tcPr anchor="ctr">
+                    <a:lnL w="12700" cap="flat" cmpd="sng" algn="ctr">
+                      <a:noFill/>
+                      <a:prstDash val="solid"/>
+                      <a:round/>
+                      <a:headEnd type="none" w="med" len="med"/>
+                      <a:tailEnd type="none" w="med" len="med"/>
+                    </a:lnL>
+                    <a:lnR w="12700" cap="flat" cmpd="sng" algn="ctr">
+                      <a:noFill/>
+                      <a:prstDash val="solid"/>
+                      <a:round/>
+                      <a:headEnd type="none" w="med" len="med"/>
+                      <a:tailEnd type="none" w="med" len="med"/>
+                    </a:lnR>
+                    <a:lnT w="12700" cap="flat" cmpd="sng" algn="ctr">
+                      <a:noFill/>
+                      <a:prstDash val="solid"/>
+                      <a:round/>
+                      <a:headEnd type="none" w="med" len="med"/>
+                      <a:tailEnd type="none" w="med" len="med"/>
+                    </a:lnT>
+                    <a:lnB w="12700" cap="flat" cmpd="sng" algn="ctr">
+                      <a:solidFill>
+                        <a:schemeClr val="tx1"/>
+                      </a:solidFill>
+                      <a:prstDash val="solid"/>
+                      <a:round/>
+                      <a:headEnd type="none" w="med" len="med"/>
+                      <a:tailEnd type="none" w="med" len="med"/>
+                    </a:lnB>
+                    <a:lnTlToBr w="12700" cmpd="sng">
+                      <a:noFill/>
+                      <a:prstDash val="solid"/>
+                    </a:lnTlToBr>
+                    <a:lnBlToTr w="12700" cmpd="sng">
+                      <a:noFill/>
+                      <a:prstDash val="solid"/>
+                    </a:lnBlToTr>
+                    <a:solidFill>
+                      <a:schemeClr val="bg1"/>
+                    </a:solidFill>
+                  </a:tcPr>
+                </a:tc>
+                <a:tc>
+                  <a:txBody>
+                    <a:bodyPr/>
+                    <a:lstStyle/>
+                    <a:p>
+                      <a:pPr algn="ctr"/>
+                      <a:r>
+                        <a:rPr lang="en-US" altLang="zh-TW" sz="1600" dirty="0" smtClean="0">
+                          <a:solidFill>
+                            <a:srgbClr val="FF0000"/>
+                          </a:solidFill>
+                        </a:rPr>
+                        <a:t>3</a:t>
+                      </a:r>
+                      <a:endParaRPr lang="zh-TW" altLang="en-US" sz="1600" dirty="0">
+                        <a:solidFill>
+                          <a:srgbClr val="FF0000"/>
+                        </a:solidFill>
+                      </a:endParaRPr>
+                    </a:p>
+                  </a:txBody>
+                  <a:tcPr anchor="ctr">
+                    <a:lnL w="12700" cap="flat" cmpd="sng" algn="ctr">
+                      <a:noFill/>
+                      <a:prstDash val="solid"/>
+                      <a:round/>
+                      <a:headEnd type="none" w="med" len="med"/>
+                      <a:tailEnd type="none" w="med" len="med"/>
+                    </a:lnL>
+                    <a:lnR w="12700" cap="flat" cmpd="sng" algn="ctr">
+                      <a:noFill/>
+                      <a:prstDash val="solid"/>
+                      <a:round/>
+                      <a:headEnd type="none" w="med" len="med"/>
+                      <a:tailEnd type="none" w="med" len="med"/>
+                    </a:lnR>
+                    <a:lnT w="12700" cap="flat" cmpd="sng" algn="ctr">
+                      <a:noFill/>
+                      <a:prstDash val="solid"/>
+                      <a:round/>
+                      <a:headEnd type="none" w="med" len="med"/>
+                      <a:tailEnd type="none" w="med" len="med"/>
+                    </a:lnT>
+                    <a:lnB w="12700" cap="flat" cmpd="sng" algn="ctr">
+                      <a:solidFill>
+                        <a:schemeClr val="tx1"/>
+                      </a:solidFill>
+                      <a:prstDash val="solid"/>
+                      <a:round/>
+                      <a:headEnd type="none" w="med" len="med"/>
+                      <a:tailEnd type="none" w="med" len="med"/>
+                    </a:lnB>
+                    <a:lnTlToBr w="12700" cmpd="sng">
+                      <a:noFill/>
+                      <a:prstDash val="solid"/>
+                    </a:lnTlToBr>
+                    <a:lnBlToTr w="12700" cmpd="sng">
+                      <a:noFill/>
+                      <a:prstDash val="solid"/>
+                    </a:lnBlToTr>
+                    <a:solidFill>
+                      <a:schemeClr val="bg1"/>
+                    </a:solidFill>
+                  </a:tcPr>
+                </a:tc>
+                <a:tc>
+                  <a:txBody>
+                    <a:bodyPr/>
+                    <a:lstStyle/>
+                    <a:p>
+                      <a:pPr algn="ctr"/>
+                      <a:r>
+                        <a:rPr lang="en-US" altLang="zh-TW" sz="1600" dirty="0" smtClean="0">
+                          <a:solidFill>
+                            <a:srgbClr val="FF0000"/>
+                          </a:solidFill>
+                        </a:rPr>
+                        <a:t>4</a:t>
+                      </a:r>
+                      <a:endParaRPr lang="zh-TW" altLang="en-US" sz="1600" dirty="0">
+                        <a:solidFill>
+                          <a:srgbClr val="FF0000"/>
+                        </a:solidFill>
+                      </a:endParaRPr>
+                    </a:p>
+                  </a:txBody>
+                  <a:tcPr anchor="ctr">
+                    <a:lnL w="12700" cap="flat" cmpd="sng" algn="ctr">
+                      <a:noFill/>
+                      <a:prstDash val="solid"/>
+                      <a:round/>
+                      <a:headEnd type="none" w="med" len="med"/>
+                      <a:tailEnd type="none" w="med" len="med"/>
+                    </a:lnL>
+                    <a:lnR w="12700" cap="flat" cmpd="sng" algn="ctr">
+                      <a:noFill/>
+                      <a:prstDash val="solid"/>
+                      <a:round/>
+                      <a:headEnd type="none" w="med" len="med"/>
+                      <a:tailEnd type="none" w="med" len="med"/>
+                    </a:lnR>
+                    <a:lnT w="12700" cap="flat" cmpd="sng" algn="ctr">
+                      <a:noFill/>
+                      <a:prstDash val="solid"/>
+                      <a:round/>
+                      <a:headEnd type="none" w="med" len="med"/>
+                      <a:tailEnd type="none" w="med" len="med"/>
+                    </a:lnT>
+                    <a:lnB w="12700" cap="flat" cmpd="sng" algn="ctr">
+                      <a:solidFill>
+                        <a:schemeClr val="tx1"/>
+                      </a:solidFill>
+                      <a:prstDash val="solid"/>
+                      <a:round/>
+                      <a:headEnd type="none" w="med" len="med"/>
+                      <a:tailEnd type="none" w="med" len="med"/>
+                    </a:lnB>
+                    <a:lnTlToBr w="12700" cmpd="sng">
+                      <a:noFill/>
+                      <a:prstDash val="solid"/>
+                    </a:lnTlToBr>
+                    <a:lnBlToTr w="12700" cmpd="sng">
+                      <a:noFill/>
+                      <a:prstDash val="solid"/>
+                    </a:lnBlToTr>
+                    <a:solidFill>
+                      <a:schemeClr val="bg1"/>
+                    </a:solidFill>
+                  </a:tcPr>
+                </a:tc>
+                <a:tc>
+                  <a:txBody>
+                    <a:bodyPr/>
+                    <a:lstStyle/>
+                    <a:p>
+                      <a:pPr algn="ctr"/>
+                      <a:r>
+                        <a:rPr lang="en-US" altLang="zh-TW" sz="1600" dirty="0" smtClean="0">
+                          <a:solidFill>
+                            <a:srgbClr val="FF0000"/>
+                          </a:solidFill>
+                        </a:rPr>
+                        <a:t>5</a:t>
+                      </a:r>
+                      <a:endParaRPr lang="zh-TW" altLang="en-US" sz="1600" dirty="0">
+                        <a:solidFill>
+                          <a:srgbClr val="FF0000"/>
+                        </a:solidFill>
+                      </a:endParaRPr>
+                    </a:p>
+                  </a:txBody>
+                  <a:tcPr anchor="ctr">
+                    <a:lnL w="12700" cap="flat" cmpd="sng" algn="ctr">
+                      <a:noFill/>
+                      <a:prstDash val="solid"/>
+                      <a:round/>
+                      <a:headEnd type="none" w="med" len="med"/>
+                      <a:tailEnd type="none" w="med" len="med"/>
+                    </a:lnL>
+                    <a:lnR w="12700" cap="flat" cmpd="sng" algn="ctr">
+                      <a:noFill/>
+                      <a:prstDash val="solid"/>
+                      <a:round/>
+                      <a:headEnd type="none" w="med" len="med"/>
+                      <a:tailEnd type="none" w="med" len="med"/>
+                    </a:lnR>
+                    <a:lnT w="12700" cap="flat" cmpd="sng" algn="ctr">
+                      <a:noFill/>
+                      <a:prstDash val="solid"/>
+                      <a:round/>
+                      <a:headEnd type="none" w="med" len="med"/>
+                      <a:tailEnd type="none" w="med" len="med"/>
+                    </a:lnT>
+                    <a:lnB w="12700" cap="flat" cmpd="sng" algn="ctr">
+                      <a:solidFill>
+                        <a:schemeClr val="tx1"/>
+                      </a:solidFill>
+                      <a:prstDash val="solid"/>
+                      <a:round/>
+                      <a:headEnd type="none" w="med" len="med"/>
+                      <a:tailEnd type="none" w="med" len="med"/>
+                    </a:lnB>
+                    <a:lnTlToBr w="12700" cmpd="sng">
+                      <a:noFill/>
+                      <a:prstDash val="solid"/>
+                    </a:lnTlToBr>
+                    <a:lnBlToTr w="12700" cmpd="sng">
+                      <a:noFill/>
+                      <a:prstDash val="solid"/>
+                    </a:lnBlToTr>
+                    <a:solidFill>
+                      <a:schemeClr val="bg1"/>
+                    </a:solidFill>
+                  </a:tcPr>
+                </a:tc>
+                <a:tc>
+                  <a:txBody>
+                    <a:bodyPr/>
+                    <a:lstStyle/>
+                    <a:p>
+                      <a:pPr algn="ctr"/>
+                      <a:r>
+                        <a:rPr lang="en-US" altLang="zh-TW" sz="1600" dirty="0" smtClean="0">
+                          <a:solidFill>
+                            <a:srgbClr val="FF0000"/>
+                          </a:solidFill>
+                        </a:rPr>
+                        <a:t>6</a:t>
+                      </a:r>
+                      <a:endParaRPr lang="zh-TW" altLang="en-US" sz="1600" dirty="0">
+                        <a:solidFill>
+                          <a:srgbClr val="FF0000"/>
+                        </a:solidFill>
+                      </a:endParaRPr>
+                    </a:p>
+                  </a:txBody>
+                  <a:tcPr anchor="ctr">
+                    <a:lnL w="12700" cap="flat" cmpd="sng" algn="ctr">
+                      <a:noFill/>
+                      <a:prstDash val="solid"/>
+                      <a:round/>
+                      <a:headEnd type="none" w="med" len="med"/>
+                      <a:tailEnd type="none" w="med" len="med"/>
+                    </a:lnL>
+                    <a:lnR w="12700" cap="flat" cmpd="sng" algn="ctr">
+                      <a:noFill/>
+                      <a:prstDash val="solid"/>
+                      <a:round/>
+                      <a:headEnd type="none" w="med" len="med"/>
+                      <a:tailEnd type="none" w="med" len="med"/>
+                    </a:lnR>
+                    <a:lnT w="12700" cap="flat" cmpd="sng" algn="ctr">
+                      <a:noFill/>
+                      <a:prstDash val="solid"/>
+                      <a:round/>
+                      <a:headEnd type="none" w="med" len="med"/>
+                      <a:tailEnd type="none" w="med" len="med"/>
+                    </a:lnT>
+                    <a:lnB w="12700" cap="flat" cmpd="sng" algn="ctr">
+                      <a:solidFill>
+                        <a:schemeClr val="tx1"/>
+                      </a:solidFill>
+                      <a:prstDash val="solid"/>
+                      <a:round/>
+                      <a:headEnd type="none" w="med" len="med"/>
+                      <a:tailEnd type="none" w="med" len="med"/>
+                    </a:lnB>
+                    <a:lnTlToBr w="12700" cmpd="sng">
+                      <a:noFill/>
+                      <a:prstDash val="solid"/>
+                    </a:lnTlToBr>
+                    <a:lnBlToTr w="12700" cmpd="sng">
+                      <a:noFill/>
+                      <a:prstDash val="solid"/>
+                    </a:lnBlToTr>
+                    <a:solidFill>
+                      <a:schemeClr val="bg1"/>
+                    </a:solidFill>
+                  </a:tcPr>
+                </a:tc>
+                <a:tc>
+                  <a:txBody>
+                    <a:bodyPr/>
+                    <a:lstStyle/>
+                    <a:p>
+                      <a:pPr algn="ctr"/>
+                      <a:r>
+                        <a:rPr lang="en-US" altLang="zh-TW" sz="1600" dirty="0" smtClean="0">
+                          <a:solidFill>
+                            <a:srgbClr val="FF0000"/>
+                          </a:solidFill>
+                        </a:rPr>
+                        <a:t>7</a:t>
+                      </a:r>
+                      <a:endParaRPr lang="zh-TW" altLang="en-US" sz="1600" dirty="0">
+                        <a:solidFill>
+                          <a:srgbClr val="FF0000"/>
+                        </a:solidFill>
+                      </a:endParaRPr>
+                    </a:p>
+                  </a:txBody>
+                  <a:tcPr anchor="ctr">
+                    <a:lnL w="12700" cap="flat" cmpd="sng" algn="ctr">
+                      <a:noFill/>
+                      <a:prstDash val="solid"/>
+                      <a:round/>
+                      <a:headEnd type="none" w="med" len="med"/>
+                      <a:tailEnd type="none" w="med" len="med"/>
+                    </a:lnL>
+                    <a:lnR w="12700" cap="flat" cmpd="sng" algn="ctr">
+                      <a:noFill/>
+                      <a:prstDash val="solid"/>
+                      <a:round/>
+                      <a:headEnd type="none" w="med" len="med"/>
+                      <a:tailEnd type="none" w="med" len="med"/>
+                    </a:lnR>
+                    <a:lnT w="12700" cap="flat" cmpd="sng" algn="ctr">
+                      <a:noFill/>
+                      <a:prstDash val="solid"/>
+                      <a:round/>
+                      <a:headEnd type="none" w="med" len="med"/>
+                      <a:tailEnd type="none" w="med" len="med"/>
+                    </a:lnT>
+                    <a:lnB w="12700" cap="flat" cmpd="sng" algn="ctr">
+                      <a:solidFill>
+                        <a:schemeClr val="tx1"/>
+                      </a:solidFill>
+                      <a:prstDash val="solid"/>
+                      <a:round/>
+                      <a:headEnd type="none" w="med" len="med"/>
+                      <a:tailEnd type="none" w="med" len="med"/>
+                    </a:lnB>
+                    <a:lnTlToBr w="12700" cmpd="sng">
+                      <a:noFill/>
+                      <a:prstDash val="solid"/>
+                    </a:lnTlToBr>
+                    <a:lnBlToTr w="12700" cmpd="sng">
+                      <a:noFill/>
+                      <a:prstDash val="solid"/>
+                    </a:lnBlToTr>
+                    <a:solidFill>
+                      <a:schemeClr val="bg1"/>
+                    </a:solidFill>
+                  </a:tcPr>
+                </a:tc>
+                <a:extLst>
+                  <a:ext uri="{0D108BD9-81ED-4DB2-BD59-A6C34878D82A}">
+                    <a16:rowId xmlns:a16="http://schemas.microsoft.com/office/drawing/2014/main" val="1750425106"/>
+                  </a:ext>
+                </a:extLst>
+              </a:tr>
+              <a:tr h="415728">
+                <a:tc>
+                  <a:txBody>
+                    <a:bodyPr/>
+                    <a:lstStyle/>
+                    <a:p>
+                      <a:pPr algn="ctr"/>
+                      <a:r>
+                        <a:rPr lang="en-US" altLang="zh-TW" sz="1600" dirty="0" smtClean="0">
+                          <a:solidFill>
+                            <a:srgbClr val="FF0000"/>
+                          </a:solidFill>
+                        </a:rPr>
+                        <a:t>0</a:t>
+                      </a:r>
+                      <a:endParaRPr lang="zh-TW" altLang="en-US" sz="1600" dirty="0">
+                        <a:solidFill>
+                          <a:srgbClr val="FF0000"/>
+                        </a:solidFill>
+                      </a:endParaRPr>
+                    </a:p>
+                  </a:txBody>
+                  <a:tcPr anchor="ctr">
+                    <a:lnL w="12700" cap="flat" cmpd="sng" algn="ctr">
+                      <a:noFill/>
+                      <a:prstDash val="solid"/>
+                      <a:round/>
+                      <a:headEnd type="none" w="med" len="med"/>
+                      <a:tailEnd type="none" w="med" len="med"/>
+                    </a:lnL>
+                    <a:lnR w="12700" cap="flat" cmpd="sng" algn="ctr">
+                      <a:solidFill>
+                        <a:schemeClr val="tx1"/>
+                      </a:solidFill>
+                      <a:prstDash val="solid"/>
+                      <a:round/>
+                      <a:headEnd type="none" w="med" len="med"/>
+                      <a:tailEnd type="none" w="med" len="med"/>
+                    </a:lnR>
+                    <a:lnT w="12700" cap="flat" cmpd="sng" algn="ctr">
+                      <a:noFill/>
+                      <a:prstDash val="solid"/>
+                      <a:round/>
+                      <a:headEnd type="none" w="med" len="med"/>
+                      <a:tailEnd type="none" w="med" len="med"/>
+                    </a:lnT>
+                    <a:lnB w="12700" cap="flat" cmpd="sng" algn="ctr">
+                      <a:noFill/>
+                      <a:prstDash val="solid"/>
+                      <a:round/>
+                      <a:headEnd type="none" w="med" len="med"/>
+                      <a:tailEnd type="none" w="med" len="med"/>
+                    </a:lnB>
+                    <a:lnTlToBr w="12700" cmpd="sng">
+                      <a:noFill/>
+                      <a:prstDash val="solid"/>
+                    </a:lnTlToBr>
+                    <a:lnBlToTr w="12700" cmpd="sng">
+                      <a:noFill/>
+                      <a:prstDash val="solid"/>
+                    </a:lnBlToTr>
+                    <a:solidFill>
+                      <a:schemeClr val="bg1"/>
+                    </a:solidFill>
+                  </a:tcPr>
+                </a:tc>
+                <a:tc>
+                  <a:txBody>
+                    <a:bodyPr/>
+                    <a:lstStyle/>
+                    <a:p>
+                      <a:pPr algn="ctr"/>
+                      <a:r>
+                        <a:rPr lang="en-US" altLang="zh-TW" sz="1600" dirty="0" smtClean="0">
+                          <a:solidFill>
+                            <a:schemeClr val="tx1"/>
+                          </a:solidFill>
+                        </a:rPr>
+                        <a:t>1</a:t>
+                      </a:r>
+                      <a:endParaRPr lang="zh-TW" altLang="en-US" sz="1600" dirty="0">
+                        <a:solidFill>
+                          <a:schemeClr val="tx1"/>
+                        </a:solidFill>
+                      </a:endParaRPr>
+                    </a:p>
+                  </a:txBody>
+                  <a:tcPr anchor="ctr">
+                    <a:lnL w="12700" cap="flat" cmpd="sng" algn="ctr">
+                      <a:solidFill>
+                        <a:schemeClr val="tx1"/>
+                      </a:solidFill>
+                      <a:prstDash val="solid"/>
+                      <a:round/>
+                      <a:headEnd type="none" w="med" len="med"/>
+                      <a:tailEnd type="none" w="med" len="med"/>
+                    </a:lnL>
+                    <a:lnR w="12700" cap="flat" cmpd="sng" algn="ctr">
+                      <a:solidFill>
+                        <a:schemeClr val="tx1"/>
+                      </a:solidFill>
+                      <a:prstDash val="solid"/>
+                      <a:round/>
+                      <a:headEnd type="none" w="med" len="med"/>
+                      <a:tailEnd type="none" w="med" len="med"/>
+                    </a:lnR>
+                    <a:lnT w="12700" cap="flat" cmpd="sng" algn="ctr">
+                      <a:solidFill>
+                        <a:schemeClr val="tx1"/>
+                      </a:solidFill>
+                      <a:prstDash val="solid"/>
+                      <a:round/>
+                      <a:headEnd type="none" w="med" len="med"/>
+                      <a:tailEnd type="none" w="med" len="med"/>
+                    </a:lnT>
+                    <a:lnB w="12700" cap="flat" cmpd="sng" algn="ctr">
+                      <a:solidFill>
+                        <a:schemeClr val="tx1"/>
+                      </a:solidFill>
+                      <a:prstDash val="solid"/>
+                      <a:round/>
+                      <a:headEnd type="none" w="med" len="med"/>
+                      <a:tailEnd type="none" w="med" len="med"/>
+                    </a:lnB>
+                    <a:lnTlToBr w="12700" cmpd="sng">
+                      <a:noFill/>
+                      <a:prstDash val="solid"/>
+                    </a:lnTlToBr>
+                    <a:lnBlToTr w="12700" cmpd="sng">
+                      <a:noFill/>
+                      <a:prstDash val="solid"/>
+                    </a:lnBlToTr>
+                    <a:solidFill>
+                      <a:schemeClr val="bg1"/>
+                    </a:solidFill>
+                  </a:tcPr>
+                </a:tc>
+                <a:tc>
+                  <a:txBody>
+                    <a:bodyPr/>
+                    <a:lstStyle/>
+                    <a:p>
+                      <a:pPr algn="ctr"/>
+                      <a:r>
+                        <a:rPr lang="en-US" altLang="zh-TW" sz="1600" dirty="0" smtClean="0">
+                          <a:solidFill>
+                            <a:schemeClr val="tx1"/>
+                          </a:solidFill>
+                        </a:rPr>
+                        <a:t>-</a:t>
+                      </a:r>
+                      <a:endParaRPr lang="zh-TW" altLang="en-US" sz="1600" dirty="0">
+                        <a:solidFill>
+                          <a:schemeClr val="tx1"/>
+                        </a:solidFill>
+                      </a:endParaRPr>
+                    </a:p>
+                  </a:txBody>
+                  <a:tcPr anchor="ctr">
+                    <a:lnL w="12700" cap="flat" cmpd="sng" algn="ctr">
+                      <a:solidFill>
+                        <a:schemeClr val="tx1"/>
+                      </a:solidFill>
+                      <a:prstDash val="solid"/>
+                      <a:round/>
+                      <a:headEnd type="none" w="med" len="med"/>
+                      <a:tailEnd type="none" w="med" len="med"/>
+                    </a:lnL>
+                    <a:lnR w="12700" cap="flat" cmpd="sng" algn="ctr">
+                      <a:solidFill>
+                        <a:schemeClr val="tx1"/>
+                      </a:solidFill>
+                      <a:prstDash val="solid"/>
+                      <a:round/>
+                      <a:headEnd type="none" w="med" len="med"/>
+                      <a:tailEnd type="none" w="med" len="med"/>
+                    </a:lnR>
+                    <a:lnT w="12700" cap="flat" cmpd="sng" algn="ctr">
+                      <a:solidFill>
+                        <a:schemeClr val="tx1"/>
+                      </a:solidFill>
+                      <a:prstDash val="solid"/>
+                      <a:round/>
+                      <a:headEnd type="none" w="med" len="med"/>
+                      <a:tailEnd type="none" w="med" len="med"/>
+                    </a:lnT>
+                    <a:lnB w="12700" cap="flat" cmpd="sng" algn="ctr">
+                      <a:solidFill>
+                        <a:schemeClr val="tx1"/>
+                      </a:solidFill>
+                      <a:prstDash val="solid"/>
+                      <a:round/>
+                      <a:headEnd type="none" w="med" len="med"/>
+                      <a:tailEnd type="none" w="med" len="med"/>
+                    </a:lnB>
+                    <a:lnTlToBr w="12700" cmpd="sng">
+                      <a:noFill/>
+                      <a:prstDash val="solid"/>
+                    </a:lnTlToBr>
+                    <a:lnBlToTr w="12700" cmpd="sng">
+                      <a:noFill/>
+                      <a:prstDash val="solid"/>
+                    </a:lnBlToTr>
+                    <a:solidFill>
+                      <a:schemeClr val="bg1"/>
+                    </a:solidFill>
+                  </a:tcPr>
+                </a:tc>
+                <a:tc>
+                  <a:txBody>
+                    <a:bodyPr/>
+                    <a:lstStyle/>
+                    <a:p>
+                      <a:pPr algn="ctr"/>
+                      <a:r>
+                        <a:rPr lang="en-US" altLang="zh-TW" sz="1600" dirty="0" smtClean="0">
+                          <a:solidFill>
+                            <a:schemeClr val="tx1"/>
+                          </a:solidFill>
+                        </a:rPr>
+                        <a:t>-</a:t>
+                      </a:r>
+                      <a:endParaRPr lang="zh-TW" altLang="en-US" sz="1600" dirty="0">
+                        <a:solidFill>
+                          <a:schemeClr val="tx1"/>
+                        </a:solidFill>
+                      </a:endParaRPr>
+                    </a:p>
+                  </a:txBody>
+                  <a:tcPr anchor="ctr">
+                    <a:lnL w="12700" cap="flat" cmpd="sng" algn="ctr">
+                      <a:solidFill>
+                        <a:schemeClr val="tx1"/>
+                      </a:solidFill>
+                      <a:prstDash val="solid"/>
+                      <a:round/>
+                      <a:headEnd type="none" w="med" len="med"/>
+                      <a:tailEnd type="none" w="med" len="med"/>
+                    </a:lnL>
+                    <a:lnR w="12700" cap="flat" cmpd="sng" algn="ctr">
+                      <a:solidFill>
+                        <a:schemeClr val="tx1"/>
+                      </a:solidFill>
+                      <a:prstDash val="solid"/>
+                      <a:round/>
+                      <a:headEnd type="none" w="med" len="med"/>
+                      <a:tailEnd type="none" w="med" len="med"/>
+                    </a:lnR>
+                    <a:lnT w="12700" cap="flat" cmpd="sng" algn="ctr">
+                      <a:solidFill>
+                        <a:schemeClr val="tx1"/>
+                      </a:solidFill>
+                      <a:prstDash val="solid"/>
+                      <a:round/>
+                      <a:headEnd type="none" w="med" len="med"/>
+                      <a:tailEnd type="none" w="med" len="med"/>
+                    </a:lnT>
+                    <a:lnB w="12700" cap="flat" cmpd="sng" algn="ctr">
+                      <a:solidFill>
+                        <a:schemeClr val="tx1"/>
+                      </a:solidFill>
+                      <a:prstDash val="solid"/>
+                      <a:round/>
+                      <a:headEnd type="none" w="med" len="med"/>
+                      <a:tailEnd type="none" w="med" len="med"/>
+                    </a:lnB>
+                    <a:lnTlToBr w="12700" cmpd="sng">
+                      <a:noFill/>
+                      <a:prstDash val="solid"/>
+                    </a:lnTlToBr>
+                    <a:lnBlToTr w="12700" cmpd="sng">
+                      <a:noFill/>
+                      <a:prstDash val="solid"/>
+                    </a:lnBlToTr>
+                    <a:solidFill>
+                      <a:schemeClr val="bg1"/>
+                    </a:solidFill>
+                  </a:tcPr>
+                </a:tc>
+                <a:tc>
+                  <a:txBody>
+                    <a:bodyPr/>
+                    <a:lstStyle/>
+                    <a:p>
+                      <a:pPr algn="ctr"/>
+                      <a:r>
+                        <a:rPr lang="en-US" altLang="zh-TW" sz="1600" dirty="0" smtClean="0">
+                          <a:solidFill>
+                            <a:schemeClr val="tx1"/>
+                          </a:solidFill>
+                        </a:rPr>
+                        <a:t>-</a:t>
+                      </a:r>
+                      <a:endParaRPr lang="zh-TW" altLang="en-US" sz="1600" dirty="0">
+                        <a:solidFill>
+                          <a:schemeClr val="tx1"/>
+                        </a:solidFill>
+                      </a:endParaRPr>
+                    </a:p>
+                  </a:txBody>
+                  <a:tcPr anchor="ctr">
+                    <a:lnL w="12700" cap="flat" cmpd="sng" algn="ctr">
+                      <a:solidFill>
+                        <a:schemeClr val="tx1"/>
+                      </a:solidFill>
+                      <a:prstDash val="solid"/>
+                      <a:round/>
+                      <a:headEnd type="none" w="med" len="med"/>
+                      <a:tailEnd type="none" w="med" len="med"/>
+                    </a:lnL>
+                    <a:lnR w="12700" cap="flat" cmpd="sng" algn="ctr">
+                      <a:solidFill>
+                        <a:schemeClr val="tx1"/>
+                      </a:solidFill>
+                      <a:prstDash val="solid"/>
+                      <a:round/>
+                      <a:headEnd type="none" w="med" len="med"/>
+                      <a:tailEnd type="none" w="med" len="med"/>
+                    </a:lnR>
+                    <a:lnT w="12700" cap="flat" cmpd="sng" algn="ctr">
+                      <a:solidFill>
+                        <a:schemeClr val="tx1"/>
+                      </a:solidFill>
+                      <a:prstDash val="solid"/>
+                      <a:round/>
+                      <a:headEnd type="none" w="med" len="med"/>
+                      <a:tailEnd type="none" w="med" len="med"/>
+                    </a:lnT>
+                    <a:lnB w="12700" cap="flat" cmpd="sng" algn="ctr">
+                      <a:solidFill>
+                        <a:schemeClr val="tx1"/>
+                      </a:solidFill>
+                      <a:prstDash val="solid"/>
+                      <a:round/>
+                      <a:headEnd type="none" w="med" len="med"/>
+                      <a:tailEnd type="none" w="med" len="med"/>
+                    </a:lnB>
+                    <a:lnTlToBr w="12700" cmpd="sng">
+                      <a:noFill/>
+                      <a:prstDash val="solid"/>
+                    </a:lnTlToBr>
+                    <a:lnBlToTr w="12700" cmpd="sng">
+                      <a:noFill/>
+                      <a:prstDash val="solid"/>
+                    </a:lnBlToTr>
+                    <a:solidFill>
+                      <a:schemeClr val="bg1"/>
+                    </a:solidFill>
+                  </a:tcPr>
+                </a:tc>
+                <a:tc>
+                  <a:txBody>
+                    <a:bodyPr/>
+                    <a:lstStyle/>
+                    <a:p>
+                      <a:pPr algn="ctr"/>
+                      <a:r>
+                        <a:rPr lang="en-US" altLang="zh-TW" sz="1600" dirty="0" smtClean="0">
+                          <a:solidFill>
+                            <a:schemeClr val="tx1"/>
+                          </a:solidFill>
+                        </a:rPr>
+                        <a:t>-</a:t>
+                      </a:r>
+                      <a:endParaRPr lang="zh-TW" altLang="en-US" sz="1600" dirty="0">
+                        <a:solidFill>
+                          <a:schemeClr val="tx1"/>
+                        </a:solidFill>
+                      </a:endParaRPr>
+                    </a:p>
+                  </a:txBody>
+                  <a:tcPr anchor="ctr">
+                    <a:lnL w="12700" cap="flat" cmpd="sng" algn="ctr">
+                      <a:solidFill>
+                        <a:schemeClr val="tx1"/>
+                      </a:solidFill>
+                      <a:prstDash val="solid"/>
+                      <a:round/>
+                      <a:headEnd type="none" w="med" len="med"/>
+                      <a:tailEnd type="none" w="med" len="med"/>
+                    </a:lnL>
+                    <a:lnR w="12700" cap="flat" cmpd="sng" algn="ctr">
+                      <a:solidFill>
+                        <a:schemeClr val="tx1"/>
+                      </a:solidFill>
+                      <a:prstDash val="solid"/>
+                      <a:round/>
+                      <a:headEnd type="none" w="med" len="med"/>
+                      <a:tailEnd type="none" w="med" len="med"/>
+                    </a:lnR>
+                    <a:lnT w="12700" cap="flat" cmpd="sng" algn="ctr">
+                      <a:solidFill>
+                        <a:schemeClr val="tx1"/>
+                      </a:solidFill>
+                      <a:prstDash val="solid"/>
+                      <a:round/>
+                      <a:headEnd type="none" w="med" len="med"/>
+                      <a:tailEnd type="none" w="med" len="med"/>
+                    </a:lnT>
+                    <a:lnB w="12700" cap="flat" cmpd="sng" algn="ctr">
+                      <a:solidFill>
+                        <a:schemeClr val="tx1"/>
+                      </a:solidFill>
+                      <a:prstDash val="solid"/>
+                      <a:round/>
+                      <a:headEnd type="none" w="med" len="med"/>
+                      <a:tailEnd type="none" w="med" len="med"/>
+                    </a:lnB>
+                    <a:lnTlToBr w="12700" cmpd="sng">
+                      <a:noFill/>
+                      <a:prstDash val="solid"/>
+                    </a:lnTlToBr>
+                    <a:lnBlToTr w="12700" cmpd="sng">
+                      <a:noFill/>
+                      <a:prstDash val="solid"/>
+                    </a:lnBlToTr>
+                    <a:solidFill>
+                      <a:schemeClr val="bg1"/>
+                    </a:solidFill>
+                  </a:tcPr>
+                </a:tc>
+                <a:tc>
+                  <a:txBody>
+                    <a:bodyPr/>
+                    <a:lstStyle/>
+                    <a:p>
+                      <a:pPr algn="ctr"/>
+                      <a:r>
+                        <a:rPr lang="en-US" altLang="zh-TW" sz="1600" dirty="0" smtClean="0">
+                          <a:solidFill>
+                            <a:schemeClr val="tx1"/>
+                          </a:solidFill>
+                        </a:rPr>
+                        <a:t>-</a:t>
+                      </a:r>
+                      <a:endParaRPr lang="zh-TW" altLang="en-US" sz="1600" dirty="0">
+                        <a:solidFill>
+                          <a:schemeClr val="tx1"/>
+                        </a:solidFill>
+                      </a:endParaRPr>
+                    </a:p>
+                  </a:txBody>
+                  <a:tcPr anchor="ctr">
+                    <a:lnL w="12700" cap="flat" cmpd="sng" algn="ctr">
+                      <a:solidFill>
+                        <a:schemeClr val="tx1"/>
+                      </a:solidFill>
+                      <a:prstDash val="solid"/>
+                      <a:round/>
+                      <a:headEnd type="none" w="med" len="med"/>
+                      <a:tailEnd type="none" w="med" len="med"/>
+                    </a:lnL>
+                    <a:lnR w="12700" cap="flat" cmpd="sng" algn="ctr">
+                      <a:solidFill>
+                        <a:schemeClr val="tx1"/>
+                      </a:solidFill>
+                      <a:prstDash val="solid"/>
+                      <a:round/>
+                      <a:headEnd type="none" w="med" len="med"/>
+                      <a:tailEnd type="none" w="med" len="med"/>
+                    </a:lnR>
+                    <a:lnT w="12700" cap="flat" cmpd="sng" algn="ctr">
+                      <a:solidFill>
+                        <a:schemeClr val="tx1"/>
+                      </a:solidFill>
+                      <a:prstDash val="solid"/>
+                      <a:round/>
+                      <a:headEnd type="none" w="med" len="med"/>
+                      <a:tailEnd type="none" w="med" len="med"/>
+                    </a:lnT>
+                    <a:lnB w="12700" cap="flat" cmpd="sng" algn="ctr">
+                      <a:solidFill>
+                        <a:schemeClr val="tx1"/>
+                      </a:solidFill>
+                      <a:prstDash val="solid"/>
+                      <a:round/>
+                      <a:headEnd type="none" w="med" len="med"/>
+                      <a:tailEnd type="none" w="med" len="med"/>
+                    </a:lnB>
+                    <a:lnTlToBr w="12700" cmpd="sng">
+                      <a:noFill/>
+                      <a:prstDash val="solid"/>
+                    </a:lnTlToBr>
+                    <a:lnBlToTr w="12700" cmpd="sng">
+                      <a:noFill/>
+                      <a:prstDash val="solid"/>
+                    </a:lnBlToTr>
+                    <a:solidFill>
+                      <a:schemeClr val="bg1"/>
+                    </a:solidFill>
+                  </a:tcPr>
+                </a:tc>
+                <a:tc>
+                  <a:txBody>
+                    <a:bodyPr/>
+                    <a:lstStyle/>
+                    <a:p>
+                      <a:pPr algn="ctr"/>
+                      <a:r>
+                        <a:rPr lang="en-US" altLang="zh-TW" sz="1600" dirty="0" smtClean="0">
+                          <a:solidFill>
+                            <a:schemeClr val="tx1"/>
+                          </a:solidFill>
+                        </a:rPr>
+                        <a:t>-</a:t>
+                      </a:r>
+                      <a:endParaRPr lang="zh-TW" altLang="en-US" sz="1600" dirty="0">
+                        <a:solidFill>
+                          <a:schemeClr val="tx1"/>
+                        </a:solidFill>
+                      </a:endParaRPr>
+                    </a:p>
+                  </a:txBody>
+                  <a:tcPr anchor="ctr">
+                    <a:lnL w="12700" cap="flat" cmpd="sng" algn="ctr">
+                      <a:solidFill>
+                        <a:schemeClr val="tx1"/>
+                      </a:solidFill>
+                      <a:prstDash val="solid"/>
+                      <a:round/>
+                      <a:headEnd type="none" w="med" len="med"/>
+                      <a:tailEnd type="none" w="med" len="med"/>
+                    </a:lnL>
+                    <a:lnR w="12700" cap="flat" cmpd="sng" algn="ctr">
+                      <a:solidFill>
+                        <a:schemeClr val="tx1"/>
+                      </a:solidFill>
+                      <a:prstDash val="solid"/>
+                      <a:round/>
+                      <a:headEnd type="none" w="med" len="med"/>
+                      <a:tailEnd type="none" w="med" len="med"/>
+                    </a:lnR>
+                    <a:lnT w="12700" cap="flat" cmpd="sng" algn="ctr">
+                      <a:solidFill>
+                        <a:schemeClr val="tx1"/>
+                      </a:solidFill>
+                      <a:prstDash val="solid"/>
+                      <a:round/>
+                      <a:headEnd type="none" w="med" len="med"/>
+                      <a:tailEnd type="none" w="med" len="med"/>
+                    </a:lnT>
+                    <a:lnB w="12700" cap="flat" cmpd="sng" algn="ctr">
+                      <a:solidFill>
+                        <a:schemeClr val="tx1"/>
+                      </a:solidFill>
+                      <a:prstDash val="solid"/>
+                      <a:round/>
+                      <a:headEnd type="none" w="med" len="med"/>
+                      <a:tailEnd type="none" w="med" len="med"/>
+                    </a:lnB>
+                    <a:lnTlToBr w="12700" cmpd="sng">
+                      <a:noFill/>
+                      <a:prstDash val="solid"/>
+                    </a:lnTlToBr>
+                    <a:lnBlToTr w="12700" cmpd="sng">
+                      <a:noFill/>
+                      <a:prstDash val="solid"/>
+                    </a:lnBlToTr>
+                    <a:solidFill>
+                      <a:schemeClr val="bg1"/>
+                    </a:solidFill>
+                  </a:tcPr>
+                </a:tc>
+                <a:tc>
+                  <a:txBody>
+                    <a:bodyPr/>
+                    <a:lstStyle/>
+                    <a:p>
+                      <a:pPr algn="ctr"/>
+                      <a:r>
+                        <a:rPr lang="en-US" altLang="zh-TW" sz="1600" dirty="0" smtClean="0">
+                          <a:solidFill>
+                            <a:schemeClr val="tx1"/>
+                          </a:solidFill>
+                        </a:rPr>
+                        <a:t>-</a:t>
+                      </a:r>
+                      <a:endParaRPr lang="zh-TW" altLang="en-US" sz="1600" dirty="0">
+                        <a:solidFill>
+                          <a:schemeClr val="tx1"/>
+                        </a:solidFill>
+                      </a:endParaRPr>
+                    </a:p>
+                  </a:txBody>
+                  <a:tcPr anchor="ctr">
+                    <a:lnL w="12700" cap="flat" cmpd="sng" algn="ctr">
+                      <a:solidFill>
+                        <a:schemeClr val="tx1"/>
+                      </a:solidFill>
+                      <a:prstDash val="solid"/>
+                      <a:round/>
+                      <a:headEnd type="none" w="med" len="med"/>
+                      <a:tailEnd type="none" w="med" len="med"/>
+                    </a:lnL>
+                    <a:lnR w="12700" cap="flat" cmpd="sng" algn="ctr">
+                      <a:solidFill>
+                        <a:schemeClr val="tx1"/>
+                      </a:solidFill>
+                      <a:prstDash val="solid"/>
+                      <a:round/>
+                      <a:headEnd type="none" w="med" len="med"/>
+                      <a:tailEnd type="none" w="med" len="med"/>
+                    </a:lnR>
+                    <a:lnT w="12700" cap="flat" cmpd="sng" algn="ctr">
+                      <a:solidFill>
+                        <a:schemeClr val="tx1"/>
+                      </a:solidFill>
+                      <a:prstDash val="solid"/>
+                      <a:round/>
+                      <a:headEnd type="none" w="med" len="med"/>
+                      <a:tailEnd type="none" w="med" len="med"/>
+                    </a:lnT>
+                    <a:lnB w="12700" cap="flat" cmpd="sng" algn="ctr">
+                      <a:solidFill>
+                        <a:schemeClr val="tx1"/>
+                      </a:solidFill>
+                      <a:prstDash val="solid"/>
+                      <a:round/>
+                      <a:headEnd type="none" w="med" len="med"/>
+                      <a:tailEnd type="none" w="med" len="med"/>
+                    </a:lnB>
+                    <a:lnTlToBr w="12700" cmpd="sng">
+                      <a:noFill/>
+                      <a:prstDash val="solid"/>
+                    </a:lnTlToBr>
+                    <a:lnBlToTr w="12700" cmpd="sng">
+                      <a:noFill/>
+                      <a:prstDash val="solid"/>
+                    </a:lnBlToTr>
+                    <a:solidFill>
+                      <a:schemeClr val="bg1"/>
+                    </a:solidFill>
+                  </a:tcPr>
+                </a:tc>
+                <a:extLst>
+                  <a:ext uri="{0D108BD9-81ED-4DB2-BD59-A6C34878D82A}">
+                    <a16:rowId xmlns:a16="http://schemas.microsoft.com/office/drawing/2014/main" val="739474640"/>
+                  </a:ext>
+                </a:extLst>
+              </a:tr>
+              <a:tr h="415728">
+                <a:tc>
+                  <a:txBody>
+                    <a:bodyPr/>
+                    <a:lstStyle/>
+                    <a:p>
+                      <a:pPr algn="ctr"/>
+                      <a:r>
+                        <a:rPr lang="en-US" altLang="zh-TW" sz="1600" dirty="0" smtClean="0">
+                          <a:solidFill>
+                            <a:srgbClr val="FF0000"/>
+                          </a:solidFill>
+                        </a:rPr>
+                        <a:t>1</a:t>
+                      </a:r>
+                      <a:endParaRPr lang="zh-TW" altLang="en-US" sz="1600" dirty="0">
+                        <a:solidFill>
+                          <a:srgbClr val="FF0000"/>
+                        </a:solidFill>
+                      </a:endParaRPr>
+                    </a:p>
+                  </a:txBody>
+                  <a:tcPr anchor="ctr">
+                    <a:lnL w="12700" cap="flat" cmpd="sng" algn="ctr">
+                      <a:noFill/>
+                      <a:prstDash val="solid"/>
+                      <a:round/>
+                      <a:headEnd type="none" w="med" len="med"/>
+                      <a:tailEnd type="none" w="med" len="med"/>
+                    </a:lnL>
+                    <a:lnR w="12700" cap="flat" cmpd="sng" algn="ctr">
+                      <a:solidFill>
+                        <a:schemeClr val="tx1"/>
+                      </a:solidFill>
+                      <a:prstDash val="solid"/>
+                      <a:round/>
+                      <a:headEnd type="none" w="med" len="med"/>
+                      <a:tailEnd type="none" w="med" len="med"/>
+                    </a:lnR>
+                    <a:lnT w="12700" cap="flat" cmpd="sng" algn="ctr">
+                      <a:noFill/>
+                      <a:prstDash val="solid"/>
+                      <a:round/>
+                      <a:headEnd type="none" w="med" len="med"/>
+                      <a:tailEnd type="none" w="med" len="med"/>
+                    </a:lnT>
+                    <a:lnB w="12700" cap="flat" cmpd="sng" algn="ctr">
+                      <a:noFill/>
+                      <a:prstDash val="solid"/>
+                      <a:round/>
+                      <a:headEnd type="none" w="med" len="med"/>
+                      <a:tailEnd type="none" w="med" len="med"/>
+                    </a:lnB>
+                    <a:lnTlToBr w="12700" cmpd="sng">
+                      <a:noFill/>
+                      <a:prstDash val="solid"/>
+                    </a:lnTlToBr>
+                    <a:lnBlToTr w="12700" cmpd="sng">
+                      <a:noFill/>
+                      <a:prstDash val="solid"/>
+                    </a:lnBlToTr>
+                    <a:solidFill>
+                      <a:schemeClr val="bg1"/>
+                    </a:solidFill>
+                  </a:tcPr>
+                </a:tc>
+                <a:tc>
+                  <a:txBody>
+                    <a:bodyPr/>
+                    <a:lstStyle/>
+                    <a:p>
+                      <a:pPr algn="ctr"/>
+                      <a:r>
+                        <a:rPr lang="en-US" altLang="zh-TW" sz="1600" dirty="0" smtClean="0">
+                          <a:solidFill>
+                            <a:schemeClr val="tx1"/>
+                          </a:solidFill>
+                        </a:rPr>
+                        <a:t>1</a:t>
+                      </a:r>
+                      <a:endParaRPr lang="zh-TW" altLang="en-US" sz="1600" dirty="0">
+                        <a:solidFill>
+                          <a:schemeClr val="tx1"/>
+                        </a:solidFill>
+                      </a:endParaRPr>
+                    </a:p>
+                  </a:txBody>
+                  <a:tcPr anchor="ctr">
+                    <a:lnL w="12700" cap="flat" cmpd="sng" algn="ctr">
+                      <a:solidFill>
+                        <a:schemeClr val="tx1"/>
+                      </a:solidFill>
+                      <a:prstDash val="solid"/>
+                      <a:round/>
+                      <a:headEnd type="none" w="med" len="med"/>
+                      <a:tailEnd type="none" w="med" len="med"/>
+                    </a:lnL>
+                    <a:lnR w="12700" cap="flat" cmpd="sng" algn="ctr">
+                      <a:solidFill>
+                        <a:schemeClr val="tx1"/>
+                      </a:solidFill>
+                      <a:prstDash val="solid"/>
+                      <a:round/>
+                      <a:headEnd type="none" w="med" len="med"/>
+                      <a:tailEnd type="none" w="med" len="med"/>
+                    </a:lnR>
+                    <a:lnT w="12700" cap="flat" cmpd="sng" algn="ctr">
+                      <a:solidFill>
+                        <a:schemeClr val="tx1"/>
+                      </a:solidFill>
+                      <a:prstDash val="solid"/>
+                      <a:round/>
+                      <a:headEnd type="none" w="med" len="med"/>
+                      <a:tailEnd type="none" w="med" len="med"/>
+                    </a:lnT>
+                    <a:lnB w="12700" cap="flat" cmpd="sng" algn="ctr">
+                      <a:solidFill>
+                        <a:schemeClr val="tx1"/>
+                      </a:solidFill>
+                      <a:prstDash val="solid"/>
+                      <a:round/>
+                      <a:headEnd type="none" w="med" len="med"/>
+                      <a:tailEnd type="none" w="med" len="med"/>
+                    </a:lnB>
+                    <a:lnTlToBr w="12700" cmpd="sng">
+                      <a:noFill/>
+                      <a:prstDash val="solid"/>
+                    </a:lnTlToBr>
+                    <a:lnBlToTr w="12700" cmpd="sng">
+                      <a:noFill/>
+                      <a:prstDash val="solid"/>
+                    </a:lnBlToTr>
+                    <a:solidFill>
+                      <a:schemeClr val="bg1"/>
+                    </a:solidFill>
+                  </a:tcPr>
+                </a:tc>
+                <a:tc>
+                  <a:txBody>
+                    <a:bodyPr/>
+                    <a:lstStyle/>
+                    <a:p>
+                      <a:pPr algn="ctr"/>
+                      <a:r>
+                        <a:rPr lang="en-US" altLang="zh-TW" sz="1600" dirty="0" smtClean="0">
+                          <a:solidFill>
+                            <a:schemeClr val="tx1"/>
+                          </a:solidFill>
+                        </a:rPr>
+                        <a:t>1</a:t>
+                      </a:r>
+                      <a:endParaRPr lang="zh-TW" altLang="en-US" sz="1600" dirty="0">
+                        <a:solidFill>
+                          <a:schemeClr val="tx1"/>
+                        </a:solidFill>
+                      </a:endParaRPr>
+                    </a:p>
+                  </a:txBody>
+                  <a:tcPr anchor="ctr">
+                    <a:lnL w="12700" cap="flat" cmpd="sng" algn="ctr">
+                      <a:solidFill>
+                        <a:schemeClr val="tx1"/>
+                      </a:solidFill>
+                      <a:prstDash val="solid"/>
+                      <a:round/>
+                      <a:headEnd type="none" w="med" len="med"/>
+                      <a:tailEnd type="none" w="med" len="med"/>
+                    </a:lnL>
+                    <a:lnR w="12700" cap="flat" cmpd="sng" algn="ctr">
+                      <a:solidFill>
+                        <a:schemeClr val="tx1"/>
+                      </a:solidFill>
+                      <a:prstDash val="solid"/>
+                      <a:round/>
+                      <a:headEnd type="none" w="med" len="med"/>
+                      <a:tailEnd type="none" w="med" len="med"/>
+                    </a:lnR>
+                    <a:lnT w="12700" cap="flat" cmpd="sng" algn="ctr">
+                      <a:solidFill>
+                        <a:schemeClr val="tx1"/>
+                      </a:solidFill>
+                      <a:prstDash val="solid"/>
+                      <a:round/>
+                      <a:headEnd type="none" w="med" len="med"/>
+                      <a:tailEnd type="none" w="med" len="med"/>
+                    </a:lnT>
+                    <a:lnB w="12700" cap="flat" cmpd="sng" algn="ctr">
+                      <a:solidFill>
+                        <a:schemeClr val="tx1"/>
+                      </a:solidFill>
+                      <a:prstDash val="solid"/>
+                      <a:round/>
+                      <a:headEnd type="none" w="med" len="med"/>
+                      <a:tailEnd type="none" w="med" len="med"/>
+                    </a:lnB>
+                    <a:lnTlToBr w="12700" cmpd="sng">
+                      <a:noFill/>
+                      <a:prstDash val="solid"/>
+                    </a:lnTlToBr>
+                    <a:lnBlToTr w="12700" cmpd="sng">
+                      <a:noFill/>
+                      <a:prstDash val="solid"/>
+                    </a:lnBlToTr>
+                    <a:solidFill>
+                      <a:schemeClr val="bg1"/>
+                    </a:solidFill>
+                  </a:tcPr>
+                </a:tc>
+                <a:tc>
+                  <a:txBody>
+                    <a:bodyPr/>
+                    <a:lstStyle/>
+                    <a:p>
+                      <a:pPr algn="ctr"/>
+                      <a:r>
+                        <a:rPr lang="en-US" altLang="zh-TW" sz="1600" dirty="0" smtClean="0">
+                          <a:solidFill>
+                            <a:schemeClr val="tx1"/>
+                          </a:solidFill>
+                        </a:rPr>
+                        <a:t>-</a:t>
+                      </a:r>
+                      <a:endParaRPr lang="zh-TW" altLang="en-US" sz="1600" dirty="0">
+                        <a:solidFill>
+                          <a:schemeClr val="tx1"/>
+                        </a:solidFill>
+                      </a:endParaRPr>
+                    </a:p>
+                  </a:txBody>
+                  <a:tcPr anchor="ctr">
+                    <a:lnL w="12700" cap="flat" cmpd="sng" algn="ctr">
+                      <a:solidFill>
+                        <a:schemeClr val="tx1"/>
+                      </a:solidFill>
+                      <a:prstDash val="solid"/>
+                      <a:round/>
+                      <a:headEnd type="none" w="med" len="med"/>
+                      <a:tailEnd type="none" w="med" len="med"/>
+                    </a:lnL>
+                    <a:lnR w="12700" cap="flat" cmpd="sng" algn="ctr">
+                      <a:solidFill>
+                        <a:schemeClr val="tx1"/>
+                      </a:solidFill>
+                      <a:prstDash val="solid"/>
+                      <a:round/>
+                      <a:headEnd type="none" w="med" len="med"/>
+                      <a:tailEnd type="none" w="med" len="med"/>
+                    </a:lnR>
+                    <a:lnT w="12700" cap="flat" cmpd="sng" algn="ctr">
+                      <a:solidFill>
+                        <a:schemeClr val="tx1"/>
+                      </a:solidFill>
+                      <a:prstDash val="solid"/>
+                      <a:round/>
+                      <a:headEnd type="none" w="med" len="med"/>
+                      <a:tailEnd type="none" w="med" len="med"/>
+                    </a:lnT>
+                    <a:lnB w="12700" cap="flat" cmpd="sng" algn="ctr">
+                      <a:solidFill>
+                        <a:schemeClr val="tx1"/>
+                      </a:solidFill>
+                      <a:prstDash val="solid"/>
+                      <a:round/>
+                      <a:headEnd type="none" w="med" len="med"/>
+                      <a:tailEnd type="none" w="med" len="med"/>
+                    </a:lnB>
+                    <a:lnTlToBr w="12700" cmpd="sng">
+                      <a:noFill/>
+                      <a:prstDash val="solid"/>
+                    </a:lnTlToBr>
+                    <a:lnBlToTr w="12700" cmpd="sng">
+                      <a:noFill/>
+                      <a:prstDash val="solid"/>
+                    </a:lnBlToTr>
+                    <a:solidFill>
+                      <a:schemeClr val="bg1"/>
+                    </a:solidFill>
+                  </a:tcPr>
+                </a:tc>
+                <a:tc>
+                  <a:txBody>
+                    <a:bodyPr/>
+                    <a:lstStyle/>
+                    <a:p>
+                      <a:pPr algn="ctr"/>
+                      <a:r>
+                        <a:rPr lang="en-US" altLang="zh-TW" sz="1600" dirty="0" smtClean="0">
+                          <a:solidFill>
+                            <a:schemeClr val="tx1"/>
+                          </a:solidFill>
+                        </a:rPr>
+                        <a:t>-</a:t>
+                      </a:r>
+                      <a:endParaRPr lang="zh-TW" altLang="en-US" sz="1600" dirty="0">
+                        <a:solidFill>
+                          <a:schemeClr val="tx1"/>
+                        </a:solidFill>
+                      </a:endParaRPr>
+                    </a:p>
+                  </a:txBody>
+                  <a:tcPr anchor="ctr">
+                    <a:lnL w="12700" cap="flat" cmpd="sng" algn="ctr">
+                      <a:solidFill>
+                        <a:schemeClr val="tx1"/>
+                      </a:solidFill>
+                      <a:prstDash val="solid"/>
+                      <a:round/>
+                      <a:headEnd type="none" w="med" len="med"/>
+                      <a:tailEnd type="none" w="med" len="med"/>
+                    </a:lnL>
+                    <a:lnR w="12700" cap="flat" cmpd="sng" algn="ctr">
+                      <a:solidFill>
+                        <a:schemeClr val="tx1"/>
+                      </a:solidFill>
+                      <a:prstDash val="solid"/>
+                      <a:round/>
+                      <a:headEnd type="none" w="med" len="med"/>
+                      <a:tailEnd type="none" w="med" len="med"/>
+                    </a:lnR>
+                    <a:lnT w="12700" cap="flat" cmpd="sng" algn="ctr">
+                      <a:solidFill>
+                        <a:schemeClr val="tx1"/>
+                      </a:solidFill>
+                      <a:prstDash val="solid"/>
+                      <a:round/>
+                      <a:headEnd type="none" w="med" len="med"/>
+                      <a:tailEnd type="none" w="med" len="med"/>
+                    </a:lnT>
+                    <a:lnB w="12700" cap="flat" cmpd="sng" algn="ctr">
+                      <a:solidFill>
+                        <a:schemeClr val="tx1"/>
+                      </a:solidFill>
+                      <a:prstDash val="solid"/>
+                      <a:round/>
+                      <a:headEnd type="none" w="med" len="med"/>
+                      <a:tailEnd type="none" w="med" len="med"/>
+                    </a:lnB>
+                    <a:lnTlToBr w="12700" cmpd="sng">
+                      <a:noFill/>
+                      <a:prstDash val="solid"/>
+                    </a:lnTlToBr>
+                    <a:lnBlToTr w="12700" cmpd="sng">
+                      <a:noFill/>
+                      <a:prstDash val="solid"/>
+                    </a:lnBlToTr>
+                    <a:solidFill>
+                      <a:schemeClr val="bg1"/>
+                    </a:solidFill>
+                  </a:tcPr>
+                </a:tc>
+                <a:tc>
+                  <a:txBody>
+                    <a:bodyPr/>
+                    <a:lstStyle/>
+                    <a:p>
+                      <a:pPr algn="ctr"/>
+                      <a:r>
+                        <a:rPr lang="en-US" altLang="zh-TW" sz="1600" dirty="0" smtClean="0">
+                          <a:solidFill>
+                            <a:schemeClr val="tx1"/>
+                          </a:solidFill>
+                        </a:rPr>
+                        <a:t>-</a:t>
+                      </a:r>
+                      <a:endParaRPr lang="zh-TW" altLang="en-US" sz="1600" dirty="0">
+                        <a:solidFill>
+                          <a:schemeClr val="tx1"/>
+                        </a:solidFill>
+                      </a:endParaRPr>
+                    </a:p>
+                  </a:txBody>
+                  <a:tcPr anchor="ctr">
+                    <a:lnL w="12700" cap="flat" cmpd="sng" algn="ctr">
+                      <a:solidFill>
+                        <a:schemeClr val="tx1"/>
+                      </a:solidFill>
+                      <a:prstDash val="solid"/>
+                      <a:round/>
+                      <a:headEnd type="none" w="med" len="med"/>
+                      <a:tailEnd type="none" w="med" len="med"/>
+                    </a:lnL>
+                    <a:lnR w="12700" cap="flat" cmpd="sng" algn="ctr">
+                      <a:solidFill>
+                        <a:schemeClr val="tx1"/>
+                      </a:solidFill>
+                      <a:prstDash val="solid"/>
+                      <a:round/>
+                      <a:headEnd type="none" w="med" len="med"/>
+                      <a:tailEnd type="none" w="med" len="med"/>
+                    </a:lnR>
+                    <a:lnT w="12700" cap="flat" cmpd="sng" algn="ctr">
+                      <a:solidFill>
+                        <a:schemeClr val="tx1"/>
+                      </a:solidFill>
+                      <a:prstDash val="solid"/>
+                      <a:round/>
+                      <a:headEnd type="none" w="med" len="med"/>
+                      <a:tailEnd type="none" w="med" len="med"/>
+                    </a:lnT>
+                    <a:lnB w="12700" cap="flat" cmpd="sng" algn="ctr">
+                      <a:solidFill>
+                        <a:schemeClr val="tx1"/>
+                      </a:solidFill>
+                      <a:prstDash val="solid"/>
+                      <a:round/>
+                      <a:headEnd type="none" w="med" len="med"/>
+                      <a:tailEnd type="none" w="med" len="med"/>
+                    </a:lnB>
+                    <a:lnTlToBr w="12700" cmpd="sng">
+                      <a:noFill/>
+                      <a:prstDash val="solid"/>
+                    </a:lnTlToBr>
+                    <a:lnBlToTr w="12700" cmpd="sng">
+                      <a:noFill/>
+                      <a:prstDash val="solid"/>
+                    </a:lnBlToTr>
+                    <a:solidFill>
+                      <a:schemeClr val="bg1"/>
+                    </a:solidFill>
+                  </a:tcPr>
+                </a:tc>
+                <a:tc>
+                  <a:txBody>
+                    <a:bodyPr/>
+                    <a:lstStyle/>
+                    <a:p>
+                      <a:pPr algn="ctr"/>
+                      <a:r>
+                        <a:rPr lang="en-US" altLang="zh-TW" sz="1600" dirty="0" smtClean="0">
+                          <a:solidFill>
+                            <a:schemeClr val="tx1"/>
+                          </a:solidFill>
+                        </a:rPr>
+                        <a:t>-</a:t>
+                      </a:r>
+                      <a:endParaRPr lang="zh-TW" altLang="en-US" sz="1600" dirty="0">
+                        <a:solidFill>
+                          <a:schemeClr val="tx1"/>
+                        </a:solidFill>
+                      </a:endParaRPr>
+                    </a:p>
+                  </a:txBody>
+                  <a:tcPr anchor="ctr">
+                    <a:lnL w="12700" cap="flat" cmpd="sng" algn="ctr">
+                      <a:solidFill>
+                        <a:schemeClr val="tx1"/>
+                      </a:solidFill>
+                      <a:prstDash val="solid"/>
+                      <a:round/>
+                      <a:headEnd type="none" w="med" len="med"/>
+                      <a:tailEnd type="none" w="med" len="med"/>
+                    </a:lnL>
+                    <a:lnR w="12700" cap="flat" cmpd="sng" algn="ctr">
+                      <a:solidFill>
+                        <a:schemeClr val="tx1"/>
+                      </a:solidFill>
+                      <a:prstDash val="solid"/>
+                      <a:round/>
+                      <a:headEnd type="none" w="med" len="med"/>
+                      <a:tailEnd type="none" w="med" len="med"/>
+                    </a:lnR>
+                    <a:lnT w="12700" cap="flat" cmpd="sng" algn="ctr">
+                      <a:solidFill>
+                        <a:schemeClr val="tx1"/>
+                      </a:solidFill>
+                      <a:prstDash val="solid"/>
+                      <a:round/>
+                      <a:headEnd type="none" w="med" len="med"/>
+                      <a:tailEnd type="none" w="med" len="med"/>
+                    </a:lnT>
+                    <a:lnB w="12700" cap="flat" cmpd="sng" algn="ctr">
+                      <a:solidFill>
+                        <a:schemeClr val="tx1"/>
+                      </a:solidFill>
+                      <a:prstDash val="solid"/>
+                      <a:round/>
+                      <a:headEnd type="none" w="med" len="med"/>
+                      <a:tailEnd type="none" w="med" len="med"/>
+                    </a:lnB>
+                    <a:lnTlToBr w="12700" cmpd="sng">
+                      <a:noFill/>
+                      <a:prstDash val="solid"/>
+                    </a:lnTlToBr>
+                    <a:lnBlToTr w="12700" cmpd="sng">
+                      <a:noFill/>
+                      <a:prstDash val="solid"/>
+                    </a:lnBlToTr>
+                    <a:solidFill>
+                      <a:schemeClr val="bg1"/>
+                    </a:solidFill>
+                  </a:tcPr>
+                </a:tc>
+                <a:tc>
+                  <a:txBody>
+                    <a:bodyPr/>
+                    <a:lstStyle/>
+                    <a:p>
+                      <a:pPr algn="ctr"/>
+                      <a:r>
+                        <a:rPr lang="en-US" altLang="zh-TW" sz="1600" dirty="0" smtClean="0">
+                          <a:solidFill>
+                            <a:schemeClr val="tx1"/>
+                          </a:solidFill>
+                        </a:rPr>
+                        <a:t>-</a:t>
+                      </a:r>
+                      <a:endParaRPr lang="zh-TW" altLang="en-US" sz="1600" dirty="0">
+                        <a:solidFill>
+                          <a:schemeClr val="tx1"/>
+                        </a:solidFill>
+                      </a:endParaRPr>
+                    </a:p>
+                  </a:txBody>
+                  <a:tcPr anchor="ctr">
+                    <a:lnL w="12700" cap="flat" cmpd="sng" algn="ctr">
+                      <a:solidFill>
+                        <a:schemeClr val="tx1"/>
+                      </a:solidFill>
+                      <a:prstDash val="solid"/>
+                      <a:round/>
+                      <a:headEnd type="none" w="med" len="med"/>
+                      <a:tailEnd type="none" w="med" len="med"/>
+                    </a:lnL>
+                    <a:lnR w="12700" cap="flat" cmpd="sng" algn="ctr">
+                      <a:solidFill>
+                        <a:schemeClr val="tx1"/>
+                      </a:solidFill>
+                      <a:prstDash val="solid"/>
+                      <a:round/>
+                      <a:headEnd type="none" w="med" len="med"/>
+                      <a:tailEnd type="none" w="med" len="med"/>
+                    </a:lnR>
+                    <a:lnT w="12700" cap="flat" cmpd="sng" algn="ctr">
+                      <a:solidFill>
+                        <a:schemeClr val="tx1"/>
+                      </a:solidFill>
+                      <a:prstDash val="solid"/>
+                      <a:round/>
+                      <a:headEnd type="none" w="med" len="med"/>
+                      <a:tailEnd type="none" w="med" len="med"/>
+                    </a:lnT>
+                    <a:lnB w="12700" cap="flat" cmpd="sng" algn="ctr">
+                      <a:solidFill>
+                        <a:schemeClr val="tx1"/>
+                      </a:solidFill>
+                      <a:prstDash val="solid"/>
+                      <a:round/>
+                      <a:headEnd type="none" w="med" len="med"/>
+                      <a:tailEnd type="none" w="med" len="med"/>
+                    </a:lnB>
+                    <a:lnTlToBr w="12700" cmpd="sng">
+                      <a:noFill/>
+                      <a:prstDash val="solid"/>
+                    </a:lnTlToBr>
+                    <a:lnBlToTr w="12700" cmpd="sng">
+                      <a:noFill/>
+                      <a:prstDash val="solid"/>
+                    </a:lnBlToTr>
+                    <a:solidFill>
+                      <a:schemeClr val="bg1"/>
+                    </a:solidFill>
+                  </a:tcPr>
+                </a:tc>
+                <a:tc>
+                  <a:txBody>
+                    <a:bodyPr/>
+                    <a:lstStyle/>
+                    <a:p>
+                      <a:pPr algn="ctr"/>
+                      <a:r>
+                        <a:rPr lang="en-US" altLang="zh-TW" sz="1600" dirty="0" smtClean="0">
+                          <a:solidFill>
+                            <a:schemeClr val="tx1"/>
+                          </a:solidFill>
+                        </a:rPr>
+                        <a:t>-</a:t>
+                      </a:r>
+                      <a:endParaRPr lang="zh-TW" altLang="en-US" sz="1600" dirty="0">
+                        <a:solidFill>
+                          <a:schemeClr val="tx1"/>
+                        </a:solidFill>
+                      </a:endParaRPr>
+                    </a:p>
+                  </a:txBody>
+                  <a:tcPr anchor="ctr">
+                    <a:lnL w="12700" cap="flat" cmpd="sng" algn="ctr">
+                      <a:solidFill>
+                        <a:schemeClr val="tx1"/>
+                      </a:solidFill>
+                      <a:prstDash val="solid"/>
+                      <a:round/>
+                      <a:headEnd type="none" w="med" len="med"/>
+                      <a:tailEnd type="none" w="med" len="med"/>
+                    </a:lnL>
+                    <a:lnR w="12700" cap="flat" cmpd="sng" algn="ctr">
+                      <a:solidFill>
+                        <a:schemeClr val="tx1"/>
+                      </a:solidFill>
+                      <a:prstDash val="solid"/>
+                      <a:round/>
+                      <a:headEnd type="none" w="med" len="med"/>
+                      <a:tailEnd type="none" w="med" len="med"/>
+                    </a:lnR>
+                    <a:lnT w="12700" cap="flat" cmpd="sng" algn="ctr">
+                      <a:solidFill>
+                        <a:schemeClr val="tx1"/>
+                      </a:solidFill>
+                      <a:prstDash val="solid"/>
+                      <a:round/>
+                      <a:headEnd type="none" w="med" len="med"/>
+                      <a:tailEnd type="none" w="med" len="med"/>
+                    </a:lnT>
+                    <a:lnB w="12700" cap="flat" cmpd="sng" algn="ctr">
+                      <a:solidFill>
+                        <a:schemeClr val="tx1"/>
+                      </a:solidFill>
+                      <a:prstDash val="solid"/>
+                      <a:round/>
+                      <a:headEnd type="none" w="med" len="med"/>
+                      <a:tailEnd type="none" w="med" len="med"/>
+                    </a:lnB>
+                    <a:lnTlToBr w="12700" cmpd="sng">
+                      <a:noFill/>
+                      <a:prstDash val="solid"/>
+                    </a:lnTlToBr>
+                    <a:lnBlToTr w="12700" cmpd="sng">
+                      <a:noFill/>
+                      <a:prstDash val="solid"/>
+                    </a:lnBlToTr>
+                    <a:solidFill>
+                      <a:schemeClr val="bg1"/>
+                    </a:solidFill>
+                  </a:tcPr>
+                </a:tc>
+                <a:extLst>
+                  <a:ext uri="{0D108BD9-81ED-4DB2-BD59-A6C34878D82A}">
+                    <a16:rowId xmlns:a16="http://schemas.microsoft.com/office/drawing/2014/main" val="563069855"/>
+                  </a:ext>
+                </a:extLst>
+              </a:tr>
+              <a:tr h="415728">
+                <a:tc>
+                  <a:txBody>
+                    <a:bodyPr/>
+                    <a:lstStyle/>
+                    <a:p>
+                      <a:pPr algn="ctr"/>
+                      <a:r>
+                        <a:rPr lang="en-US" altLang="zh-TW" sz="1600" dirty="0" smtClean="0">
+                          <a:solidFill>
+                            <a:srgbClr val="FF0000"/>
+                          </a:solidFill>
+                        </a:rPr>
+                        <a:t>2</a:t>
+                      </a:r>
+                      <a:endParaRPr lang="zh-TW" altLang="en-US" sz="1600" dirty="0">
+                        <a:solidFill>
+                          <a:srgbClr val="FF0000"/>
+                        </a:solidFill>
+                      </a:endParaRPr>
+                    </a:p>
+                  </a:txBody>
+                  <a:tcPr anchor="ctr">
+                    <a:lnL w="12700" cap="flat" cmpd="sng" algn="ctr">
+                      <a:noFill/>
+                      <a:prstDash val="solid"/>
+                      <a:round/>
+                      <a:headEnd type="none" w="med" len="med"/>
+                      <a:tailEnd type="none" w="med" len="med"/>
+                    </a:lnL>
+                    <a:lnR w="12700" cap="flat" cmpd="sng" algn="ctr">
+                      <a:solidFill>
+                        <a:schemeClr val="tx1"/>
+                      </a:solidFill>
+                      <a:prstDash val="solid"/>
+                      <a:round/>
+                      <a:headEnd type="none" w="med" len="med"/>
+                      <a:tailEnd type="none" w="med" len="med"/>
+                    </a:lnR>
+                    <a:lnT w="12700" cap="flat" cmpd="sng" algn="ctr">
+                      <a:noFill/>
+                      <a:prstDash val="solid"/>
+                      <a:round/>
+                      <a:headEnd type="none" w="med" len="med"/>
+                      <a:tailEnd type="none" w="med" len="med"/>
+                    </a:lnT>
+                    <a:lnB w="12700" cap="flat" cmpd="sng" algn="ctr">
+                      <a:noFill/>
+                      <a:prstDash val="solid"/>
+                      <a:round/>
+                      <a:headEnd type="none" w="med" len="med"/>
+                      <a:tailEnd type="none" w="med" len="med"/>
+                    </a:lnB>
+                    <a:lnTlToBr w="12700" cmpd="sng">
+                      <a:noFill/>
+                      <a:prstDash val="solid"/>
+                    </a:lnTlToBr>
+                    <a:lnBlToTr w="12700" cmpd="sng">
+                      <a:noFill/>
+                      <a:prstDash val="solid"/>
+                    </a:lnBlToTr>
+                    <a:solidFill>
+                      <a:schemeClr val="bg1"/>
+                    </a:solidFill>
+                  </a:tcPr>
+                </a:tc>
+                <a:tc>
+                  <a:txBody>
+                    <a:bodyPr/>
+                    <a:lstStyle/>
+                    <a:p>
+                      <a:pPr algn="ctr"/>
+                      <a:r>
+                        <a:rPr lang="en-US" altLang="zh-TW" sz="1600" dirty="0" smtClean="0">
+                          <a:solidFill>
+                            <a:schemeClr val="tx1"/>
+                          </a:solidFill>
+                        </a:rPr>
+                        <a:t>1</a:t>
+                      </a:r>
+                      <a:endParaRPr lang="zh-TW" altLang="en-US" sz="1600" dirty="0">
+                        <a:solidFill>
+                          <a:schemeClr val="tx1"/>
+                        </a:solidFill>
+                      </a:endParaRPr>
+                    </a:p>
+                  </a:txBody>
+                  <a:tcPr anchor="ctr">
+                    <a:lnL w="12700" cap="flat" cmpd="sng" algn="ctr">
+                      <a:solidFill>
+                        <a:schemeClr val="tx1"/>
+                      </a:solidFill>
+                      <a:prstDash val="solid"/>
+                      <a:round/>
+                      <a:headEnd type="none" w="med" len="med"/>
+                      <a:tailEnd type="none" w="med" len="med"/>
+                    </a:lnL>
+                    <a:lnR w="12700" cap="flat" cmpd="sng" algn="ctr">
+                      <a:solidFill>
+                        <a:schemeClr val="tx1"/>
+                      </a:solidFill>
+                      <a:prstDash val="solid"/>
+                      <a:round/>
+                      <a:headEnd type="none" w="med" len="med"/>
+                      <a:tailEnd type="none" w="med" len="med"/>
+                    </a:lnR>
+                    <a:lnT w="12700" cap="flat" cmpd="sng" algn="ctr">
+                      <a:solidFill>
+                        <a:schemeClr val="tx1"/>
+                      </a:solidFill>
+                      <a:prstDash val="solid"/>
+                      <a:round/>
+                      <a:headEnd type="none" w="med" len="med"/>
+                      <a:tailEnd type="none" w="med" len="med"/>
+                    </a:lnT>
+                    <a:lnB w="12700" cap="flat" cmpd="sng" algn="ctr">
+                      <a:solidFill>
+                        <a:schemeClr val="tx1"/>
+                      </a:solidFill>
+                      <a:prstDash val="solid"/>
+                      <a:round/>
+                      <a:headEnd type="none" w="med" len="med"/>
+                      <a:tailEnd type="none" w="med" len="med"/>
+                    </a:lnB>
+                    <a:lnTlToBr w="12700" cmpd="sng">
+                      <a:noFill/>
+                      <a:prstDash val="solid"/>
+                    </a:lnTlToBr>
+                    <a:lnBlToTr w="12700" cmpd="sng">
+                      <a:noFill/>
+                      <a:prstDash val="solid"/>
+                    </a:lnBlToTr>
+                    <a:solidFill>
+                      <a:schemeClr val="bg1"/>
+                    </a:solidFill>
+                  </a:tcPr>
+                </a:tc>
+                <a:tc>
+                  <a:txBody>
+                    <a:bodyPr/>
+                    <a:lstStyle/>
+                    <a:p>
+                      <a:pPr algn="ctr"/>
+                      <a:r>
+                        <a:rPr lang="en-US" altLang="zh-TW" sz="1600" dirty="0" smtClean="0">
+                          <a:solidFill>
+                            <a:schemeClr val="tx1"/>
+                          </a:solidFill>
+                        </a:rPr>
+                        <a:t>2</a:t>
+                      </a:r>
+                      <a:endParaRPr lang="zh-TW" altLang="en-US" sz="1600" dirty="0">
+                        <a:solidFill>
+                          <a:schemeClr val="tx1"/>
+                        </a:solidFill>
+                      </a:endParaRPr>
+                    </a:p>
+                  </a:txBody>
+                  <a:tcPr anchor="ctr">
+                    <a:lnL w="12700" cap="flat" cmpd="sng" algn="ctr">
+                      <a:solidFill>
+                        <a:schemeClr val="tx1"/>
+                      </a:solidFill>
+                      <a:prstDash val="solid"/>
+                      <a:round/>
+                      <a:headEnd type="none" w="med" len="med"/>
+                      <a:tailEnd type="none" w="med" len="med"/>
+                    </a:lnL>
+                    <a:lnR w="12700" cap="flat" cmpd="sng" algn="ctr">
+                      <a:solidFill>
+                        <a:schemeClr val="tx1"/>
+                      </a:solidFill>
+                      <a:prstDash val="solid"/>
+                      <a:round/>
+                      <a:headEnd type="none" w="med" len="med"/>
+                      <a:tailEnd type="none" w="med" len="med"/>
+                    </a:lnR>
+                    <a:lnT w="12700" cap="flat" cmpd="sng" algn="ctr">
+                      <a:solidFill>
+                        <a:schemeClr val="tx1"/>
+                      </a:solidFill>
+                      <a:prstDash val="solid"/>
+                      <a:round/>
+                      <a:headEnd type="none" w="med" len="med"/>
+                      <a:tailEnd type="none" w="med" len="med"/>
+                    </a:lnT>
+                    <a:lnB w="12700" cap="flat" cmpd="sng" algn="ctr">
+                      <a:solidFill>
+                        <a:schemeClr val="tx1"/>
+                      </a:solidFill>
+                      <a:prstDash val="solid"/>
+                      <a:round/>
+                      <a:headEnd type="none" w="med" len="med"/>
+                      <a:tailEnd type="none" w="med" len="med"/>
+                    </a:lnB>
+                    <a:lnTlToBr w="12700" cmpd="sng">
+                      <a:noFill/>
+                      <a:prstDash val="solid"/>
+                    </a:lnTlToBr>
+                    <a:lnBlToTr w="12700" cmpd="sng">
+                      <a:noFill/>
+                      <a:prstDash val="solid"/>
+                    </a:lnBlToTr>
+                    <a:solidFill>
+                      <a:schemeClr val="bg1"/>
+                    </a:solidFill>
+                  </a:tcPr>
+                </a:tc>
+                <a:tc>
+                  <a:txBody>
+                    <a:bodyPr/>
+                    <a:lstStyle/>
+                    <a:p>
+                      <a:pPr algn="ctr"/>
+                      <a:r>
+                        <a:rPr lang="en-US" altLang="zh-TW" sz="1600" dirty="0" smtClean="0">
+                          <a:solidFill>
+                            <a:schemeClr val="tx1"/>
+                          </a:solidFill>
+                        </a:rPr>
+                        <a:t>1</a:t>
+                      </a:r>
+                      <a:endParaRPr lang="zh-TW" altLang="en-US" sz="1600" dirty="0">
+                        <a:solidFill>
+                          <a:schemeClr val="tx1"/>
+                        </a:solidFill>
+                      </a:endParaRPr>
+                    </a:p>
+                  </a:txBody>
+                  <a:tcPr anchor="ctr">
+                    <a:lnL w="12700" cap="flat" cmpd="sng" algn="ctr">
+                      <a:solidFill>
+                        <a:schemeClr val="tx1"/>
+                      </a:solidFill>
+                      <a:prstDash val="solid"/>
+                      <a:round/>
+                      <a:headEnd type="none" w="med" len="med"/>
+                      <a:tailEnd type="none" w="med" len="med"/>
+                    </a:lnL>
+                    <a:lnR w="12700" cap="flat" cmpd="sng" algn="ctr">
+                      <a:solidFill>
+                        <a:schemeClr val="tx1"/>
+                      </a:solidFill>
+                      <a:prstDash val="solid"/>
+                      <a:round/>
+                      <a:headEnd type="none" w="med" len="med"/>
+                      <a:tailEnd type="none" w="med" len="med"/>
+                    </a:lnR>
+                    <a:lnT w="12700" cap="flat" cmpd="sng" algn="ctr">
+                      <a:solidFill>
+                        <a:schemeClr val="tx1"/>
+                      </a:solidFill>
+                      <a:prstDash val="solid"/>
+                      <a:round/>
+                      <a:headEnd type="none" w="med" len="med"/>
+                      <a:tailEnd type="none" w="med" len="med"/>
+                    </a:lnT>
+                    <a:lnB w="12700" cap="flat" cmpd="sng" algn="ctr">
+                      <a:solidFill>
+                        <a:schemeClr val="tx1"/>
+                      </a:solidFill>
+                      <a:prstDash val="solid"/>
+                      <a:round/>
+                      <a:headEnd type="none" w="med" len="med"/>
+                      <a:tailEnd type="none" w="med" len="med"/>
+                    </a:lnB>
+                    <a:lnTlToBr w="12700" cmpd="sng">
+                      <a:noFill/>
+                      <a:prstDash val="solid"/>
+                    </a:lnTlToBr>
+                    <a:lnBlToTr w="12700" cmpd="sng">
+                      <a:noFill/>
+                      <a:prstDash val="solid"/>
+                    </a:lnBlToTr>
+                    <a:solidFill>
+                      <a:schemeClr val="bg1"/>
+                    </a:solidFill>
+                  </a:tcPr>
+                </a:tc>
+                <a:tc>
+                  <a:txBody>
+                    <a:bodyPr/>
+                    <a:lstStyle/>
+                    <a:p>
+                      <a:pPr algn="ctr"/>
+                      <a:r>
+                        <a:rPr lang="en-US" altLang="zh-TW" sz="1600" dirty="0" smtClean="0">
+                          <a:solidFill>
+                            <a:schemeClr val="tx1"/>
+                          </a:solidFill>
+                        </a:rPr>
+                        <a:t>-</a:t>
+                      </a:r>
+                      <a:endParaRPr lang="zh-TW" altLang="en-US" sz="1600" dirty="0">
+                        <a:solidFill>
+                          <a:schemeClr val="tx1"/>
+                        </a:solidFill>
+                      </a:endParaRPr>
+                    </a:p>
+                  </a:txBody>
+                  <a:tcPr anchor="ctr">
+                    <a:lnL w="12700" cap="flat" cmpd="sng" algn="ctr">
+                      <a:solidFill>
+                        <a:schemeClr val="tx1"/>
+                      </a:solidFill>
+                      <a:prstDash val="solid"/>
+                      <a:round/>
+                      <a:headEnd type="none" w="med" len="med"/>
+                      <a:tailEnd type="none" w="med" len="med"/>
+                    </a:lnL>
+                    <a:lnR w="12700" cap="flat" cmpd="sng" algn="ctr">
+                      <a:solidFill>
+                        <a:schemeClr val="tx1"/>
+                      </a:solidFill>
+                      <a:prstDash val="solid"/>
+                      <a:round/>
+                      <a:headEnd type="none" w="med" len="med"/>
+                      <a:tailEnd type="none" w="med" len="med"/>
+                    </a:lnR>
+                    <a:lnT w="12700" cap="flat" cmpd="sng" algn="ctr">
+                      <a:solidFill>
+                        <a:schemeClr val="tx1"/>
+                      </a:solidFill>
+                      <a:prstDash val="solid"/>
+                      <a:round/>
+                      <a:headEnd type="none" w="med" len="med"/>
+                      <a:tailEnd type="none" w="med" len="med"/>
+                    </a:lnT>
+                    <a:lnB w="12700" cap="flat" cmpd="sng" algn="ctr">
+                      <a:solidFill>
+                        <a:schemeClr val="tx1"/>
+                      </a:solidFill>
+                      <a:prstDash val="solid"/>
+                      <a:round/>
+                      <a:headEnd type="none" w="med" len="med"/>
+                      <a:tailEnd type="none" w="med" len="med"/>
+                    </a:lnB>
+                    <a:lnTlToBr w="12700" cmpd="sng">
+                      <a:noFill/>
+                      <a:prstDash val="solid"/>
+                    </a:lnTlToBr>
+                    <a:lnBlToTr w="12700" cmpd="sng">
+                      <a:noFill/>
+                      <a:prstDash val="solid"/>
+                    </a:lnBlToTr>
+                    <a:solidFill>
+                      <a:schemeClr val="bg1"/>
+                    </a:solidFill>
+                  </a:tcPr>
+                </a:tc>
+                <a:tc>
+                  <a:txBody>
+                    <a:bodyPr/>
+                    <a:lstStyle/>
+                    <a:p>
+                      <a:pPr algn="ctr"/>
+                      <a:r>
+                        <a:rPr lang="en-US" altLang="zh-TW" sz="1600" dirty="0" smtClean="0">
+                          <a:solidFill>
+                            <a:schemeClr val="tx1"/>
+                          </a:solidFill>
+                        </a:rPr>
+                        <a:t>-</a:t>
+                      </a:r>
+                      <a:endParaRPr lang="zh-TW" altLang="en-US" sz="1600" dirty="0">
+                        <a:solidFill>
+                          <a:schemeClr val="tx1"/>
+                        </a:solidFill>
+                      </a:endParaRPr>
+                    </a:p>
+                  </a:txBody>
+                  <a:tcPr anchor="ctr">
+                    <a:lnL w="12700" cap="flat" cmpd="sng" algn="ctr">
+                      <a:solidFill>
+                        <a:schemeClr val="tx1"/>
+                      </a:solidFill>
+                      <a:prstDash val="solid"/>
+                      <a:round/>
+                      <a:headEnd type="none" w="med" len="med"/>
+                      <a:tailEnd type="none" w="med" len="med"/>
+                    </a:lnL>
+                    <a:lnR w="12700" cap="flat" cmpd="sng" algn="ctr">
+                      <a:solidFill>
+                        <a:schemeClr val="tx1"/>
+                      </a:solidFill>
+                      <a:prstDash val="solid"/>
+                      <a:round/>
+                      <a:headEnd type="none" w="med" len="med"/>
+                      <a:tailEnd type="none" w="med" len="med"/>
+                    </a:lnR>
+                    <a:lnT w="12700" cap="flat" cmpd="sng" algn="ctr">
+                      <a:solidFill>
+                        <a:schemeClr val="tx1"/>
+                      </a:solidFill>
+                      <a:prstDash val="solid"/>
+                      <a:round/>
+                      <a:headEnd type="none" w="med" len="med"/>
+                      <a:tailEnd type="none" w="med" len="med"/>
+                    </a:lnT>
+                    <a:lnB w="12700" cap="flat" cmpd="sng" algn="ctr">
+                      <a:solidFill>
+                        <a:schemeClr val="tx1"/>
+                      </a:solidFill>
+                      <a:prstDash val="solid"/>
+                      <a:round/>
+                      <a:headEnd type="none" w="med" len="med"/>
+                      <a:tailEnd type="none" w="med" len="med"/>
+                    </a:lnB>
+                    <a:lnTlToBr w="12700" cmpd="sng">
+                      <a:noFill/>
+                      <a:prstDash val="solid"/>
+                    </a:lnTlToBr>
+                    <a:lnBlToTr w="12700" cmpd="sng">
+                      <a:noFill/>
+                      <a:prstDash val="solid"/>
+                    </a:lnBlToTr>
+                    <a:solidFill>
+                      <a:schemeClr val="bg1"/>
+                    </a:solidFill>
+                  </a:tcPr>
+                </a:tc>
+                <a:tc>
+                  <a:txBody>
+                    <a:bodyPr/>
+                    <a:lstStyle/>
+                    <a:p>
+                      <a:pPr algn="ctr"/>
+                      <a:r>
+                        <a:rPr lang="en-US" altLang="zh-TW" sz="1600" dirty="0" smtClean="0">
+                          <a:solidFill>
+                            <a:schemeClr val="tx1"/>
+                          </a:solidFill>
+                        </a:rPr>
+                        <a:t>-</a:t>
+                      </a:r>
+                      <a:endParaRPr lang="zh-TW" altLang="en-US" sz="1600" dirty="0">
+                        <a:solidFill>
+                          <a:schemeClr val="tx1"/>
+                        </a:solidFill>
+                      </a:endParaRPr>
+                    </a:p>
+                  </a:txBody>
+                  <a:tcPr anchor="ctr">
+                    <a:lnL w="12700" cap="flat" cmpd="sng" algn="ctr">
+                      <a:solidFill>
+                        <a:schemeClr val="tx1"/>
+                      </a:solidFill>
+                      <a:prstDash val="solid"/>
+                      <a:round/>
+                      <a:headEnd type="none" w="med" len="med"/>
+                      <a:tailEnd type="none" w="med" len="med"/>
+                    </a:lnL>
+                    <a:lnR w="12700" cap="flat" cmpd="sng" algn="ctr">
+                      <a:solidFill>
+                        <a:schemeClr val="tx1"/>
+                      </a:solidFill>
+                      <a:prstDash val="solid"/>
+                      <a:round/>
+                      <a:headEnd type="none" w="med" len="med"/>
+                      <a:tailEnd type="none" w="med" len="med"/>
+                    </a:lnR>
+                    <a:lnT w="12700" cap="flat" cmpd="sng" algn="ctr">
+                      <a:solidFill>
+                        <a:schemeClr val="tx1"/>
+                      </a:solidFill>
+                      <a:prstDash val="solid"/>
+                      <a:round/>
+                      <a:headEnd type="none" w="med" len="med"/>
+                      <a:tailEnd type="none" w="med" len="med"/>
+                    </a:lnT>
+                    <a:lnB w="12700" cap="flat" cmpd="sng" algn="ctr">
+                      <a:solidFill>
+                        <a:schemeClr val="tx1"/>
+                      </a:solidFill>
+                      <a:prstDash val="solid"/>
+                      <a:round/>
+                      <a:headEnd type="none" w="med" len="med"/>
+                      <a:tailEnd type="none" w="med" len="med"/>
+                    </a:lnB>
+                    <a:lnTlToBr w="12700" cmpd="sng">
+                      <a:noFill/>
+                      <a:prstDash val="solid"/>
+                    </a:lnTlToBr>
+                    <a:lnBlToTr w="12700" cmpd="sng">
+                      <a:noFill/>
+                      <a:prstDash val="solid"/>
+                    </a:lnBlToTr>
+                    <a:solidFill>
+                      <a:schemeClr val="bg1"/>
+                    </a:solidFill>
+                  </a:tcPr>
+                </a:tc>
+                <a:tc>
+                  <a:txBody>
+                    <a:bodyPr/>
+                    <a:lstStyle/>
+                    <a:p>
+                      <a:pPr algn="ctr"/>
+                      <a:r>
+                        <a:rPr lang="en-US" altLang="zh-TW" sz="1600" dirty="0" smtClean="0">
+                          <a:solidFill>
+                            <a:schemeClr val="tx1"/>
+                          </a:solidFill>
+                        </a:rPr>
+                        <a:t>-</a:t>
+                      </a:r>
+                      <a:endParaRPr lang="zh-TW" altLang="en-US" sz="1600" dirty="0">
+                        <a:solidFill>
+                          <a:schemeClr val="tx1"/>
+                        </a:solidFill>
+                      </a:endParaRPr>
+                    </a:p>
+                  </a:txBody>
+                  <a:tcPr anchor="ctr">
+                    <a:lnL w="12700" cap="flat" cmpd="sng" algn="ctr">
+                      <a:solidFill>
+                        <a:schemeClr val="tx1"/>
+                      </a:solidFill>
+                      <a:prstDash val="solid"/>
+                      <a:round/>
+                      <a:headEnd type="none" w="med" len="med"/>
+                      <a:tailEnd type="none" w="med" len="med"/>
+                    </a:lnL>
+                    <a:lnR w="12700" cap="flat" cmpd="sng" algn="ctr">
+                      <a:solidFill>
+                        <a:schemeClr val="tx1"/>
+                      </a:solidFill>
+                      <a:prstDash val="solid"/>
+                      <a:round/>
+                      <a:headEnd type="none" w="med" len="med"/>
+                      <a:tailEnd type="none" w="med" len="med"/>
+                    </a:lnR>
+                    <a:lnT w="12700" cap="flat" cmpd="sng" algn="ctr">
+                      <a:solidFill>
+                        <a:schemeClr val="tx1"/>
+                      </a:solidFill>
+                      <a:prstDash val="solid"/>
+                      <a:round/>
+                      <a:headEnd type="none" w="med" len="med"/>
+                      <a:tailEnd type="none" w="med" len="med"/>
+                    </a:lnT>
+                    <a:lnB w="12700" cap="flat" cmpd="sng" algn="ctr">
+                      <a:solidFill>
+                        <a:schemeClr val="tx1"/>
+                      </a:solidFill>
+                      <a:prstDash val="solid"/>
+                      <a:round/>
+                      <a:headEnd type="none" w="med" len="med"/>
+                      <a:tailEnd type="none" w="med" len="med"/>
+                    </a:lnB>
+                    <a:lnTlToBr w="12700" cmpd="sng">
+                      <a:noFill/>
+                      <a:prstDash val="solid"/>
+                    </a:lnTlToBr>
+                    <a:lnBlToTr w="12700" cmpd="sng">
+                      <a:noFill/>
+                      <a:prstDash val="solid"/>
+                    </a:lnBlToTr>
+                    <a:solidFill>
+                      <a:schemeClr val="bg1"/>
+                    </a:solidFill>
+                  </a:tcPr>
+                </a:tc>
+                <a:tc>
+                  <a:txBody>
+                    <a:bodyPr/>
+                    <a:lstStyle/>
+                    <a:p>
+                      <a:pPr algn="ctr"/>
+                      <a:r>
+                        <a:rPr lang="en-US" altLang="zh-TW" sz="1600" dirty="0" smtClean="0">
+                          <a:solidFill>
+                            <a:schemeClr val="tx1"/>
+                          </a:solidFill>
+                        </a:rPr>
+                        <a:t>-</a:t>
+                      </a:r>
+                      <a:endParaRPr lang="zh-TW" altLang="en-US" sz="1600" dirty="0">
+                        <a:solidFill>
+                          <a:schemeClr val="tx1"/>
+                        </a:solidFill>
+                      </a:endParaRPr>
+                    </a:p>
+                  </a:txBody>
+                  <a:tcPr anchor="ctr">
+                    <a:lnL w="12700" cap="flat" cmpd="sng" algn="ctr">
+                      <a:solidFill>
+                        <a:schemeClr val="tx1"/>
+                      </a:solidFill>
+                      <a:prstDash val="solid"/>
+                      <a:round/>
+                      <a:headEnd type="none" w="med" len="med"/>
+                      <a:tailEnd type="none" w="med" len="med"/>
+                    </a:lnL>
+                    <a:lnR w="12700" cap="flat" cmpd="sng" algn="ctr">
+                      <a:solidFill>
+                        <a:schemeClr val="tx1"/>
+                      </a:solidFill>
+                      <a:prstDash val="solid"/>
+                      <a:round/>
+                      <a:headEnd type="none" w="med" len="med"/>
+                      <a:tailEnd type="none" w="med" len="med"/>
+                    </a:lnR>
+                    <a:lnT w="12700" cap="flat" cmpd="sng" algn="ctr">
+                      <a:solidFill>
+                        <a:schemeClr val="tx1"/>
+                      </a:solidFill>
+                      <a:prstDash val="solid"/>
+                      <a:round/>
+                      <a:headEnd type="none" w="med" len="med"/>
+                      <a:tailEnd type="none" w="med" len="med"/>
+                    </a:lnT>
+                    <a:lnB w="12700" cap="flat" cmpd="sng" algn="ctr">
+                      <a:solidFill>
+                        <a:schemeClr val="tx1"/>
+                      </a:solidFill>
+                      <a:prstDash val="solid"/>
+                      <a:round/>
+                      <a:headEnd type="none" w="med" len="med"/>
+                      <a:tailEnd type="none" w="med" len="med"/>
+                    </a:lnB>
+                    <a:lnTlToBr w="12700" cmpd="sng">
+                      <a:noFill/>
+                      <a:prstDash val="solid"/>
+                    </a:lnTlToBr>
+                    <a:lnBlToTr w="12700" cmpd="sng">
+                      <a:noFill/>
+                      <a:prstDash val="solid"/>
+                    </a:lnBlToTr>
+                    <a:solidFill>
+                      <a:schemeClr val="bg1"/>
+                    </a:solidFill>
+                  </a:tcPr>
+                </a:tc>
+                <a:extLst>
+                  <a:ext uri="{0D108BD9-81ED-4DB2-BD59-A6C34878D82A}">
+                    <a16:rowId xmlns:a16="http://schemas.microsoft.com/office/drawing/2014/main" val="1214532802"/>
+                  </a:ext>
+                </a:extLst>
+              </a:tr>
+              <a:tr h="415728">
+                <a:tc>
+                  <a:txBody>
+                    <a:bodyPr/>
+                    <a:lstStyle/>
+                    <a:p>
+                      <a:pPr algn="ctr"/>
+                      <a:r>
+                        <a:rPr lang="en-US" altLang="zh-TW" sz="1600" dirty="0" smtClean="0">
+                          <a:solidFill>
+                            <a:srgbClr val="FF0000"/>
+                          </a:solidFill>
+                        </a:rPr>
+                        <a:t>3</a:t>
+                      </a:r>
+                      <a:endParaRPr lang="zh-TW" altLang="en-US" sz="1600" dirty="0">
+                        <a:solidFill>
+                          <a:srgbClr val="FF0000"/>
+                        </a:solidFill>
+                      </a:endParaRPr>
+                    </a:p>
+                  </a:txBody>
+                  <a:tcPr anchor="ctr">
+                    <a:lnL w="12700" cap="flat" cmpd="sng" algn="ctr">
+                      <a:noFill/>
+                      <a:prstDash val="solid"/>
+                      <a:round/>
+                      <a:headEnd type="none" w="med" len="med"/>
+                      <a:tailEnd type="none" w="med" len="med"/>
+                    </a:lnL>
+                    <a:lnR w="12700" cap="flat" cmpd="sng" algn="ctr">
+                      <a:solidFill>
+                        <a:schemeClr val="tx1"/>
+                      </a:solidFill>
+                      <a:prstDash val="solid"/>
+                      <a:round/>
+                      <a:headEnd type="none" w="med" len="med"/>
+                      <a:tailEnd type="none" w="med" len="med"/>
+                    </a:lnR>
+                    <a:lnT w="12700" cap="flat" cmpd="sng" algn="ctr">
+                      <a:noFill/>
+                      <a:prstDash val="solid"/>
+                      <a:round/>
+                      <a:headEnd type="none" w="med" len="med"/>
+                      <a:tailEnd type="none" w="med" len="med"/>
+                    </a:lnT>
+                    <a:lnB w="12700" cap="flat" cmpd="sng" algn="ctr">
+                      <a:noFill/>
+                      <a:prstDash val="solid"/>
+                      <a:round/>
+                      <a:headEnd type="none" w="med" len="med"/>
+                      <a:tailEnd type="none" w="med" len="med"/>
+                    </a:lnB>
+                    <a:lnTlToBr w="12700" cmpd="sng">
+                      <a:noFill/>
+                      <a:prstDash val="solid"/>
+                    </a:lnTlToBr>
+                    <a:lnBlToTr w="12700" cmpd="sng">
+                      <a:noFill/>
+                      <a:prstDash val="solid"/>
+                    </a:lnBlToTr>
+                    <a:solidFill>
+                      <a:schemeClr val="bg1"/>
+                    </a:solidFill>
+                  </a:tcPr>
+                </a:tc>
+                <a:tc>
+                  <a:txBody>
+                    <a:bodyPr/>
+                    <a:lstStyle/>
+                    <a:p>
+                      <a:pPr algn="ctr"/>
+                      <a:r>
+                        <a:rPr lang="en-US" altLang="zh-TW" sz="1600" dirty="0" smtClean="0">
+                          <a:solidFill>
+                            <a:schemeClr val="tx1"/>
+                          </a:solidFill>
+                        </a:rPr>
+                        <a:t>1</a:t>
+                      </a:r>
+                      <a:endParaRPr lang="zh-TW" altLang="en-US" sz="1600" dirty="0">
+                        <a:solidFill>
+                          <a:schemeClr val="tx1"/>
+                        </a:solidFill>
+                      </a:endParaRPr>
+                    </a:p>
+                  </a:txBody>
+                  <a:tcPr anchor="ctr">
+                    <a:lnL w="12700" cap="flat" cmpd="sng" algn="ctr">
+                      <a:solidFill>
+                        <a:schemeClr val="tx1"/>
+                      </a:solidFill>
+                      <a:prstDash val="solid"/>
+                      <a:round/>
+                      <a:headEnd type="none" w="med" len="med"/>
+                      <a:tailEnd type="none" w="med" len="med"/>
+                    </a:lnL>
+                    <a:lnR w="12700" cap="flat" cmpd="sng" algn="ctr">
+                      <a:solidFill>
+                        <a:schemeClr val="tx1"/>
+                      </a:solidFill>
+                      <a:prstDash val="solid"/>
+                      <a:round/>
+                      <a:headEnd type="none" w="med" len="med"/>
+                      <a:tailEnd type="none" w="med" len="med"/>
+                    </a:lnR>
+                    <a:lnT w="12700" cap="flat" cmpd="sng" algn="ctr">
+                      <a:solidFill>
+                        <a:schemeClr val="tx1"/>
+                      </a:solidFill>
+                      <a:prstDash val="solid"/>
+                      <a:round/>
+                      <a:headEnd type="none" w="med" len="med"/>
+                      <a:tailEnd type="none" w="med" len="med"/>
+                    </a:lnT>
+                    <a:lnB w="12700" cap="flat" cmpd="sng" algn="ctr">
+                      <a:solidFill>
+                        <a:schemeClr val="tx1"/>
+                      </a:solidFill>
+                      <a:prstDash val="solid"/>
+                      <a:round/>
+                      <a:headEnd type="none" w="med" len="med"/>
+                      <a:tailEnd type="none" w="med" len="med"/>
+                    </a:lnB>
+                    <a:lnTlToBr w="12700" cmpd="sng">
+                      <a:noFill/>
+                      <a:prstDash val="solid"/>
+                    </a:lnTlToBr>
+                    <a:lnBlToTr w="12700" cmpd="sng">
+                      <a:noFill/>
+                      <a:prstDash val="solid"/>
+                    </a:lnBlToTr>
+                    <a:solidFill>
+                      <a:schemeClr val="bg1"/>
+                    </a:solidFill>
+                  </a:tcPr>
+                </a:tc>
+                <a:tc>
+                  <a:txBody>
+                    <a:bodyPr/>
+                    <a:lstStyle/>
+                    <a:p>
+                      <a:pPr algn="ctr"/>
+                      <a:r>
+                        <a:rPr lang="en-US" altLang="zh-TW" sz="1600" dirty="0" smtClean="0">
+                          <a:solidFill>
+                            <a:schemeClr val="tx1"/>
+                          </a:solidFill>
+                        </a:rPr>
+                        <a:t>3</a:t>
+                      </a:r>
+                      <a:endParaRPr lang="zh-TW" altLang="en-US" sz="1600" dirty="0">
+                        <a:solidFill>
+                          <a:schemeClr val="tx1"/>
+                        </a:solidFill>
+                      </a:endParaRPr>
+                    </a:p>
+                  </a:txBody>
+                  <a:tcPr anchor="ctr">
+                    <a:lnL w="12700" cap="flat" cmpd="sng" algn="ctr">
+                      <a:solidFill>
+                        <a:schemeClr val="tx1"/>
+                      </a:solidFill>
+                      <a:prstDash val="solid"/>
+                      <a:round/>
+                      <a:headEnd type="none" w="med" len="med"/>
+                      <a:tailEnd type="none" w="med" len="med"/>
+                    </a:lnL>
+                    <a:lnR w="12700" cap="flat" cmpd="sng" algn="ctr">
+                      <a:solidFill>
+                        <a:schemeClr val="tx1"/>
+                      </a:solidFill>
+                      <a:prstDash val="solid"/>
+                      <a:round/>
+                      <a:headEnd type="none" w="med" len="med"/>
+                      <a:tailEnd type="none" w="med" len="med"/>
+                    </a:lnR>
+                    <a:lnT w="12700" cap="flat" cmpd="sng" algn="ctr">
+                      <a:solidFill>
+                        <a:schemeClr val="tx1"/>
+                      </a:solidFill>
+                      <a:prstDash val="solid"/>
+                      <a:round/>
+                      <a:headEnd type="none" w="med" len="med"/>
+                      <a:tailEnd type="none" w="med" len="med"/>
+                    </a:lnT>
+                    <a:lnB w="12700" cap="flat" cmpd="sng" algn="ctr">
+                      <a:solidFill>
+                        <a:schemeClr val="tx1"/>
+                      </a:solidFill>
+                      <a:prstDash val="solid"/>
+                      <a:round/>
+                      <a:headEnd type="none" w="med" len="med"/>
+                      <a:tailEnd type="none" w="med" len="med"/>
+                    </a:lnB>
+                    <a:lnTlToBr w="12700" cmpd="sng">
+                      <a:noFill/>
+                      <a:prstDash val="solid"/>
+                    </a:lnTlToBr>
+                    <a:lnBlToTr w="12700" cmpd="sng">
+                      <a:noFill/>
+                      <a:prstDash val="solid"/>
+                    </a:lnBlToTr>
+                    <a:solidFill>
+                      <a:schemeClr val="bg1"/>
+                    </a:solidFill>
+                  </a:tcPr>
+                </a:tc>
+                <a:tc>
+                  <a:txBody>
+                    <a:bodyPr/>
+                    <a:lstStyle/>
+                    <a:p>
+                      <a:pPr algn="ctr"/>
+                      <a:r>
+                        <a:rPr lang="en-US" altLang="zh-TW" sz="1600" dirty="0" smtClean="0">
+                          <a:solidFill>
+                            <a:schemeClr val="tx1"/>
+                          </a:solidFill>
+                        </a:rPr>
+                        <a:t>3</a:t>
+                      </a:r>
+                      <a:endParaRPr lang="zh-TW" altLang="en-US" sz="1600" dirty="0">
+                        <a:solidFill>
+                          <a:schemeClr val="tx1"/>
+                        </a:solidFill>
+                      </a:endParaRPr>
+                    </a:p>
+                  </a:txBody>
+                  <a:tcPr anchor="ctr">
+                    <a:lnL w="12700" cap="flat" cmpd="sng" algn="ctr">
+                      <a:solidFill>
+                        <a:schemeClr val="tx1"/>
+                      </a:solidFill>
+                      <a:prstDash val="solid"/>
+                      <a:round/>
+                      <a:headEnd type="none" w="med" len="med"/>
+                      <a:tailEnd type="none" w="med" len="med"/>
+                    </a:lnL>
+                    <a:lnR w="12700" cap="flat" cmpd="sng" algn="ctr">
+                      <a:solidFill>
+                        <a:schemeClr val="tx1"/>
+                      </a:solidFill>
+                      <a:prstDash val="solid"/>
+                      <a:round/>
+                      <a:headEnd type="none" w="med" len="med"/>
+                      <a:tailEnd type="none" w="med" len="med"/>
+                    </a:lnR>
+                    <a:lnT w="12700" cap="flat" cmpd="sng" algn="ctr">
+                      <a:solidFill>
+                        <a:schemeClr val="tx1"/>
+                      </a:solidFill>
+                      <a:prstDash val="solid"/>
+                      <a:round/>
+                      <a:headEnd type="none" w="med" len="med"/>
+                      <a:tailEnd type="none" w="med" len="med"/>
+                    </a:lnT>
+                    <a:lnB w="12700" cap="flat" cmpd="sng" algn="ctr">
+                      <a:solidFill>
+                        <a:schemeClr val="tx1"/>
+                      </a:solidFill>
+                      <a:prstDash val="solid"/>
+                      <a:round/>
+                      <a:headEnd type="none" w="med" len="med"/>
+                      <a:tailEnd type="none" w="med" len="med"/>
+                    </a:lnB>
+                    <a:lnTlToBr w="12700" cmpd="sng">
+                      <a:noFill/>
+                      <a:prstDash val="solid"/>
+                    </a:lnTlToBr>
+                    <a:lnBlToTr w="12700" cmpd="sng">
+                      <a:noFill/>
+                      <a:prstDash val="solid"/>
+                    </a:lnBlToTr>
+                    <a:solidFill>
+                      <a:schemeClr val="bg1"/>
+                    </a:solidFill>
+                  </a:tcPr>
+                </a:tc>
+                <a:tc>
+                  <a:txBody>
+                    <a:bodyPr/>
+                    <a:lstStyle/>
+                    <a:p>
+                      <a:pPr algn="ctr"/>
+                      <a:r>
+                        <a:rPr lang="en-US" altLang="zh-TW" sz="1600" dirty="0" smtClean="0">
+                          <a:solidFill>
+                            <a:schemeClr val="tx1"/>
+                          </a:solidFill>
+                        </a:rPr>
+                        <a:t>1</a:t>
+                      </a:r>
+                      <a:endParaRPr lang="zh-TW" altLang="en-US" sz="1600" dirty="0">
+                        <a:solidFill>
+                          <a:schemeClr val="tx1"/>
+                        </a:solidFill>
+                      </a:endParaRPr>
+                    </a:p>
+                  </a:txBody>
+                  <a:tcPr anchor="ctr">
+                    <a:lnL w="12700" cap="flat" cmpd="sng" algn="ctr">
+                      <a:solidFill>
+                        <a:schemeClr val="tx1"/>
+                      </a:solidFill>
+                      <a:prstDash val="solid"/>
+                      <a:round/>
+                      <a:headEnd type="none" w="med" len="med"/>
+                      <a:tailEnd type="none" w="med" len="med"/>
+                    </a:lnL>
+                    <a:lnR w="12700" cap="flat" cmpd="sng" algn="ctr">
+                      <a:solidFill>
+                        <a:schemeClr val="tx1"/>
+                      </a:solidFill>
+                      <a:prstDash val="solid"/>
+                      <a:round/>
+                      <a:headEnd type="none" w="med" len="med"/>
+                      <a:tailEnd type="none" w="med" len="med"/>
+                    </a:lnR>
+                    <a:lnT w="12700" cap="flat" cmpd="sng" algn="ctr">
+                      <a:solidFill>
+                        <a:schemeClr val="tx1"/>
+                      </a:solidFill>
+                      <a:prstDash val="solid"/>
+                      <a:round/>
+                      <a:headEnd type="none" w="med" len="med"/>
+                      <a:tailEnd type="none" w="med" len="med"/>
+                    </a:lnT>
+                    <a:lnB w="12700" cap="flat" cmpd="sng" algn="ctr">
+                      <a:solidFill>
+                        <a:schemeClr val="tx1"/>
+                      </a:solidFill>
+                      <a:prstDash val="solid"/>
+                      <a:round/>
+                      <a:headEnd type="none" w="med" len="med"/>
+                      <a:tailEnd type="none" w="med" len="med"/>
+                    </a:lnB>
+                    <a:lnTlToBr w="12700" cmpd="sng">
+                      <a:noFill/>
+                      <a:prstDash val="solid"/>
+                    </a:lnTlToBr>
+                    <a:lnBlToTr w="12700" cmpd="sng">
+                      <a:noFill/>
+                      <a:prstDash val="solid"/>
+                    </a:lnBlToTr>
+                    <a:solidFill>
+                      <a:schemeClr val="bg1"/>
+                    </a:solidFill>
+                  </a:tcPr>
+                </a:tc>
+                <a:tc>
+                  <a:txBody>
+                    <a:bodyPr/>
+                    <a:lstStyle/>
+                    <a:p>
+                      <a:pPr algn="ctr"/>
+                      <a:r>
+                        <a:rPr lang="en-US" altLang="zh-TW" sz="1600" dirty="0" smtClean="0">
+                          <a:solidFill>
+                            <a:schemeClr val="tx1"/>
+                          </a:solidFill>
+                        </a:rPr>
+                        <a:t>-</a:t>
+                      </a:r>
+                      <a:endParaRPr lang="zh-TW" altLang="en-US" sz="1600" dirty="0">
+                        <a:solidFill>
+                          <a:schemeClr val="tx1"/>
+                        </a:solidFill>
+                      </a:endParaRPr>
+                    </a:p>
+                  </a:txBody>
+                  <a:tcPr anchor="ctr">
+                    <a:lnL w="12700" cap="flat" cmpd="sng" algn="ctr">
+                      <a:solidFill>
+                        <a:schemeClr val="tx1"/>
+                      </a:solidFill>
+                      <a:prstDash val="solid"/>
+                      <a:round/>
+                      <a:headEnd type="none" w="med" len="med"/>
+                      <a:tailEnd type="none" w="med" len="med"/>
+                    </a:lnL>
+                    <a:lnR w="12700" cap="flat" cmpd="sng" algn="ctr">
+                      <a:solidFill>
+                        <a:schemeClr val="tx1"/>
+                      </a:solidFill>
+                      <a:prstDash val="solid"/>
+                      <a:round/>
+                      <a:headEnd type="none" w="med" len="med"/>
+                      <a:tailEnd type="none" w="med" len="med"/>
+                    </a:lnR>
+                    <a:lnT w="12700" cap="flat" cmpd="sng" algn="ctr">
+                      <a:solidFill>
+                        <a:schemeClr val="tx1"/>
+                      </a:solidFill>
+                      <a:prstDash val="solid"/>
+                      <a:round/>
+                      <a:headEnd type="none" w="med" len="med"/>
+                      <a:tailEnd type="none" w="med" len="med"/>
+                    </a:lnT>
+                    <a:lnB w="12700" cap="flat" cmpd="sng" algn="ctr">
+                      <a:solidFill>
+                        <a:schemeClr val="tx1"/>
+                      </a:solidFill>
+                      <a:prstDash val="solid"/>
+                      <a:round/>
+                      <a:headEnd type="none" w="med" len="med"/>
+                      <a:tailEnd type="none" w="med" len="med"/>
+                    </a:lnB>
+                    <a:lnTlToBr w="12700" cmpd="sng">
+                      <a:noFill/>
+                      <a:prstDash val="solid"/>
+                    </a:lnTlToBr>
+                    <a:lnBlToTr w="12700" cmpd="sng">
+                      <a:noFill/>
+                      <a:prstDash val="solid"/>
+                    </a:lnBlToTr>
+                    <a:solidFill>
+                      <a:schemeClr val="bg1"/>
+                    </a:solidFill>
+                  </a:tcPr>
+                </a:tc>
+                <a:tc>
+                  <a:txBody>
+                    <a:bodyPr/>
+                    <a:lstStyle/>
+                    <a:p>
+                      <a:pPr algn="ctr"/>
+                      <a:r>
+                        <a:rPr lang="en-US" altLang="zh-TW" sz="1600" dirty="0" smtClean="0">
+                          <a:solidFill>
+                            <a:schemeClr val="tx1"/>
+                          </a:solidFill>
+                        </a:rPr>
+                        <a:t>-</a:t>
+                      </a:r>
+                      <a:endParaRPr lang="zh-TW" altLang="en-US" sz="1600" dirty="0">
+                        <a:solidFill>
+                          <a:schemeClr val="tx1"/>
+                        </a:solidFill>
+                      </a:endParaRPr>
+                    </a:p>
+                  </a:txBody>
+                  <a:tcPr anchor="ctr">
+                    <a:lnL w="12700" cap="flat" cmpd="sng" algn="ctr">
+                      <a:solidFill>
+                        <a:schemeClr val="tx1"/>
+                      </a:solidFill>
+                      <a:prstDash val="solid"/>
+                      <a:round/>
+                      <a:headEnd type="none" w="med" len="med"/>
+                      <a:tailEnd type="none" w="med" len="med"/>
+                    </a:lnL>
+                    <a:lnR w="12700" cap="flat" cmpd="sng" algn="ctr">
+                      <a:solidFill>
+                        <a:schemeClr val="tx1"/>
+                      </a:solidFill>
+                      <a:prstDash val="solid"/>
+                      <a:round/>
+                      <a:headEnd type="none" w="med" len="med"/>
+                      <a:tailEnd type="none" w="med" len="med"/>
+                    </a:lnR>
+                    <a:lnT w="12700" cap="flat" cmpd="sng" algn="ctr">
+                      <a:solidFill>
+                        <a:schemeClr val="tx1"/>
+                      </a:solidFill>
+                      <a:prstDash val="solid"/>
+                      <a:round/>
+                      <a:headEnd type="none" w="med" len="med"/>
+                      <a:tailEnd type="none" w="med" len="med"/>
+                    </a:lnT>
+                    <a:lnB w="12700" cap="flat" cmpd="sng" algn="ctr">
+                      <a:solidFill>
+                        <a:schemeClr val="tx1"/>
+                      </a:solidFill>
+                      <a:prstDash val="solid"/>
+                      <a:round/>
+                      <a:headEnd type="none" w="med" len="med"/>
+                      <a:tailEnd type="none" w="med" len="med"/>
+                    </a:lnB>
+                    <a:lnTlToBr w="12700" cmpd="sng">
+                      <a:noFill/>
+                      <a:prstDash val="solid"/>
+                    </a:lnTlToBr>
+                    <a:lnBlToTr w="12700" cmpd="sng">
+                      <a:noFill/>
+                      <a:prstDash val="solid"/>
+                    </a:lnBlToTr>
+                    <a:solidFill>
+                      <a:schemeClr val="bg1"/>
+                    </a:solidFill>
+                  </a:tcPr>
+                </a:tc>
+                <a:tc>
+                  <a:txBody>
+                    <a:bodyPr/>
+                    <a:lstStyle/>
+                    <a:p>
+                      <a:pPr algn="ctr"/>
+                      <a:r>
+                        <a:rPr lang="en-US" altLang="zh-TW" sz="1600" dirty="0" smtClean="0">
+                          <a:solidFill>
+                            <a:schemeClr val="tx1"/>
+                          </a:solidFill>
+                        </a:rPr>
+                        <a:t>-</a:t>
+                      </a:r>
+                      <a:endParaRPr lang="zh-TW" altLang="en-US" sz="1600" dirty="0">
+                        <a:solidFill>
+                          <a:schemeClr val="tx1"/>
+                        </a:solidFill>
+                      </a:endParaRPr>
+                    </a:p>
+                  </a:txBody>
+                  <a:tcPr anchor="ctr">
+                    <a:lnL w="12700" cap="flat" cmpd="sng" algn="ctr">
+                      <a:solidFill>
+                        <a:schemeClr val="tx1"/>
+                      </a:solidFill>
+                      <a:prstDash val="solid"/>
+                      <a:round/>
+                      <a:headEnd type="none" w="med" len="med"/>
+                      <a:tailEnd type="none" w="med" len="med"/>
+                    </a:lnL>
+                    <a:lnR w="12700" cap="flat" cmpd="sng" algn="ctr">
+                      <a:solidFill>
+                        <a:schemeClr val="tx1"/>
+                      </a:solidFill>
+                      <a:prstDash val="solid"/>
+                      <a:round/>
+                      <a:headEnd type="none" w="med" len="med"/>
+                      <a:tailEnd type="none" w="med" len="med"/>
+                    </a:lnR>
+                    <a:lnT w="12700" cap="flat" cmpd="sng" algn="ctr">
+                      <a:solidFill>
+                        <a:schemeClr val="tx1"/>
+                      </a:solidFill>
+                      <a:prstDash val="solid"/>
+                      <a:round/>
+                      <a:headEnd type="none" w="med" len="med"/>
+                      <a:tailEnd type="none" w="med" len="med"/>
+                    </a:lnT>
+                    <a:lnB w="12700" cap="flat" cmpd="sng" algn="ctr">
+                      <a:solidFill>
+                        <a:schemeClr val="tx1"/>
+                      </a:solidFill>
+                      <a:prstDash val="solid"/>
+                      <a:round/>
+                      <a:headEnd type="none" w="med" len="med"/>
+                      <a:tailEnd type="none" w="med" len="med"/>
+                    </a:lnB>
+                    <a:lnTlToBr w="12700" cmpd="sng">
+                      <a:noFill/>
+                      <a:prstDash val="solid"/>
+                    </a:lnTlToBr>
+                    <a:lnBlToTr w="12700" cmpd="sng">
+                      <a:noFill/>
+                      <a:prstDash val="solid"/>
+                    </a:lnBlToTr>
+                    <a:solidFill>
+                      <a:schemeClr val="bg1"/>
+                    </a:solidFill>
+                  </a:tcPr>
+                </a:tc>
+                <a:tc>
+                  <a:txBody>
+                    <a:bodyPr/>
+                    <a:lstStyle/>
+                    <a:p>
+                      <a:pPr algn="ctr"/>
+                      <a:r>
+                        <a:rPr lang="en-US" altLang="zh-TW" sz="1600" dirty="0" smtClean="0">
+                          <a:solidFill>
+                            <a:schemeClr val="tx1"/>
+                          </a:solidFill>
+                        </a:rPr>
+                        <a:t>-</a:t>
+                      </a:r>
+                      <a:endParaRPr lang="zh-TW" altLang="en-US" sz="1600" dirty="0">
+                        <a:solidFill>
+                          <a:schemeClr val="tx1"/>
+                        </a:solidFill>
+                      </a:endParaRPr>
+                    </a:p>
+                  </a:txBody>
+                  <a:tcPr anchor="ctr">
+                    <a:lnL w="12700" cap="flat" cmpd="sng" algn="ctr">
+                      <a:solidFill>
+                        <a:schemeClr val="tx1"/>
+                      </a:solidFill>
+                      <a:prstDash val="solid"/>
+                      <a:round/>
+                      <a:headEnd type="none" w="med" len="med"/>
+                      <a:tailEnd type="none" w="med" len="med"/>
+                    </a:lnL>
+                    <a:lnR w="12700" cap="flat" cmpd="sng" algn="ctr">
+                      <a:solidFill>
+                        <a:schemeClr val="tx1"/>
+                      </a:solidFill>
+                      <a:prstDash val="solid"/>
+                      <a:round/>
+                      <a:headEnd type="none" w="med" len="med"/>
+                      <a:tailEnd type="none" w="med" len="med"/>
+                    </a:lnR>
+                    <a:lnT w="12700" cap="flat" cmpd="sng" algn="ctr">
+                      <a:solidFill>
+                        <a:schemeClr val="tx1"/>
+                      </a:solidFill>
+                      <a:prstDash val="solid"/>
+                      <a:round/>
+                      <a:headEnd type="none" w="med" len="med"/>
+                      <a:tailEnd type="none" w="med" len="med"/>
+                    </a:lnT>
+                    <a:lnB w="12700" cap="flat" cmpd="sng" algn="ctr">
+                      <a:solidFill>
+                        <a:schemeClr val="tx1"/>
+                      </a:solidFill>
+                      <a:prstDash val="solid"/>
+                      <a:round/>
+                      <a:headEnd type="none" w="med" len="med"/>
+                      <a:tailEnd type="none" w="med" len="med"/>
+                    </a:lnB>
+                    <a:lnTlToBr w="12700" cmpd="sng">
+                      <a:noFill/>
+                      <a:prstDash val="solid"/>
+                    </a:lnTlToBr>
+                    <a:lnBlToTr w="12700" cmpd="sng">
+                      <a:noFill/>
+                      <a:prstDash val="solid"/>
+                    </a:lnBlToTr>
+                    <a:solidFill>
+                      <a:schemeClr val="bg1"/>
+                    </a:solidFill>
+                  </a:tcPr>
+                </a:tc>
+                <a:extLst>
+                  <a:ext uri="{0D108BD9-81ED-4DB2-BD59-A6C34878D82A}">
+                    <a16:rowId xmlns:a16="http://schemas.microsoft.com/office/drawing/2014/main" val="433516002"/>
+                  </a:ext>
+                </a:extLst>
+              </a:tr>
+              <a:tr h="415728">
+                <a:tc>
+                  <a:txBody>
+                    <a:bodyPr/>
+                    <a:lstStyle/>
+                    <a:p>
+                      <a:pPr algn="ctr"/>
+                      <a:r>
+                        <a:rPr lang="en-US" altLang="zh-TW" sz="1600" dirty="0" smtClean="0">
+                          <a:solidFill>
+                            <a:srgbClr val="FF0000"/>
+                          </a:solidFill>
+                        </a:rPr>
+                        <a:t>4</a:t>
+                      </a:r>
+                      <a:endParaRPr lang="zh-TW" altLang="en-US" sz="1600" dirty="0">
+                        <a:solidFill>
+                          <a:srgbClr val="FF0000"/>
+                        </a:solidFill>
+                      </a:endParaRPr>
+                    </a:p>
+                  </a:txBody>
+                  <a:tcPr anchor="ctr">
+                    <a:lnL w="12700" cap="flat" cmpd="sng" algn="ctr">
+                      <a:noFill/>
+                      <a:prstDash val="solid"/>
+                      <a:round/>
+                      <a:headEnd type="none" w="med" len="med"/>
+                      <a:tailEnd type="none" w="med" len="med"/>
+                    </a:lnL>
+                    <a:lnR w="12700" cap="flat" cmpd="sng" algn="ctr">
+                      <a:solidFill>
+                        <a:schemeClr val="tx1"/>
+                      </a:solidFill>
+                      <a:prstDash val="solid"/>
+                      <a:round/>
+                      <a:headEnd type="none" w="med" len="med"/>
+                      <a:tailEnd type="none" w="med" len="med"/>
+                    </a:lnR>
+                    <a:lnT w="12700" cap="flat" cmpd="sng" algn="ctr">
+                      <a:noFill/>
+                      <a:prstDash val="solid"/>
+                      <a:round/>
+                      <a:headEnd type="none" w="med" len="med"/>
+                      <a:tailEnd type="none" w="med" len="med"/>
+                    </a:lnT>
+                    <a:lnB w="12700" cap="flat" cmpd="sng" algn="ctr">
+                      <a:noFill/>
+                      <a:prstDash val="solid"/>
+                      <a:round/>
+                      <a:headEnd type="none" w="med" len="med"/>
+                      <a:tailEnd type="none" w="med" len="med"/>
+                    </a:lnB>
+                    <a:lnTlToBr w="12700" cmpd="sng">
+                      <a:noFill/>
+                      <a:prstDash val="solid"/>
+                    </a:lnTlToBr>
+                    <a:lnBlToTr w="12700" cmpd="sng">
+                      <a:noFill/>
+                      <a:prstDash val="solid"/>
+                    </a:lnBlToTr>
+                    <a:solidFill>
+                      <a:schemeClr val="bg1"/>
+                    </a:solidFill>
+                  </a:tcPr>
+                </a:tc>
+                <a:tc>
+                  <a:txBody>
+                    <a:bodyPr/>
+                    <a:lstStyle/>
+                    <a:p>
+                      <a:pPr algn="ctr"/>
+                      <a:r>
+                        <a:rPr lang="en-US" altLang="zh-TW" sz="1600" dirty="0" smtClean="0">
+                          <a:solidFill>
+                            <a:schemeClr val="tx1"/>
+                          </a:solidFill>
+                        </a:rPr>
+                        <a:t>1</a:t>
+                      </a:r>
+                      <a:endParaRPr lang="zh-TW" altLang="en-US" sz="1600" dirty="0">
+                        <a:solidFill>
+                          <a:schemeClr val="tx1"/>
+                        </a:solidFill>
+                      </a:endParaRPr>
+                    </a:p>
+                  </a:txBody>
+                  <a:tcPr anchor="ctr">
+                    <a:lnL w="12700" cap="flat" cmpd="sng" algn="ctr">
+                      <a:solidFill>
+                        <a:schemeClr val="tx1"/>
+                      </a:solidFill>
+                      <a:prstDash val="solid"/>
+                      <a:round/>
+                      <a:headEnd type="none" w="med" len="med"/>
+                      <a:tailEnd type="none" w="med" len="med"/>
+                    </a:lnL>
+                    <a:lnR w="12700" cap="flat" cmpd="sng" algn="ctr">
+                      <a:solidFill>
+                        <a:schemeClr val="tx1"/>
+                      </a:solidFill>
+                      <a:prstDash val="solid"/>
+                      <a:round/>
+                      <a:headEnd type="none" w="med" len="med"/>
+                      <a:tailEnd type="none" w="med" len="med"/>
+                    </a:lnR>
+                    <a:lnT w="12700" cap="flat" cmpd="sng" algn="ctr">
+                      <a:solidFill>
+                        <a:schemeClr val="tx1"/>
+                      </a:solidFill>
+                      <a:prstDash val="solid"/>
+                      <a:round/>
+                      <a:headEnd type="none" w="med" len="med"/>
+                      <a:tailEnd type="none" w="med" len="med"/>
+                    </a:lnT>
+                    <a:lnB w="12700" cap="flat" cmpd="sng" algn="ctr">
+                      <a:solidFill>
+                        <a:schemeClr val="tx1"/>
+                      </a:solidFill>
+                      <a:prstDash val="solid"/>
+                      <a:round/>
+                      <a:headEnd type="none" w="med" len="med"/>
+                      <a:tailEnd type="none" w="med" len="med"/>
+                    </a:lnB>
+                    <a:lnTlToBr w="12700" cmpd="sng">
+                      <a:noFill/>
+                      <a:prstDash val="solid"/>
+                    </a:lnTlToBr>
+                    <a:lnBlToTr w="12700" cmpd="sng">
+                      <a:noFill/>
+                      <a:prstDash val="solid"/>
+                    </a:lnBlToTr>
+                    <a:solidFill>
+                      <a:schemeClr val="bg1"/>
+                    </a:solidFill>
+                  </a:tcPr>
+                </a:tc>
+                <a:tc>
+                  <a:txBody>
+                    <a:bodyPr/>
+                    <a:lstStyle/>
+                    <a:p>
+                      <a:pPr algn="ctr"/>
+                      <a:r>
+                        <a:rPr lang="en-US" altLang="zh-TW" sz="1600" dirty="0" smtClean="0">
+                          <a:solidFill>
+                            <a:schemeClr val="tx1"/>
+                          </a:solidFill>
+                        </a:rPr>
+                        <a:t>4</a:t>
+                      </a:r>
+                      <a:endParaRPr lang="zh-TW" altLang="en-US" sz="1600" dirty="0">
+                        <a:solidFill>
+                          <a:schemeClr val="tx1"/>
+                        </a:solidFill>
+                      </a:endParaRPr>
+                    </a:p>
+                  </a:txBody>
+                  <a:tcPr anchor="ctr">
+                    <a:lnL w="12700" cap="flat" cmpd="sng" algn="ctr">
+                      <a:solidFill>
+                        <a:schemeClr val="tx1"/>
+                      </a:solidFill>
+                      <a:prstDash val="solid"/>
+                      <a:round/>
+                      <a:headEnd type="none" w="med" len="med"/>
+                      <a:tailEnd type="none" w="med" len="med"/>
+                    </a:lnL>
+                    <a:lnR w="12700" cap="flat" cmpd="sng" algn="ctr">
+                      <a:solidFill>
+                        <a:schemeClr val="tx1"/>
+                      </a:solidFill>
+                      <a:prstDash val="solid"/>
+                      <a:round/>
+                      <a:headEnd type="none" w="med" len="med"/>
+                      <a:tailEnd type="none" w="med" len="med"/>
+                    </a:lnR>
+                    <a:lnT w="12700" cap="flat" cmpd="sng" algn="ctr">
+                      <a:solidFill>
+                        <a:schemeClr val="tx1"/>
+                      </a:solidFill>
+                      <a:prstDash val="solid"/>
+                      <a:round/>
+                      <a:headEnd type="none" w="med" len="med"/>
+                      <a:tailEnd type="none" w="med" len="med"/>
+                    </a:lnT>
+                    <a:lnB w="12700" cap="flat" cmpd="sng" algn="ctr">
+                      <a:solidFill>
+                        <a:schemeClr val="tx1"/>
+                      </a:solidFill>
+                      <a:prstDash val="solid"/>
+                      <a:round/>
+                      <a:headEnd type="none" w="med" len="med"/>
+                      <a:tailEnd type="none" w="med" len="med"/>
+                    </a:lnB>
+                    <a:lnTlToBr w="12700" cmpd="sng">
+                      <a:noFill/>
+                      <a:prstDash val="solid"/>
+                    </a:lnTlToBr>
+                    <a:lnBlToTr w="12700" cmpd="sng">
+                      <a:noFill/>
+                      <a:prstDash val="solid"/>
+                    </a:lnBlToTr>
+                    <a:solidFill>
+                      <a:schemeClr val="bg1"/>
+                    </a:solidFill>
+                  </a:tcPr>
+                </a:tc>
+                <a:tc>
+                  <a:txBody>
+                    <a:bodyPr/>
+                    <a:lstStyle/>
+                    <a:p>
+                      <a:pPr algn="ctr"/>
+                      <a:r>
+                        <a:rPr lang="en-US" altLang="zh-TW" sz="1600" dirty="0" smtClean="0">
+                          <a:solidFill>
+                            <a:schemeClr val="tx1"/>
+                          </a:solidFill>
+                        </a:rPr>
+                        <a:t>6</a:t>
+                      </a:r>
+                      <a:endParaRPr lang="zh-TW" altLang="en-US" sz="1600" dirty="0">
+                        <a:solidFill>
+                          <a:schemeClr val="tx1"/>
+                        </a:solidFill>
+                      </a:endParaRPr>
+                    </a:p>
+                  </a:txBody>
+                  <a:tcPr anchor="ctr">
+                    <a:lnL w="12700" cap="flat" cmpd="sng" algn="ctr">
+                      <a:solidFill>
+                        <a:schemeClr val="tx1"/>
+                      </a:solidFill>
+                      <a:prstDash val="solid"/>
+                      <a:round/>
+                      <a:headEnd type="none" w="med" len="med"/>
+                      <a:tailEnd type="none" w="med" len="med"/>
+                    </a:lnL>
+                    <a:lnR w="12700" cap="flat" cmpd="sng" algn="ctr">
+                      <a:solidFill>
+                        <a:schemeClr val="tx1"/>
+                      </a:solidFill>
+                      <a:prstDash val="solid"/>
+                      <a:round/>
+                      <a:headEnd type="none" w="med" len="med"/>
+                      <a:tailEnd type="none" w="med" len="med"/>
+                    </a:lnR>
+                    <a:lnT w="12700" cap="flat" cmpd="sng" algn="ctr">
+                      <a:solidFill>
+                        <a:schemeClr val="tx1"/>
+                      </a:solidFill>
+                      <a:prstDash val="solid"/>
+                      <a:round/>
+                      <a:headEnd type="none" w="med" len="med"/>
+                      <a:tailEnd type="none" w="med" len="med"/>
+                    </a:lnT>
+                    <a:lnB w="12700" cap="flat" cmpd="sng" algn="ctr">
+                      <a:solidFill>
+                        <a:schemeClr val="tx1"/>
+                      </a:solidFill>
+                      <a:prstDash val="solid"/>
+                      <a:round/>
+                      <a:headEnd type="none" w="med" len="med"/>
+                      <a:tailEnd type="none" w="med" len="med"/>
+                    </a:lnB>
+                    <a:lnTlToBr w="12700" cmpd="sng">
+                      <a:noFill/>
+                      <a:prstDash val="solid"/>
+                    </a:lnTlToBr>
+                    <a:lnBlToTr w="12700" cmpd="sng">
+                      <a:noFill/>
+                      <a:prstDash val="solid"/>
+                    </a:lnBlToTr>
+                    <a:solidFill>
+                      <a:schemeClr val="bg1"/>
+                    </a:solidFill>
+                  </a:tcPr>
+                </a:tc>
+                <a:tc>
+                  <a:txBody>
+                    <a:bodyPr/>
+                    <a:lstStyle/>
+                    <a:p>
+                      <a:pPr algn="ctr"/>
+                      <a:r>
+                        <a:rPr lang="en-US" altLang="zh-TW" sz="1600" dirty="0" smtClean="0">
+                          <a:solidFill>
+                            <a:schemeClr val="tx1"/>
+                          </a:solidFill>
+                        </a:rPr>
+                        <a:t>4</a:t>
+                      </a:r>
+                      <a:endParaRPr lang="zh-TW" altLang="en-US" sz="1600" dirty="0">
+                        <a:solidFill>
+                          <a:schemeClr val="tx1"/>
+                        </a:solidFill>
+                      </a:endParaRPr>
+                    </a:p>
+                  </a:txBody>
+                  <a:tcPr anchor="ctr">
+                    <a:lnL w="12700" cap="flat" cmpd="sng" algn="ctr">
+                      <a:solidFill>
+                        <a:schemeClr val="tx1"/>
+                      </a:solidFill>
+                      <a:prstDash val="solid"/>
+                      <a:round/>
+                      <a:headEnd type="none" w="med" len="med"/>
+                      <a:tailEnd type="none" w="med" len="med"/>
+                    </a:lnL>
+                    <a:lnR w="12700" cap="flat" cmpd="sng" algn="ctr">
+                      <a:solidFill>
+                        <a:schemeClr val="tx1"/>
+                      </a:solidFill>
+                      <a:prstDash val="solid"/>
+                      <a:round/>
+                      <a:headEnd type="none" w="med" len="med"/>
+                      <a:tailEnd type="none" w="med" len="med"/>
+                    </a:lnR>
+                    <a:lnT w="12700" cap="flat" cmpd="sng" algn="ctr">
+                      <a:solidFill>
+                        <a:schemeClr val="tx1"/>
+                      </a:solidFill>
+                      <a:prstDash val="solid"/>
+                      <a:round/>
+                      <a:headEnd type="none" w="med" len="med"/>
+                      <a:tailEnd type="none" w="med" len="med"/>
+                    </a:lnT>
+                    <a:lnB w="12700" cap="flat" cmpd="sng" algn="ctr">
+                      <a:solidFill>
+                        <a:schemeClr val="tx1"/>
+                      </a:solidFill>
+                      <a:prstDash val="solid"/>
+                      <a:round/>
+                      <a:headEnd type="none" w="med" len="med"/>
+                      <a:tailEnd type="none" w="med" len="med"/>
+                    </a:lnB>
+                    <a:lnTlToBr w="12700" cmpd="sng">
+                      <a:noFill/>
+                      <a:prstDash val="solid"/>
+                    </a:lnTlToBr>
+                    <a:lnBlToTr w="12700" cmpd="sng">
+                      <a:noFill/>
+                      <a:prstDash val="solid"/>
+                    </a:lnBlToTr>
+                    <a:solidFill>
+                      <a:schemeClr val="bg1"/>
+                    </a:solidFill>
+                  </a:tcPr>
+                </a:tc>
+                <a:tc>
+                  <a:txBody>
+                    <a:bodyPr/>
+                    <a:lstStyle/>
+                    <a:p>
+                      <a:pPr algn="ctr"/>
+                      <a:r>
+                        <a:rPr lang="en-US" altLang="zh-TW" sz="1600" dirty="0" smtClean="0">
+                          <a:solidFill>
+                            <a:schemeClr val="tx1"/>
+                          </a:solidFill>
+                        </a:rPr>
+                        <a:t>1</a:t>
+                      </a:r>
+                      <a:endParaRPr lang="zh-TW" altLang="en-US" sz="1600" dirty="0">
+                        <a:solidFill>
+                          <a:schemeClr val="tx1"/>
+                        </a:solidFill>
+                      </a:endParaRPr>
+                    </a:p>
+                  </a:txBody>
+                  <a:tcPr anchor="ctr">
+                    <a:lnL w="12700" cap="flat" cmpd="sng" algn="ctr">
+                      <a:solidFill>
+                        <a:schemeClr val="tx1"/>
+                      </a:solidFill>
+                      <a:prstDash val="solid"/>
+                      <a:round/>
+                      <a:headEnd type="none" w="med" len="med"/>
+                      <a:tailEnd type="none" w="med" len="med"/>
+                    </a:lnL>
+                    <a:lnR w="12700" cap="flat" cmpd="sng" algn="ctr">
+                      <a:solidFill>
+                        <a:schemeClr val="tx1"/>
+                      </a:solidFill>
+                      <a:prstDash val="solid"/>
+                      <a:round/>
+                      <a:headEnd type="none" w="med" len="med"/>
+                      <a:tailEnd type="none" w="med" len="med"/>
+                    </a:lnR>
+                    <a:lnT w="12700" cap="flat" cmpd="sng" algn="ctr">
+                      <a:solidFill>
+                        <a:schemeClr val="tx1"/>
+                      </a:solidFill>
+                      <a:prstDash val="solid"/>
+                      <a:round/>
+                      <a:headEnd type="none" w="med" len="med"/>
+                      <a:tailEnd type="none" w="med" len="med"/>
+                    </a:lnT>
+                    <a:lnB w="12700" cap="flat" cmpd="sng" algn="ctr">
+                      <a:solidFill>
+                        <a:schemeClr val="tx1"/>
+                      </a:solidFill>
+                      <a:prstDash val="solid"/>
+                      <a:round/>
+                      <a:headEnd type="none" w="med" len="med"/>
+                      <a:tailEnd type="none" w="med" len="med"/>
+                    </a:lnB>
+                    <a:lnTlToBr w="12700" cmpd="sng">
+                      <a:noFill/>
+                      <a:prstDash val="solid"/>
+                    </a:lnTlToBr>
+                    <a:lnBlToTr w="12700" cmpd="sng">
+                      <a:noFill/>
+                      <a:prstDash val="solid"/>
+                    </a:lnBlToTr>
+                    <a:solidFill>
+                      <a:schemeClr val="bg1"/>
+                    </a:solidFill>
+                  </a:tcPr>
+                </a:tc>
+                <a:tc>
+                  <a:txBody>
+                    <a:bodyPr/>
+                    <a:lstStyle/>
+                    <a:p>
+                      <a:pPr algn="ctr"/>
+                      <a:r>
+                        <a:rPr lang="en-US" altLang="zh-TW" sz="1600" dirty="0" smtClean="0">
+                          <a:solidFill>
+                            <a:schemeClr val="tx1"/>
+                          </a:solidFill>
+                        </a:rPr>
+                        <a:t>-</a:t>
+                      </a:r>
+                      <a:endParaRPr lang="zh-TW" altLang="en-US" sz="1600" dirty="0">
+                        <a:solidFill>
+                          <a:schemeClr val="tx1"/>
+                        </a:solidFill>
+                      </a:endParaRPr>
+                    </a:p>
+                  </a:txBody>
+                  <a:tcPr anchor="ctr">
+                    <a:lnL w="12700" cap="flat" cmpd="sng" algn="ctr">
+                      <a:solidFill>
+                        <a:schemeClr val="tx1"/>
+                      </a:solidFill>
+                      <a:prstDash val="solid"/>
+                      <a:round/>
+                      <a:headEnd type="none" w="med" len="med"/>
+                      <a:tailEnd type="none" w="med" len="med"/>
+                    </a:lnL>
+                    <a:lnR w="12700" cap="flat" cmpd="sng" algn="ctr">
+                      <a:solidFill>
+                        <a:schemeClr val="tx1"/>
+                      </a:solidFill>
+                      <a:prstDash val="solid"/>
+                      <a:round/>
+                      <a:headEnd type="none" w="med" len="med"/>
+                      <a:tailEnd type="none" w="med" len="med"/>
+                    </a:lnR>
+                    <a:lnT w="12700" cap="flat" cmpd="sng" algn="ctr">
+                      <a:solidFill>
+                        <a:schemeClr val="tx1"/>
+                      </a:solidFill>
+                      <a:prstDash val="solid"/>
+                      <a:round/>
+                      <a:headEnd type="none" w="med" len="med"/>
+                      <a:tailEnd type="none" w="med" len="med"/>
+                    </a:lnT>
+                    <a:lnB w="12700" cap="flat" cmpd="sng" algn="ctr">
+                      <a:solidFill>
+                        <a:schemeClr val="tx1"/>
+                      </a:solidFill>
+                      <a:prstDash val="solid"/>
+                      <a:round/>
+                      <a:headEnd type="none" w="med" len="med"/>
+                      <a:tailEnd type="none" w="med" len="med"/>
+                    </a:lnB>
+                    <a:lnTlToBr w="12700" cmpd="sng">
+                      <a:noFill/>
+                      <a:prstDash val="solid"/>
+                    </a:lnTlToBr>
+                    <a:lnBlToTr w="12700" cmpd="sng">
+                      <a:noFill/>
+                      <a:prstDash val="solid"/>
+                    </a:lnBlToTr>
+                    <a:solidFill>
+                      <a:schemeClr val="bg1"/>
+                    </a:solidFill>
+                  </a:tcPr>
+                </a:tc>
+                <a:tc>
+                  <a:txBody>
+                    <a:bodyPr/>
+                    <a:lstStyle/>
+                    <a:p>
+                      <a:pPr algn="ctr"/>
+                      <a:r>
+                        <a:rPr lang="en-US" altLang="zh-TW" sz="1600" dirty="0" smtClean="0">
+                          <a:solidFill>
+                            <a:schemeClr val="tx1"/>
+                          </a:solidFill>
+                        </a:rPr>
+                        <a:t>-</a:t>
+                      </a:r>
+                      <a:endParaRPr lang="zh-TW" altLang="en-US" sz="1600" dirty="0">
+                        <a:solidFill>
+                          <a:schemeClr val="tx1"/>
+                        </a:solidFill>
+                      </a:endParaRPr>
+                    </a:p>
+                  </a:txBody>
+                  <a:tcPr anchor="ctr">
+                    <a:lnL w="12700" cap="flat" cmpd="sng" algn="ctr">
+                      <a:solidFill>
+                        <a:schemeClr val="tx1"/>
+                      </a:solidFill>
+                      <a:prstDash val="solid"/>
+                      <a:round/>
+                      <a:headEnd type="none" w="med" len="med"/>
+                      <a:tailEnd type="none" w="med" len="med"/>
+                    </a:lnL>
+                    <a:lnR w="12700" cap="flat" cmpd="sng" algn="ctr">
+                      <a:solidFill>
+                        <a:schemeClr val="tx1"/>
+                      </a:solidFill>
+                      <a:prstDash val="solid"/>
+                      <a:round/>
+                      <a:headEnd type="none" w="med" len="med"/>
+                      <a:tailEnd type="none" w="med" len="med"/>
+                    </a:lnR>
+                    <a:lnT w="12700" cap="flat" cmpd="sng" algn="ctr">
+                      <a:solidFill>
+                        <a:schemeClr val="tx1"/>
+                      </a:solidFill>
+                      <a:prstDash val="solid"/>
+                      <a:round/>
+                      <a:headEnd type="none" w="med" len="med"/>
+                      <a:tailEnd type="none" w="med" len="med"/>
+                    </a:lnT>
+                    <a:lnB w="12700" cap="flat" cmpd="sng" algn="ctr">
+                      <a:solidFill>
+                        <a:schemeClr val="tx1"/>
+                      </a:solidFill>
+                      <a:prstDash val="solid"/>
+                      <a:round/>
+                      <a:headEnd type="none" w="med" len="med"/>
+                      <a:tailEnd type="none" w="med" len="med"/>
+                    </a:lnB>
+                    <a:lnTlToBr w="12700" cmpd="sng">
+                      <a:noFill/>
+                      <a:prstDash val="solid"/>
+                    </a:lnTlToBr>
+                    <a:lnBlToTr w="12700" cmpd="sng">
+                      <a:noFill/>
+                      <a:prstDash val="solid"/>
+                    </a:lnBlToTr>
+                    <a:solidFill>
+                      <a:schemeClr val="bg1"/>
+                    </a:solidFill>
+                  </a:tcPr>
+                </a:tc>
+                <a:tc>
+                  <a:txBody>
+                    <a:bodyPr/>
+                    <a:lstStyle/>
+                    <a:p>
+                      <a:pPr algn="ctr"/>
+                      <a:r>
+                        <a:rPr lang="en-US" altLang="zh-TW" sz="1600" dirty="0" smtClean="0">
+                          <a:solidFill>
+                            <a:schemeClr val="tx1"/>
+                          </a:solidFill>
+                        </a:rPr>
+                        <a:t>-</a:t>
+                      </a:r>
+                      <a:endParaRPr lang="zh-TW" altLang="en-US" sz="1600" dirty="0">
+                        <a:solidFill>
+                          <a:schemeClr val="tx1"/>
+                        </a:solidFill>
+                      </a:endParaRPr>
+                    </a:p>
+                  </a:txBody>
+                  <a:tcPr anchor="ctr">
+                    <a:lnL w="12700" cap="flat" cmpd="sng" algn="ctr">
+                      <a:solidFill>
+                        <a:schemeClr val="tx1"/>
+                      </a:solidFill>
+                      <a:prstDash val="solid"/>
+                      <a:round/>
+                      <a:headEnd type="none" w="med" len="med"/>
+                      <a:tailEnd type="none" w="med" len="med"/>
+                    </a:lnL>
+                    <a:lnR w="12700" cap="flat" cmpd="sng" algn="ctr">
+                      <a:solidFill>
+                        <a:schemeClr val="tx1"/>
+                      </a:solidFill>
+                      <a:prstDash val="solid"/>
+                      <a:round/>
+                      <a:headEnd type="none" w="med" len="med"/>
+                      <a:tailEnd type="none" w="med" len="med"/>
+                    </a:lnR>
+                    <a:lnT w="12700" cap="flat" cmpd="sng" algn="ctr">
+                      <a:solidFill>
+                        <a:schemeClr val="tx1"/>
+                      </a:solidFill>
+                      <a:prstDash val="solid"/>
+                      <a:round/>
+                      <a:headEnd type="none" w="med" len="med"/>
+                      <a:tailEnd type="none" w="med" len="med"/>
+                    </a:lnT>
+                    <a:lnB w="12700" cap="flat" cmpd="sng" algn="ctr">
+                      <a:solidFill>
+                        <a:schemeClr val="tx1"/>
+                      </a:solidFill>
+                      <a:prstDash val="solid"/>
+                      <a:round/>
+                      <a:headEnd type="none" w="med" len="med"/>
+                      <a:tailEnd type="none" w="med" len="med"/>
+                    </a:lnB>
+                    <a:lnTlToBr w="12700" cmpd="sng">
+                      <a:noFill/>
+                      <a:prstDash val="solid"/>
+                    </a:lnTlToBr>
+                    <a:lnBlToTr w="12700" cmpd="sng">
+                      <a:noFill/>
+                      <a:prstDash val="solid"/>
+                    </a:lnBlToTr>
+                    <a:solidFill>
+                      <a:schemeClr val="bg1"/>
+                    </a:solidFill>
+                  </a:tcPr>
+                </a:tc>
+                <a:extLst>
+                  <a:ext uri="{0D108BD9-81ED-4DB2-BD59-A6C34878D82A}">
+                    <a16:rowId xmlns:a16="http://schemas.microsoft.com/office/drawing/2014/main" val="1702426085"/>
+                  </a:ext>
+                </a:extLst>
+              </a:tr>
+              <a:tr h="415728">
+                <a:tc>
+                  <a:txBody>
+                    <a:bodyPr/>
+                    <a:lstStyle/>
+                    <a:p>
+                      <a:pPr algn="ctr"/>
+                      <a:r>
+                        <a:rPr lang="en-US" altLang="zh-TW" sz="1600" dirty="0" smtClean="0">
+                          <a:solidFill>
+                            <a:srgbClr val="FF0000"/>
+                          </a:solidFill>
+                        </a:rPr>
+                        <a:t>5</a:t>
+                      </a:r>
+                      <a:endParaRPr lang="zh-TW" altLang="en-US" sz="1600" dirty="0">
+                        <a:solidFill>
+                          <a:srgbClr val="FF0000"/>
+                        </a:solidFill>
+                      </a:endParaRPr>
+                    </a:p>
+                  </a:txBody>
+                  <a:tcPr anchor="ctr">
+                    <a:lnL w="12700" cap="flat" cmpd="sng" algn="ctr">
+                      <a:noFill/>
+                      <a:prstDash val="solid"/>
+                      <a:round/>
+                      <a:headEnd type="none" w="med" len="med"/>
+                      <a:tailEnd type="none" w="med" len="med"/>
+                    </a:lnL>
+                    <a:lnR w="12700" cap="flat" cmpd="sng" algn="ctr">
+                      <a:solidFill>
+                        <a:schemeClr val="tx1"/>
+                      </a:solidFill>
+                      <a:prstDash val="solid"/>
+                      <a:round/>
+                      <a:headEnd type="none" w="med" len="med"/>
+                      <a:tailEnd type="none" w="med" len="med"/>
+                    </a:lnR>
+                    <a:lnT w="12700" cap="flat" cmpd="sng" algn="ctr">
+                      <a:noFill/>
+                      <a:prstDash val="solid"/>
+                      <a:round/>
+                      <a:headEnd type="none" w="med" len="med"/>
+                      <a:tailEnd type="none" w="med" len="med"/>
+                    </a:lnT>
+                    <a:lnB w="12700" cap="flat" cmpd="sng" algn="ctr">
+                      <a:noFill/>
+                      <a:prstDash val="solid"/>
+                      <a:round/>
+                      <a:headEnd type="none" w="med" len="med"/>
+                      <a:tailEnd type="none" w="med" len="med"/>
+                    </a:lnB>
+                    <a:lnTlToBr w="12700" cmpd="sng">
+                      <a:noFill/>
+                      <a:prstDash val="solid"/>
+                    </a:lnTlToBr>
+                    <a:lnBlToTr w="12700" cmpd="sng">
+                      <a:noFill/>
+                      <a:prstDash val="solid"/>
+                    </a:lnBlToTr>
+                    <a:solidFill>
+                      <a:schemeClr val="bg1"/>
+                    </a:solidFill>
+                  </a:tcPr>
+                </a:tc>
+                <a:tc>
+                  <a:txBody>
+                    <a:bodyPr/>
+                    <a:lstStyle/>
+                    <a:p>
+                      <a:pPr algn="ctr"/>
+                      <a:r>
+                        <a:rPr lang="en-US" altLang="zh-TW" sz="1600" dirty="0" smtClean="0">
+                          <a:solidFill>
+                            <a:schemeClr val="tx1"/>
+                          </a:solidFill>
+                        </a:rPr>
+                        <a:t>1</a:t>
+                      </a:r>
+                      <a:endParaRPr lang="zh-TW" altLang="en-US" sz="1600" dirty="0">
+                        <a:solidFill>
+                          <a:schemeClr val="tx1"/>
+                        </a:solidFill>
+                      </a:endParaRPr>
+                    </a:p>
+                  </a:txBody>
+                  <a:tcPr anchor="ctr">
+                    <a:lnL w="12700" cap="flat" cmpd="sng" algn="ctr">
+                      <a:solidFill>
+                        <a:schemeClr val="tx1"/>
+                      </a:solidFill>
+                      <a:prstDash val="solid"/>
+                      <a:round/>
+                      <a:headEnd type="none" w="med" len="med"/>
+                      <a:tailEnd type="none" w="med" len="med"/>
+                    </a:lnL>
+                    <a:lnR w="12700" cap="flat" cmpd="sng" algn="ctr">
+                      <a:solidFill>
+                        <a:schemeClr val="tx1"/>
+                      </a:solidFill>
+                      <a:prstDash val="solid"/>
+                      <a:round/>
+                      <a:headEnd type="none" w="med" len="med"/>
+                      <a:tailEnd type="none" w="med" len="med"/>
+                    </a:lnR>
+                    <a:lnT w="12700" cap="flat" cmpd="sng" algn="ctr">
+                      <a:solidFill>
+                        <a:schemeClr val="tx1"/>
+                      </a:solidFill>
+                      <a:prstDash val="solid"/>
+                      <a:round/>
+                      <a:headEnd type="none" w="med" len="med"/>
+                      <a:tailEnd type="none" w="med" len="med"/>
+                    </a:lnT>
+                    <a:lnB w="12700" cap="flat" cmpd="sng" algn="ctr">
+                      <a:solidFill>
+                        <a:schemeClr val="tx1"/>
+                      </a:solidFill>
+                      <a:prstDash val="solid"/>
+                      <a:round/>
+                      <a:headEnd type="none" w="med" len="med"/>
+                      <a:tailEnd type="none" w="med" len="med"/>
+                    </a:lnB>
+                    <a:lnTlToBr w="12700" cmpd="sng">
+                      <a:noFill/>
+                      <a:prstDash val="solid"/>
+                    </a:lnTlToBr>
+                    <a:lnBlToTr w="12700" cmpd="sng">
+                      <a:noFill/>
+                      <a:prstDash val="solid"/>
+                    </a:lnBlToTr>
+                    <a:solidFill>
+                      <a:schemeClr val="bg1"/>
+                    </a:solidFill>
+                  </a:tcPr>
+                </a:tc>
+                <a:tc>
+                  <a:txBody>
+                    <a:bodyPr/>
+                    <a:lstStyle/>
+                    <a:p>
+                      <a:pPr algn="ctr"/>
+                      <a:r>
+                        <a:rPr lang="en-US" altLang="zh-TW" sz="1600" dirty="0" smtClean="0">
+                          <a:solidFill>
+                            <a:schemeClr val="tx1"/>
+                          </a:solidFill>
+                        </a:rPr>
+                        <a:t>5</a:t>
+                      </a:r>
+                      <a:endParaRPr lang="zh-TW" altLang="en-US" sz="1600" dirty="0">
+                        <a:solidFill>
+                          <a:schemeClr val="tx1"/>
+                        </a:solidFill>
+                      </a:endParaRPr>
+                    </a:p>
+                  </a:txBody>
+                  <a:tcPr anchor="ctr">
+                    <a:lnL w="12700" cap="flat" cmpd="sng" algn="ctr">
+                      <a:solidFill>
+                        <a:schemeClr val="tx1"/>
+                      </a:solidFill>
+                      <a:prstDash val="solid"/>
+                      <a:round/>
+                      <a:headEnd type="none" w="med" len="med"/>
+                      <a:tailEnd type="none" w="med" len="med"/>
+                    </a:lnL>
+                    <a:lnR w="12700" cap="flat" cmpd="sng" algn="ctr">
+                      <a:solidFill>
+                        <a:schemeClr val="tx1"/>
+                      </a:solidFill>
+                      <a:prstDash val="solid"/>
+                      <a:round/>
+                      <a:headEnd type="none" w="med" len="med"/>
+                      <a:tailEnd type="none" w="med" len="med"/>
+                    </a:lnR>
+                    <a:lnT w="12700" cap="flat" cmpd="sng" algn="ctr">
+                      <a:solidFill>
+                        <a:schemeClr val="tx1"/>
+                      </a:solidFill>
+                      <a:prstDash val="solid"/>
+                      <a:round/>
+                      <a:headEnd type="none" w="med" len="med"/>
+                      <a:tailEnd type="none" w="med" len="med"/>
+                    </a:lnT>
+                    <a:lnB w="12700" cap="flat" cmpd="sng" algn="ctr">
+                      <a:solidFill>
+                        <a:schemeClr val="tx1"/>
+                      </a:solidFill>
+                      <a:prstDash val="solid"/>
+                      <a:round/>
+                      <a:headEnd type="none" w="med" len="med"/>
+                      <a:tailEnd type="none" w="med" len="med"/>
+                    </a:lnB>
+                    <a:lnTlToBr w="12700" cmpd="sng">
+                      <a:noFill/>
+                      <a:prstDash val="solid"/>
+                    </a:lnTlToBr>
+                    <a:lnBlToTr w="12700" cmpd="sng">
+                      <a:noFill/>
+                      <a:prstDash val="solid"/>
+                    </a:lnBlToTr>
+                    <a:solidFill>
+                      <a:schemeClr val="bg1"/>
+                    </a:solidFill>
+                  </a:tcPr>
+                </a:tc>
+                <a:tc>
+                  <a:txBody>
+                    <a:bodyPr/>
+                    <a:lstStyle/>
+                    <a:p>
+                      <a:pPr algn="ctr"/>
+                      <a:r>
+                        <a:rPr lang="en-US" altLang="zh-TW" sz="1600" dirty="0" smtClean="0">
+                          <a:solidFill>
+                            <a:schemeClr val="tx1"/>
+                          </a:solidFill>
+                        </a:rPr>
+                        <a:t>10</a:t>
+                      </a:r>
+                      <a:endParaRPr lang="zh-TW" altLang="en-US" sz="1600" dirty="0">
+                        <a:solidFill>
+                          <a:schemeClr val="tx1"/>
+                        </a:solidFill>
+                      </a:endParaRPr>
+                    </a:p>
+                  </a:txBody>
+                  <a:tcPr anchor="ctr">
+                    <a:lnL w="12700" cap="flat" cmpd="sng" algn="ctr">
+                      <a:solidFill>
+                        <a:schemeClr val="tx1"/>
+                      </a:solidFill>
+                      <a:prstDash val="solid"/>
+                      <a:round/>
+                      <a:headEnd type="none" w="med" len="med"/>
+                      <a:tailEnd type="none" w="med" len="med"/>
+                    </a:lnL>
+                    <a:lnR w="12700" cap="flat" cmpd="sng" algn="ctr">
+                      <a:solidFill>
+                        <a:schemeClr val="tx1"/>
+                      </a:solidFill>
+                      <a:prstDash val="solid"/>
+                      <a:round/>
+                      <a:headEnd type="none" w="med" len="med"/>
+                      <a:tailEnd type="none" w="med" len="med"/>
+                    </a:lnR>
+                    <a:lnT w="12700" cap="flat" cmpd="sng" algn="ctr">
+                      <a:solidFill>
+                        <a:schemeClr val="tx1"/>
+                      </a:solidFill>
+                      <a:prstDash val="solid"/>
+                      <a:round/>
+                      <a:headEnd type="none" w="med" len="med"/>
+                      <a:tailEnd type="none" w="med" len="med"/>
+                    </a:lnT>
+                    <a:lnB w="12700" cap="flat" cmpd="sng" algn="ctr">
+                      <a:solidFill>
+                        <a:schemeClr val="tx1"/>
+                      </a:solidFill>
+                      <a:prstDash val="solid"/>
+                      <a:round/>
+                      <a:headEnd type="none" w="med" len="med"/>
+                      <a:tailEnd type="none" w="med" len="med"/>
+                    </a:lnB>
+                    <a:lnTlToBr w="12700" cmpd="sng">
+                      <a:noFill/>
+                      <a:prstDash val="solid"/>
+                    </a:lnTlToBr>
+                    <a:lnBlToTr w="12700" cmpd="sng">
+                      <a:noFill/>
+                      <a:prstDash val="solid"/>
+                    </a:lnBlToTr>
+                    <a:solidFill>
+                      <a:schemeClr val="bg1"/>
+                    </a:solidFill>
+                  </a:tcPr>
+                </a:tc>
+                <a:tc>
+                  <a:txBody>
+                    <a:bodyPr/>
+                    <a:lstStyle/>
+                    <a:p>
+                      <a:pPr algn="ctr"/>
+                      <a:r>
+                        <a:rPr lang="en-US" altLang="zh-TW" sz="1600" dirty="0" smtClean="0">
+                          <a:solidFill>
+                            <a:schemeClr val="tx1"/>
+                          </a:solidFill>
+                        </a:rPr>
+                        <a:t>10</a:t>
+                      </a:r>
+                      <a:endParaRPr lang="zh-TW" altLang="en-US" sz="1600" dirty="0">
+                        <a:solidFill>
+                          <a:schemeClr val="tx1"/>
+                        </a:solidFill>
+                      </a:endParaRPr>
+                    </a:p>
+                  </a:txBody>
+                  <a:tcPr anchor="ctr">
+                    <a:lnL w="12700" cap="flat" cmpd="sng" algn="ctr">
+                      <a:solidFill>
+                        <a:schemeClr val="tx1"/>
+                      </a:solidFill>
+                      <a:prstDash val="solid"/>
+                      <a:round/>
+                      <a:headEnd type="none" w="med" len="med"/>
+                      <a:tailEnd type="none" w="med" len="med"/>
+                    </a:lnL>
+                    <a:lnR w="12700" cap="flat" cmpd="sng" algn="ctr">
+                      <a:solidFill>
+                        <a:schemeClr val="tx1"/>
+                      </a:solidFill>
+                      <a:prstDash val="solid"/>
+                      <a:round/>
+                      <a:headEnd type="none" w="med" len="med"/>
+                      <a:tailEnd type="none" w="med" len="med"/>
+                    </a:lnR>
+                    <a:lnT w="12700" cap="flat" cmpd="sng" algn="ctr">
+                      <a:solidFill>
+                        <a:schemeClr val="tx1"/>
+                      </a:solidFill>
+                      <a:prstDash val="solid"/>
+                      <a:round/>
+                      <a:headEnd type="none" w="med" len="med"/>
+                      <a:tailEnd type="none" w="med" len="med"/>
+                    </a:lnT>
+                    <a:lnB w="12700" cap="flat" cmpd="sng" algn="ctr">
+                      <a:solidFill>
+                        <a:schemeClr val="tx1"/>
+                      </a:solidFill>
+                      <a:prstDash val="solid"/>
+                      <a:round/>
+                      <a:headEnd type="none" w="med" len="med"/>
+                      <a:tailEnd type="none" w="med" len="med"/>
+                    </a:lnB>
+                    <a:lnTlToBr w="12700" cmpd="sng">
+                      <a:noFill/>
+                      <a:prstDash val="solid"/>
+                    </a:lnTlToBr>
+                    <a:lnBlToTr w="12700" cmpd="sng">
+                      <a:noFill/>
+                      <a:prstDash val="solid"/>
+                    </a:lnBlToTr>
+                    <a:solidFill>
+                      <a:schemeClr val="bg1"/>
+                    </a:solidFill>
+                  </a:tcPr>
+                </a:tc>
+                <a:tc>
+                  <a:txBody>
+                    <a:bodyPr/>
+                    <a:lstStyle/>
+                    <a:p>
+                      <a:pPr algn="ctr"/>
+                      <a:r>
+                        <a:rPr lang="en-US" altLang="zh-TW" sz="1600" dirty="0" smtClean="0">
+                          <a:solidFill>
+                            <a:schemeClr val="tx1"/>
+                          </a:solidFill>
+                        </a:rPr>
+                        <a:t>5</a:t>
+                      </a:r>
+                      <a:endParaRPr lang="zh-TW" altLang="en-US" sz="1600" dirty="0">
+                        <a:solidFill>
+                          <a:schemeClr val="tx1"/>
+                        </a:solidFill>
+                      </a:endParaRPr>
+                    </a:p>
+                  </a:txBody>
+                  <a:tcPr anchor="ctr">
+                    <a:lnL w="12700" cap="flat" cmpd="sng" algn="ctr">
+                      <a:solidFill>
+                        <a:schemeClr val="tx1"/>
+                      </a:solidFill>
+                      <a:prstDash val="solid"/>
+                      <a:round/>
+                      <a:headEnd type="none" w="med" len="med"/>
+                      <a:tailEnd type="none" w="med" len="med"/>
+                    </a:lnL>
+                    <a:lnR w="12700" cap="flat" cmpd="sng" algn="ctr">
+                      <a:solidFill>
+                        <a:schemeClr val="tx1"/>
+                      </a:solidFill>
+                      <a:prstDash val="solid"/>
+                      <a:round/>
+                      <a:headEnd type="none" w="med" len="med"/>
+                      <a:tailEnd type="none" w="med" len="med"/>
+                    </a:lnR>
+                    <a:lnT w="12700" cap="flat" cmpd="sng" algn="ctr">
+                      <a:solidFill>
+                        <a:schemeClr val="tx1"/>
+                      </a:solidFill>
+                      <a:prstDash val="solid"/>
+                      <a:round/>
+                      <a:headEnd type="none" w="med" len="med"/>
+                      <a:tailEnd type="none" w="med" len="med"/>
+                    </a:lnT>
+                    <a:lnB w="12700" cap="flat" cmpd="sng" algn="ctr">
+                      <a:solidFill>
+                        <a:schemeClr val="tx1"/>
+                      </a:solidFill>
+                      <a:prstDash val="solid"/>
+                      <a:round/>
+                      <a:headEnd type="none" w="med" len="med"/>
+                      <a:tailEnd type="none" w="med" len="med"/>
+                    </a:lnB>
+                    <a:lnTlToBr w="12700" cmpd="sng">
+                      <a:noFill/>
+                      <a:prstDash val="solid"/>
+                    </a:lnTlToBr>
+                    <a:lnBlToTr w="12700" cmpd="sng">
+                      <a:noFill/>
+                      <a:prstDash val="solid"/>
+                    </a:lnBlToTr>
+                    <a:solidFill>
+                      <a:schemeClr val="bg1"/>
+                    </a:solidFill>
+                  </a:tcPr>
+                </a:tc>
+                <a:tc>
+                  <a:txBody>
+                    <a:bodyPr/>
+                    <a:lstStyle/>
+                    <a:p>
+                      <a:pPr algn="ctr"/>
+                      <a:r>
+                        <a:rPr lang="en-US" altLang="zh-TW" sz="1600" dirty="0" smtClean="0">
+                          <a:solidFill>
+                            <a:schemeClr val="tx1"/>
+                          </a:solidFill>
+                        </a:rPr>
+                        <a:t>1</a:t>
+                      </a:r>
+                      <a:endParaRPr lang="zh-TW" altLang="en-US" sz="1600" dirty="0">
+                        <a:solidFill>
+                          <a:schemeClr val="tx1"/>
+                        </a:solidFill>
+                      </a:endParaRPr>
+                    </a:p>
+                  </a:txBody>
+                  <a:tcPr anchor="ctr">
+                    <a:lnL w="12700" cap="flat" cmpd="sng" algn="ctr">
+                      <a:solidFill>
+                        <a:schemeClr val="tx1"/>
+                      </a:solidFill>
+                      <a:prstDash val="solid"/>
+                      <a:round/>
+                      <a:headEnd type="none" w="med" len="med"/>
+                      <a:tailEnd type="none" w="med" len="med"/>
+                    </a:lnL>
+                    <a:lnR w="12700" cap="flat" cmpd="sng" algn="ctr">
+                      <a:solidFill>
+                        <a:schemeClr val="tx1"/>
+                      </a:solidFill>
+                      <a:prstDash val="solid"/>
+                      <a:round/>
+                      <a:headEnd type="none" w="med" len="med"/>
+                      <a:tailEnd type="none" w="med" len="med"/>
+                    </a:lnR>
+                    <a:lnT w="12700" cap="flat" cmpd="sng" algn="ctr">
+                      <a:solidFill>
+                        <a:schemeClr val="tx1"/>
+                      </a:solidFill>
+                      <a:prstDash val="solid"/>
+                      <a:round/>
+                      <a:headEnd type="none" w="med" len="med"/>
+                      <a:tailEnd type="none" w="med" len="med"/>
+                    </a:lnT>
+                    <a:lnB w="12700" cap="flat" cmpd="sng" algn="ctr">
+                      <a:solidFill>
+                        <a:schemeClr val="tx1"/>
+                      </a:solidFill>
+                      <a:prstDash val="solid"/>
+                      <a:round/>
+                      <a:headEnd type="none" w="med" len="med"/>
+                      <a:tailEnd type="none" w="med" len="med"/>
+                    </a:lnB>
+                    <a:lnTlToBr w="12700" cmpd="sng">
+                      <a:noFill/>
+                      <a:prstDash val="solid"/>
+                    </a:lnTlToBr>
+                    <a:lnBlToTr w="12700" cmpd="sng">
+                      <a:noFill/>
+                      <a:prstDash val="solid"/>
+                    </a:lnBlToTr>
+                    <a:solidFill>
+                      <a:schemeClr val="bg1"/>
+                    </a:solidFill>
+                  </a:tcPr>
+                </a:tc>
+                <a:tc>
+                  <a:txBody>
+                    <a:bodyPr/>
+                    <a:lstStyle/>
+                    <a:p>
+                      <a:pPr algn="ctr"/>
+                      <a:r>
+                        <a:rPr lang="en-US" altLang="zh-TW" sz="1600" dirty="0" smtClean="0">
+                          <a:solidFill>
+                            <a:schemeClr val="tx1"/>
+                          </a:solidFill>
+                        </a:rPr>
+                        <a:t>-</a:t>
+                      </a:r>
+                      <a:endParaRPr lang="zh-TW" altLang="en-US" sz="1600" dirty="0">
+                        <a:solidFill>
+                          <a:schemeClr val="tx1"/>
+                        </a:solidFill>
+                      </a:endParaRPr>
+                    </a:p>
+                  </a:txBody>
+                  <a:tcPr anchor="ctr">
+                    <a:lnL w="12700" cap="flat" cmpd="sng" algn="ctr">
+                      <a:solidFill>
+                        <a:schemeClr val="tx1"/>
+                      </a:solidFill>
+                      <a:prstDash val="solid"/>
+                      <a:round/>
+                      <a:headEnd type="none" w="med" len="med"/>
+                      <a:tailEnd type="none" w="med" len="med"/>
+                    </a:lnL>
+                    <a:lnR w="12700" cap="flat" cmpd="sng" algn="ctr">
+                      <a:solidFill>
+                        <a:schemeClr val="tx1"/>
+                      </a:solidFill>
+                      <a:prstDash val="solid"/>
+                      <a:round/>
+                      <a:headEnd type="none" w="med" len="med"/>
+                      <a:tailEnd type="none" w="med" len="med"/>
+                    </a:lnR>
+                    <a:lnT w="12700" cap="flat" cmpd="sng" algn="ctr">
+                      <a:solidFill>
+                        <a:schemeClr val="tx1"/>
+                      </a:solidFill>
+                      <a:prstDash val="solid"/>
+                      <a:round/>
+                      <a:headEnd type="none" w="med" len="med"/>
+                      <a:tailEnd type="none" w="med" len="med"/>
+                    </a:lnT>
+                    <a:lnB w="12700" cap="flat" cmpd="sng" algn="ctr">
+                      <a:solidFill>
+                        <a:schemeClr val="tx1"/>
+                      </a:solidFill>
+                      <a:prstDash val="solid"/>
+                      <a:round/>
+                      <a:headEnd type="none" w="med" len="med"/>
+                      <a:tailEnd type="none" w="med" len="med"/>
+                    </a:lnB>
+                    <a:lnTlToBr w="12700" cmpd="sng">
+                      <a:noFill/>
+                      <a:prstDash val="solid"/>
+                    </a:lnTlToBr>
+                    <a:lnBlToTr w="12700" cmpd="sng">
+                      <a:noFill/>
+                      <a:prstDash val="solid"/>
+                    </a:lnBlToTr>
+                    <a:solidFill>
+                      <a:schemeClr val="bg1"/>
+                    </a:solidFill>
+                  </a:tcPr>
+                </a:tc>
+                <a:tc>
+                  <a:txBody>
+                    <a:bodyPr/>
+                    <a:lstStyle/>
+                    <a:p>
+                      <a:pPr algn="ctr"/>
+                      <a:r>
+                        <a:rPr lang="en-US" altLang="zh-TW" sz="1600" dirty="0" smtClean="0">
+                          <a:solidFill>
+                            <a:schemeClr val="tx1"/>
+                          </a:solidFill>
+                        </a:rPr>
+                        <a:t>-</a:t>
+                      </a:r>
+                      <a:endParaRPr lang="zh-TW" altLang="en-US" sz="1600" dirty="0">
+                        <a:solidFill>
+                          <a:schemeClr val="tx1"/>
+                        </a:solidFill>
+                      </a:endParaRPr>
+                    </a:p>
+                  </a:txBody>
+                  <a:tcPr anchor="ctr">
+                    <a:lnL w="12700" cap="flat" cmpd="sng" algn="ctr">
+                      <a:solidFill>
+                        <a:schemeClr val="tx1"/>
+                      </a:solidFill>
+                      <a:prstDash val="solid"/>
+                      <a:round/>
+                      <a:headEnd type="none" w="med" len="med"/>
+                      <a:tailEnd type="none" w="med" len="med"/>
+                    </a:lnL>
+                    <a:lnR w="12700" cap="flat" cmpd="sng" algn="ctr">
+                      <a:solidFill>
+                        <a:schemeClr val="tx1"/>
+                      </a:solidFill>
+                      <a:prstDash val="solid"/>
+                      <a:round/>
+                      <a:headEnd type="none" w="med" len="med"/>
+                      <a:tailEnd type="none" w="med" len="med"/>
+                    </a:lnR>
+                    <a:lnT w="12700" cap="flat" cmpd="sng" algn="ctr">
+                      <a:solidFill>
+                        <a:schemeClr val="tx1"/>
+                      </a:solidFill>
+                      <a:prstDash val="solid"/>
+                      <a:round/>
+                      <a:headEnd type="none" w="med" len="med"/>
+                      <a:tailEnd type="none" w="med" len="med"/>
+                    </a:lnT>
+                    <a:lnB w="12700" cap="flat" cmpd="sng" algn="ctr">
+                      <a:solidFill>
+                        <a:schemeClr val="tx1"/>
+                      </a:solidFill>
+                      <a:prstDash val="solid"/>
+                      <a:round/>
+                      <a:headEnd type="none" w="med" len="med"/>
+                      <a:tailEnd type="none" w="med" len="med"/>
+                    </a:lnB>
+                    <a:lnTlToBr w="12700" cmpd="sng">
+                      <a:noFill/>
+                      <a:prstDash val="solid"/>
+                    </a:lnTlToBr>
+                    <a:lnBlToTr w="12700" cmpd="sng">
+                      <a:noFill/>
+                      <a:prstDash val="solid"/>
+                    </a:lnBlToTr>
+                    <a:solidFill>
+                      <a:schemeClr val="bg1"/>
+                    </a:solidFill>
+                  </a:tcPr>
+                </a:tc>
+                <a:extLst>
+                  <a:ext uri="{0D108BD9-81ED-4DB2-BD59-A6C34878D82A}">
+                    <a16:rowId xmlns:a16="http://schemas.microsoft.com/office/drawing/2014/main" val="2019303952"/>
+                  </a:ext>
+                </a:extLst>
+              </a:tr>
+              <a:tr h="415728">
+                <a:tc>
+                  <a:txBody>
+                    <a:bodyPr/>
+                    <a:lstStyle/>
+                    <a:p>
+                      <a:pPr algn="ctr"/>
+                      <a:r>
+                        <a:rPr lang="en-US" altLang="zh-TW" sz="1600" dirty="0" smtClean="0">
+                          <a:solidFill>
+                            <a:srgbClr val="FF0000"/>
+                          </a:solidFill>
+                        </a:rPr>
+                        <a:t>6</a:t>
+                      </a:r>
+                      <a:endParaRPr lang="zh-TW" altLang="en-US" sz="1600" dirty="0">
+                        <a:solidFill>
+                          <a:srgbClr val="FF0000"/>
+                        </a:solidFill>
+                      </a:endParaRPr>
+                    </a:p>
+                  </a:txBody>
+                  <a:tcPr anchor="ctr">
+                    <a:lnL w="12700" cap="flat" cmpd="sng" algn="ctr">
+                      <a:noFill/>
+                      <a:prstDash val="solid"/>
+                      <a:round/>
+                      <a:headEnd type="none" w="med" len="med"/>
+                      <a:tailEnd type="none" w="med" len="med"/>
+                    </a:lnL>
+                    <a:lnR w="12700" cap="flat" cmpd="sng" algn="ctr">
+                      <a:solidFill>
+                        <a:schemeClr val="tx1"/>
+                      </a:solidFill>
+                      <a:prstDash val="solid"/>
+                      <a:round/>
+                      <a:headEnd type="none" w="med" len="med"/>
+                      <a:tailEnd type="none" w="med" len="med"/>
+                    </a:lnR>
+                    <a:lnT w="12700" cap="flat" cmpd="sng" algn="ctr">
+                      <a:noFill/>
+                      <a:prstDash val="solid"/>
+                      <a:round/>
+                      <a:headEnd type="none" w="med" len="med"/>
+                      <a:tailEnd type="none" w="med" len="med"/>
+                    </a:lnT>
+                    <a:lnB w="12700" cap="flat" cmpd="sng" algn="ctr">
+                      <a:noFill/>
+                      <a:prstDash val="solid"/>
+                      <a:round/>
+                      <a:headEnd type="none" w="med" len="med"/>
+                      <a:tailEnd type="none" w="med" len="med"/>
+                    </a:lnB>
+                    <a:lnTlToBr w="12700" cmpd="sng">
+                      <a:noFill/>
+                      <a:prstDash val="solid"/>
+                    </a:lnTlToBr>
+                    <a:lnBlToTr w="12700" cmpd="sng">
+                      <a:noFill/>
+                      <a:prstDash val="solid"/>
+                    </a:lnBlToTr>
+                    <a:solidFill>
+                      <a:schemeClr val="bg1"/>
+                    </a:solidFill>
+                  </a:tcPr>
+                </a:tc>
+                <a:tc>
+                  <a:txBody>
+                    <a:bodyPr/>
+                    <a:lstStyle/>
+                    <a:p>
+                      <a:pPr algn="ctr"/>
+                      <a:r>
+                        <a:rPr lang="en-US" altLang="zh-TW" sz="1600" dirty="0" smtClean="0">
+                          <a:solidFill>
+                            <a:schemeClr val="tx1"/>
+                          </a:solidFill>
+                        </a:rPr>
+                        <a:t>1</a:t>
+                      </a:r>
+                      <a:endParaRPr lang="zh-TW" altLang="en-US" sz="1600" dirty="0">
+                        <a:solidFill>
+                          <a:schemeClr val="tx1"/>
+                        </a:solidFill>
+                      </a:endParaRPr>
+                    </a:p>
+                  </a:txBody>
+                  <a:tcPr anchor="ctr">
+                    <a:lnL w="12700" cap="flat" cmpd="sng" algn="ctr">
+                      <a:solidFill>
+                        <a:schemeClr val="tx1"/>
+                      </a:solidFill>
+                      <a:prstDash val="solid"/>
+                      <a:round/>
+                      <a:headEnd type="none" w="med" len="med"/>
+                      <a:tailEnd type="none" w="med" len="med"/>
+                    </a:lnL>
+                    <a:lnR w="12700" cap="flat" cmpd="sng" algn="ctr">
+                      <a:solidFill>
+                        <a:schemeClr val="tx1"/>
+                      </a:solidFill>
+                      <a:prstDash val="solid"/>
+                      <a:round/>
+                      <a:headEnd type="none" w="med" len="med"/>
+                      <a:tailEnd type="none" w="med" len="med"/>
+                    </a:lnR>
+                    <a:lnT w="12700" cap="flat" cmpd="sng" algn="ctr">
+                      <a:solidFill>
+                        <a:schemeClr val="tx1"/>
+                      </a:solidFill>
+                      <a:prstDash val="solid"/>
+                      <a:round/>
+                      <a:headEnd type="none" w="med" len="med"/>
+                      <a:tailEnd type="none" w="med" len="med"/>
+                    </a:lnT>
+                    <a:lnB w="12700" cap="flat" cmpd="sng" algn="ctr">
+                      <a:solidFill>
+                        <a:schemeClr val="tx1"/>
+                      </a:solidFill>
+                      <a:prstDash val="solid"/>
+                      <a:round/>
+                      <a:headEnd type="none" w="med" len="med"/>
+                      <a:tailEnd type="none" w="med" len="med"/>
+                    </a:lnB>
+                    <a:lnTlToBr w="12700" cmpd="sng">
+                      <a:noFill/>
+                      <a:prstDash val="solid"/>
+                    </a:lnTlToBr>
+                    <a:lnBlToTr w="12700" cmpd="sng">
+                      <a:noFill/>
+                      <a:prstDash val="solid"/>
+                    </a:lnBlToTr>
+                    <a:solidFill>
+                      <a:schemeClr val="bg1"/>
+                    </a:solidFill>
+                  </a:tcPr>
+                </a:tc>
+                <a:tc>
+                  <a:txBody>
+                    <a:bodyPr/>
+                    <a:lstStyle/>
+                    <a:p>
+                      <a:pPr algn="ctr"/>
+                      <a:r>
+                        <a:rPr lang="en-US" altLang="zh-TW" sz="1600" dirty="0" smtClean="0">
+                          <a:solidFill>
+                            <a:schemeClr val="tx1"/>
+                          </a:solidFill>
+                        </a:rPr>
+                        <a:t>6</a:t>
+                      </a:r>
+                      <a:endParaRPr lang="zh-TW" altLang="en-US" sz="1600" dirty="0">
+                        <a:solidFill>
+                          <a:schemeClr val="tx1"/>
+                        </a:solidFill>
+                      </a:endParaRPr>
+                    </a:p>
+                  </a:txBody>
+                  <a:tcPr anchor="ctr">
+                    <a:lnL w="12700" cap="flat" cmpd="sng" algn="ctr">
+                      <a:solidFill>
+                        <a:schemeClr val="tx1"/>
+                      </a:solidFill>
+                      <a:prstDash val="solid"/>
+                      <a:round/>
+                      <a:headEnd type="none" w="med" len="med"/>
+                      <a:tailEnd type="none" w="med" len="med"/>
+                    </a:lnL>
+                    <a:lnR w="12700" cap="flat" cmpd="sng" algn="ctr">
+                      <a:solidFill>
+                        <a:schemeClr val="tx1"/>
+                      </a:solidFill>
+                      <a:prstDash val="solid"/>
+                      <a:round/>
+                      <a:headEnd type="none" w="med" len="med"/>
+                      <a:tailEnd type="none" w="med" len="med"/>
+                    </a:lnR>
+                    <a:lnT w="12700" cap="flat" cmpd="sng" algn="ctr">
+                      <a:solidFill>
+                        <a:schemeClr val="tx1"/>
+                      </a:solidFill>
+                      <a:prstDash val="solid"/>
+                      <a:round/>
+                      <a:headEnd type="none" w="med" len="med"/>
+                      <a:tailEnd type="none" w="med" len="med"/>
+                    </a:lnT>
+                    <a:lnB w="12700" cap="flat" cmpd="sng" algn="ctr">
+                      <a:solidFill>
+                        <a:schemeClr val="tx1"/>
+                      </a:solidFill>
+                      <a:prstDash val="solid"/>
+                      <a:round/>
+                      <a:headEnd type="none" w="med" len="med"/>
+                      <a:tailEnd type="none" w="med" len="med"/>
+                    </a:lnB>
+                    <a:lnTlToBr w="12700" cmpd="sng">
+                      <a:noFill/>
+                      <a:prstDash val="solid"/>
+                    </a:lnTlToBr>
+                    <a:lnBlToTr w="12700" cmpd="sng">
+                      <a:noFill/>
+                      <a:prstDash val="solid"/>
+                    </a:lnBlToTr>
+                    <a:solidFill>
+                      <a:schemeClr val="bg1"/>
+                    </a:solidFill>
+                  </a:tcPr>
+                </a:tc>
+                <a:tc>
+                  <a:txBody>
+                    <a:bodyPr/>
+                    <a:lstStyle/>
+                    <a:p>
+                      <a:pPr algn="ctr"/>
+                      <a:r>
+                        <a:rPr lang="en-US" altLang="zh-TW" sz="1600" dirty="0" smtClean="0">
+                          <a:solidFill>
+                            <a:schemeClr val="tx1"/>
+                          </a:solidFill>
+                        </a:rPr>
+                        <a:t>15</a:t>
+                      </a:r>
+                      <a:endParaRPr lang="zh-TW" altLang="en-US" sz="1600" dirty="0">
+                        <a:solidFill>
+                          <a:schemeClr val="tx1"/>
+                        </a:solidFill>
+                      </a:endParaRPr>
+                    </a:p>
+                  </a:txBody>
+                  <a:tcPr anchor="ctr">
+                    <a:lnL w="12700" cap="flat" cmpd="sng" algn="ctr">
+                      <a:solidFill>
+                        <a:schemeClr val="tx1"/>
+                      </a:solidFill>
+                      <a:prstDash val="solid"/>
+                      <a:round/>
+                      <a:headEnd type="none" w="med" len="med"/>
+                      <a:tailEnd type="none" w="med" len="med"/>
+                    </a:lnL>
+                    <a:lnR w="12700" cap="flat" cmpd="sng" algn="ctr">
+                      <a:solidFill>
+                        <a:schemeClr val="tx1"/>
+                      </a:solidFill>
+                      <a:prstDash val="solid"/>
+                      <a:round/>
+                      <a:headEnd type="none" w="med" len="med"/>
+                      <a:tailEnd type="none" w="med" len="med"/>
+                    </a:lnR>
+                    <a:lnT w="12700" cap="flat" cmpd="sng" algn="ctr">
+                      <a:solidFill>
+                        <a:schemeClr val="tx1"/>
+                      </a:solidFill>
+                      <a:prstDash val="solid"/>
+                      <a:round/>
+                      <a:headEnd type="none" w="med" len="med"/>
+                      <a:tailEnd type="none" w="med" len="med"/>
+                    </a:lnT>
+                    <a:lnB w="12700" cap="flat" cmpd="sng" algn="ctr">
+                      <a:solidFill>
+                        <a:schemeClr val="tx1"/>
+                      </a:solidFill>
+                      <a:prstDash val="solid"/>
+                      <a:round/>
+                      <a:headEnd type="none" w="med" len="med"/>
+                      <a:tailEnd type="none" w="med" len="med"/>
+                    </a:lnB>
+                    <a:lnTlToBr w="12700" cmpd="sng">
+                      <a:noFill/>
+                      <a:prstDash val="solid"/>
+                    </a:lnTlToBr>
+                    <a:lnBlToTr w="12700" cmpd="sng">
+                      <a:noFill/>
+                      <a:prstDash val="solid"/>
+                    </a:lnBlToTr>
+                    <a:solidFill>
+                      <a:schemeClr val="bg1"/>
+                    </a:solidFill>
+                  </a:tcPr>
+                </a:tc>
+                <a:tc>
+                  <a:txBody>
+                    <a:bodyPr/>
+                    <a:lstStyle/>
+                    <a:p>
+                      <a:pPr algn="ctr"/>
+                      <a:r>
+                        <a:rPr lang="en-US" altLang="zh-TW" sz="1600" dirty="0" smtClean="0">
+                          <a:solidFill>
+                            <a:schemeClr val="tx1"/>
+                          </a:solidFill>
+                        </a:rPr>
+                        <a:t>20</a:t>
+                      </a:r>
+                      <a:endParaRPr lang="zh-TW" altLang="en-US" sz="1600" dirty="0">
+                        <a:solidFill>
+                          <a:schemeClr val="tx1"/>
+                        </a:solidFill>
+                      </a:endParaRPr>
+                    </a:p>
+                  </a:txBody>
+                  <a:tcPr anchor="ctr">
+                    <a:lnL w="12700" cap="flat" cmpd="sng" algn="ctr">
+                      <a:solidFill>
+                        <a:schemeClr val="tx1"/>
+                      </a:solidFill>
+                      <a:prstDash val="solid"/>
+                      <a:round/>
+                      <a:headEnd type="none" w="med" len="med"/>
+                      <a:tailEnd type="none" w="med" len="med"/>
+                    </a:lnL>
+                    <a:lnR w="12700" cap="flat" cmpd="sng" algn="ctr">
+                      <a:solidFill>
+                        <a:schemeClr val="tx1"/>
+                      </a:solidFill>
+                      <a:prstDash val="solid"/>
+                      <a:round/>
+                      <a:headEnd type="none" w="med" len="med"/>
+                      <a:tailEnd type="none" w="med" len="med"/>
+                    </a:lnR>
+                    <a:lnT w="12700" cap="flat" cmpd="sng" algn="ctr">
+                      <a:solidFill>
+                        <a:schemeClr val="tx1"/>
+                      </a:solidFill>
+                      <a:prstDash val="solid"/>
+                      <a:round/>
+                      <a:headEnd type="none" w="med" len="med"/>
+                      <a:tailEnd type="none" w="med" len="med"/>
+                    </a:lnT>
+                    <a:lnB w="12700" cap="flat" cmpd="sng" algn="ctr">
+                      <a:solidFill>
+                        <a:schemeClr val="tx1"/>
+                      </a:solidFill>
+                      <a:prstDash val="solid"/>
+                      <a:round/>
+                      <a:headEnd type="none" w="med" len="med"/>
+                      <a:tailEnd type="none" w="med" len="med"/>
+                    </a:lnB>
+                    <a:lnTlToBr w="12700" cmpd="sng">
+                      <a:noFill/>
+                      <a:prstDash val="solid"/>
+                    </a:lnTlToBr>
+                    <a:lnBlToTr w="12700" cmpd="sng">
+                      <a:noFill/>
+                      <a:prstDash val="solid"/>
+                    </a:lnBlToTr>
+                    <a:solidFill>
+                      <a:schemeClr val="bg1"/>
+                    </a:solidFill>
+                  </a:tcPr>
+                </a:tc>
+                <a:tc>
+                  <a:txBody>
+                    <a:bodyPr/>
+                    <a:lstStyle/>
+                    <a:p>
+                      <a:pPr algn="ctr"/>
+                      <a:r>
+                        <a:rPr lang="en-US" altLang="zh-TW" sz="1600" dirty="0" smtClean="0">
+                          <a:solidFill>
+                            <a:schemeClr val="tx1"/>
+                          </a:solidFill>
+                        </a:rPr>
+                        <a:t>15</a:t>
+                      </a:r>
+                      <a:endParaRPr lang="zh-TW" altLang="en-US" sz="1600" dirty="0">
+                        <a:solidFill>
+                          <a:schemeClr val="tx1"/>
+                        </a:solidFill>
+                      </a:endParaRPr>
+                    </a:p>
+                  </a:txBody>
+                  <a:tcPr anchor="ctr">
+                    <a:lnL w="12700" cap="flat" cmpd="sng" algn="ctr">
+                      <a:solidFill>
+                        <a:schemeClr val="tx1"/>
+                      </a:solidFill>
+                      <a:prstDash val="solid"/>
+                      <a:round/>
+                      <a:headEnd type="none" w="med" len="med"/>
+                      <a:tailEnd type="none" w="med" len="med"/>
+                    </a:lnL>
+                    <a:lnR w="12700" cap="flat" cmpd="sng" algn="ctr">
+                      <a:solidFill>
+                        <a:schemeClr val="tx1"/>
+                      </a:solidFill>
+                      <a:prstDash val="solid"/>
+                      <a:round/>
+                      <a:headEnd type="none" w="med" len="med"/>
+                      <a:tailEnd type="none" w="med" len="med"/>
+                    </a:lnR>
+                    <a:lnT w="12700" cap="flat" cmpd="sng" algn="ctr">
+                      <a:solidFill>
+                        <a:schemeClr val="tx1"/>
+                      </a:solidFill>
+                      <a:prstDash val="solid"/>
+                      <a:round/>
+                      <a:headEnd type="none" w="med" len="med"/>
+                      <a:tailEnd type="none" w="med" len="med"/>
+                    </a:lnT>
+                    <a:lnB w="12700" cap="flat" cmpd="sng" algn="ctr">
+                      <a:solidFill>
+                        <a:schemeClr val="tx1"/>
+                      </a:solidFill>
+                      <a:prstDash val="solid"/>
+                      <a:round/>
+                      <a:headEnd type="none" w="med" len="med"/>
+                      <a:tailEnd type="none" w="med" len="med"/>
+                    </a:lnB>
+                    <a:lnTlToBr w="12700" cmpd="sng">
+                      <a:noFill/>
+                      <a:prstDash val="solid"/>
+                    </a:lnTlToBr>
+                    <a:lnBlToTr w="12700" cmpd="sng">
+                      <a:noFill/>
+                      <a:prstDash val="solid"/>
+                    </a:lnBlToTr>
+                    <a:solidFill>
+                      <a:schemeClr val="bg1"/>
+                    </a:solidFill>
+                  </a:tcPr>
+                </a:tc>
+                <a:tc>
+                  <a:txBody>
+                    <a:bodyPr/>
+                    <a:lstStyle/>
+                    <a:p>
+                      <a:pPr algn="ctr"/>
+                      <a:r>
+                        <a:rPr lang="en-US" altLang="zh-TW" sz="1600" dirty="0" smtClean="0">
+                          <a:solidFill>
+                            <a:schemeClr val="tx1"/>
+                          </a:solidFill>
+                        </a:rPr>
+                        <a:t>6</a:t>
+                      </a:r>
+                      <a:endParaRPr lang="zh-TW" altLang="en-US" sz="1600" dirty="0">
+                        <a:solidFill>
+                          <a:schemeClr val="tx1"/>
+                        </a:solidFill>
+                      </a:endParaRPr>
+                    </a:p>
+                  </a:txBody>
+                  <a:tcPr anchor="ctr">
+                    <a:lnL w="12700" cap="flat" cmpd="sng" algn="ctr">
+                      <a:solidFill>
+                        <a:schemeClr val="tx1"/>
+                      </a:solidFill>
+                      <a:prstDash val="solid"/>
+                      <a:round/>
+                      <a:headEnd type="none" w="med" len="med"/>
+                      <a:tailEnd type="none" w="med" len="med"/>
+                    </a:lnL>
+                    <a:lnR w="12700" cap="flat" cmpd="sng" algn="ctr">
+                      <a:solidFill>
+                        <a:schemeClr val="tx1"/>
+                      </a:solidFill>
+                      <a:prstDash val="solid"/>
+                      <a:round/>
+                      <a:headEnd type="none" w="med" len="med"/>
+                      <a:tailEnd type="none" w="med" len="med"/>
+                    </a:lnR>
+                    <a:lnT w="12700" cap="flat" cmpd="sng" algn="ctr">
+                      <a:solidFill>
+                        <a:schemeClr val="tx1"/>
+                      </a:solidFill>
+                      <a:prstDash val="solid"/>
+                      <a:round/>
+                      <a:headEnd type="none" w="med" len="med"/>
+                      <a:tailEnd type="none" w="med" len="med"/>
+                    </a:lnT>
+                    <a:lnB w="12700" cap="flat" cmpd="sng" algn="ctr">
+                      <a:solidFill>
+                        <a:schemeClr val="tx1"/>
+                      </a:solidFill>
+                      <a:prstDash val="solid"/>
+                      <a:round/>
+                      <a:headEnd type="none" w="med" len="med"/>
+                      <a:tailEnd type="none" w="med" len="med"/>
+                    </a:lnB>
+                    <a:lnTlToBr w="12700" cmpd="sng">
+                      <a:noFill/>
+                      <a:prstDash val="solid"/>
+                    </a:lnTlToBr>
+                    <a:lnBlToTr w="12700" cmpd="sng">
+                      <a:noFill/>
+                      <a:prstDash val="solid"/>
+                    </a:lnBlToTr>
+                    <a:solidFill>
+                      <a:schemeClr val="bg1"/>
+                    </a:solidFill>
+                  </a:tcPr>
+                </a:tc>
+                <a:tc>
+                  <a:txBody>
+                    <a:bodyPr/>
+                    <a:lstStyle/>
+                    <a:p>
+                      <a:pPr algn="ctr"/>
+                      <a:r>
+                        <a:rPr lang="en-US" altLang="zh-TW" sz="1600" dirty="0" smtClean="0">
+                          <a:solidFill>
+                            <a:schemeClr val="tx1"/>
+                          </a:solidFill>
+                        </a:rPr>
+                        <a:t>1</a:t>
+                      </a:r>
+                      <a:endParaRPr lang="zh-TW" altLang="en-US" sz="1600" dirty="0">
+                        <a:solidFill>
+                          <a:schemeClr val="tx1"/>
+                        </a:solidFill>
+                      </a:endParaRPr>
+                    </a:p>
+                  </a:txBody>
+                  <a:tcPr anchor="ctr">
+                    <a:lnL w="12700" cap="flat" cmpd="sng" algn="ctr">
+                      <a:solidFill>
+                        <a:schemeClr val="tx1"/>
+                      </a:solidFill>
+                      <a:prstDash val="solid"/>
+                      <a:round/>
+                      <a:headEnd type="none" w="med" len="med"/>
+                      <a:tailEnd type="none" w="med" len="med"/>
+                    </a:lnL>
+                    <a:lnR w="12700" cap="flat" cmpd="sng" algn="ctr">
+                      <a:solidFill>
+                        <a:schemeClr val="tx1"/>
+                      </a:solidFill>
+                      <a:prstDash val="solid"/>
+                      <a:round/>
+                      <a:headEnd type="none" w="med" len="med"/>
+                      <a:tailEnd type="none" w="med" len="med"/>
+                    </a:lnR>
+                    <a:lnT w="12700" cap="flat" cmpd="sng" algn="ctr">
+                      <a:solidFill>
+                        <a:schemeClr val="tx1"/>
+                      </a:solidFill>
+                      <a:prstDash val="solid"/>
+                      <a:round/>
+                      <a:headEnd type="none" w="med" len="med"/>
+                      <a:tailEnd type="none" w="med" len="med"/>
+                    </a:lnT>
+                    <a:lnB w="12700" cap="flat" cmpd="sng" algn="ctr">
+                      <a:solidFill>
+                        <a:schemeClr val="tx1"/>
+                      </a:solidFill>
+                      <a:prstDash val="solid"/>
+                      <a:round/>
+                      <a:headEnd type="none" w="med" len="med"/>
+                      <a:tailEnd type="none" w="med" len="med"/>
+                    </a:lnB>
+                    <a:lnTlToBr w="12700" cmpd="sng">
+                      <a:noFill/>
+                      <a:prstDash val="solid"/>
+                    </a:lnTlToBr>
+                    <a:lnBlToTr w="12700" cmpd="sng">
+                      <a:noFill/>
+                      <a:prstDash val="solid"/>
+                    </a:lnBlToTr>
+                    <a:solidFill>
+                      <a:schemeClr val="bg1"/>
+                    </a:solidFill>
+                  </a:tcPr>
+                </a:tc>
+                <a:tc>
+                  <a:txBody>
+                    <a:bodyPr/>
+                    <a:lstStyle/>
+                    <a:p>
+                      <a:pPr algn="ctr"/>
+                      <a:endParaRPr lang="zh-TW" altLang="en-US" sz="1600">
+                        <a:solidFill>
+                          <a:schemeClr val="tx1"/>
+                        </a:solidFill>
+                      </a:endParaRPr>
+                    </a:p>
+                  </a:txBody>
+                  <a:tcPr anchor="ctr">
+                    <a:lnL w="12700" cap="flat" cmpd="sng" algn="ctr">
+                      <a:solidFill>
+                        <a:schemeClr val="tx1"/>
+                      </a:solidFill>
+                      <a:prstDash val="solid"/>
+                      <a:round/>
+                      <a:headEnd type="none" w="med" len="med"/>
+                      <a:tailEnd type="none" w="med" len="med"/>
+                    </a:lnL>
+                    <a:lnR w="12700" cap="flat" cmpd="sng" algn="ctr">
+                      <a:solidFill>
+                        <a:schemeClr val="tx1"/>
+                      </a:solidFill>
+                      <a:prstDash val="solid"/>
+                      <a:round/>
+                      <a:headEnd type="none" w="med" len="med"/>
+                      <a:tailEnd type="none" w="med" len="med"/>
+                    </a:lnR>
+                    <a:lnT w="12700" cap="flat" cmpd="sng" algn="ctr">
+                      <a:solidFill>
+                        <a:schemeClr val="tx1"/>
+                      </a:solidFill>
+                      <a:prstDash val="solid"/>
+                      <a:round/>
+                      <a:headEnd type="none" w="med" len="med"/>
+                      <a:tailEnd type="none" w="med" len="med"/>
+                    </a:lnT>
+                    <a:lnB w="12700" cap="flat" cmpd="sng" algn="ctr">
+                      <a:solidFill>
+                        <a:schemeClr val="tx1"/>
+                      </a:solidFill>
+                      <a:prstDash val="solid"/>
+                      <a:round/>
+                      <a:headEnd type="none" w="med" len="med"/>
+                      <a:tailEnd type="none" w="med" len="med"/>
+                    </a:lnB>
+                    <a:lnTlToBr w="12700" cmpd="sng">
+                      <a:noFill/>
+                      <a:prstDash val="solid"/>
+                    </a:lnTlToBr>
+                    <a:lnBlToTr w="12700" cmpd="sng">
+                      <a:noFill/>
+                      <a:prstDash val="solid"/>
+                    </a:lnBlToTr>
+                    <a:solidFill>
+                      <a:schemeClr val="bg1"/>
+                    </a:solidFill>
+                  </a:tcPr>
+                </a:tc>
+                <a:extLst>
+                  <a:ext uri="{0D108BD9-81ED-4DB2-BD59-A6C34878D82A}">
+                    <a16:rowId xmlns:a16="http://schemas.microsoft.com/office/drawing/2014/main" val="112158407"/>
+                  </a:ext>
+                </a:extLst>
+              </a:tr>
+              <a:tr h="415728">
+                <a:tc>
+                  <a:txBody>
+                    <a:bodyPr/>
+                    <a:lstStyle/>
+                    <a:p>
+                      <a:pPr algn="ctr"/>
+                      <a:r>
+                        <a:rPr lang="en-US" altLang="zh-TW" sz="1600" dirty="0" smtClean="0">
+                          <a:solidFill>
+                            <a:srgbClr val="FF0000"/>
+                          </a:solidFill>
+                        </a:rPr>
+                        <a:t>7</a:t>
+                      </a:r>
+                      <a:endParaRPr lang="zh-TW" altLang="en-US" sz="1600" dirty="0">
+                        <a:solidFill>
+                          <a:srgbClr val="FF0000"/>
+                        </a:solidFill>
+                      </a:endParaRPr>
+                    </a:p>
+                  </a:txBody>
+                  <a:tcPr anchor="ctr">
+                    <a:lnL w="12700" cap="flat" cmpd="sng" algn="ctr">
+                      <a:noFill/>
+                      <a:prstDash val="solid"/>
+                      <a:round/>
+                      <a:headEnd type="none" w="med" len="med"/>
+                      <a:tailEnd type="none" w="med" len="med"/>
+                    </a:lnL>
+                    <a:lnR w="12700" cap="flat" cmpd="sng" algn="ctr">
+                      <a:solidFill>
+                        <a:schemeClr val="tx1"/>
+                      </a:solidFill>
+                      <a:prstDash val="solid"/>
+                      <a:round/>
+                      <a:headEnd type="none" w="med" len="med"/>
+                      <a:tailEnd type="none" w="med" len="med"/>
+                    </a:lnR>
+                    <a:lnT w="12700" cap="flat" cmpd="sng" algn="ctr">
+                      <a:noFill/>
+                      <a:prstDash val="solid"/>
+                      <a:round/>
+                      <a:headEnd type="none" w="med" len="med"/>
+                      <a:tailEnd type="none" w="med" len="med"/>
+                    </a:lnT>
+                    <a:lnB w="12700" cap="flat" cmpd="sng" algn="ctr">
+                      <a:noFill/>
+                      <a:prstDash val="solid"/>
+                      <a:round/>
+                      <a:headEnd type="none" w="med" len="med"/>
+                      <a:tailEnd type="none" w="med" len="med"/>
+                    </a:lnB>
+                    <a:lnTlToBr w="12700" cmpd="sng">
+                      <a:noFill/>
+                      <a:prstDash val="solid"/>
+                    </a:lnTlToBr>
+                    <a:lnBlToTr w="12700" cmpd="sng">
+                      <a:noFill/>
+                      <a:prstDash val="solid"/>
+                    </a:lnBlToTr>
+                    <a:solidFill>
+                      <a:schemeClr val="bg1"/>
+                    </a:solidFill>
+                  </a:tcPr>
+                </a:tc>
+                <a:tc>
+                  <a:txBody>
+                    <a:bodyPr/>
+                    <a:lstStyle/>
+                    <a:p>
+                      <a:pPr algn="ctr"/>
+                      <a:r>
+                        <a:rPr lang="en-US" altLang="zh-TW" sz="1600" dirty="0" smtClean="0">
+                          <a:solidFill>
+                            <a:schemeClr val="tx1"/>
+                          </a:solidFill>
+                        </a:rPr>
+                        <a:t>1</a:t>
+                      </a:r>
+                      <a:endParaRPr lang="zh-TW" altLang="en-US" sz="1600" dirty="0">
+                        <a:solidFill>
+                          <a:schemeClr val="tx1"/>
+                        </a:solidFill>
+                      </a:endParaRPr>
+                    </a:p>
+                  </a:txBody>
+                  <a:tcPr anchor="ctr">
+                    <a:lnL w="12700" cap="flat" cmpd="sng" algn="ctr">
+                      <a:solidFill>
+                        <a:schemeClr val="tx1"/>
+                      </a:solidFill>
+                      <a:prstDash val="solid"/>
+                      <a:round/>
+                      <a:headEnd type="none" w="med" len="med"/>
+                      <a:tailEnd type="none" w="med" len="med"/>
+                    </a:lnL>
+                    <a:lnR w="12700" cap="flat" cmpd="sng" algn="ctr">
+                      <a:solidFill>
+                        <a:schemeClr val="tx1"/>
+                      </a:solidFill>
+                      <a:prstDash val="solid"/>
+                      <a:round/>
+                      <a:headEnd type="none" w="med" len="med"/>
+                      <a:tailEnd type="none" w="med" len="med"/>
+                    </a:lnR>
+                    <a:lnT w="12700" cap="flat" cmpd="sng" algn="ctr">
+                      <a:solidFill>
+                        <a:schemeClr val="tx1"/>
+                      </a:solidFill>
+                      <a:prstDash val="solid"/>
+                      <a:round/>
+                      <a:headEnd type="none" w="med" len="med"/>
+                      <a:tailEnd type="none" w="med" len="med"/>
+                    </a:lnT>
+                    <a:lnB w="12700" cap="flat" cmpd="sng" algn="ctr">
+                      <a:solidFill>
+                        <a:schemeClr val="tx1"/>
+                      </a:solidFill>
+                      <a:prstDash val="solid"/>
+                      <a:round/>
+                      <a:headEnd type="none" w="med" len="med"/>
+                      <a:tailEnd type="none" w="med" len="med"/>
+                    </a:lnB>
+                    <a:lnTlToBr w="12700" cmpd="sng">
+                      <a:noFill/>
+                      <a:prstDash val="solid"/>
+                    </a:lnTlToBr>
+                    <a:lnBlToTr w="12700" cmpd="sng">
+                      <a:noFill/>
+                      <a:prstDash val="solid"/>
+                    </a:lnBlToTr>
+                    <a:solidFill>
+                      <a:schemeClr val="bg1"/>
+                    </a:solidFill>
+                  </a:tcPr>
+                </a:tc>
+                <a:tc>
+                  <a:txBody>
+                    <a:bodyPr/>
+                    <a:lstStyle/>
+                    <a:p>
+                      <a:pPr algn="ctr"/>
+                      <a:r>
+                        <a:rPr lang="en-US" altLang="zh-TW" sz="1600" dirty="0" smtClean="0">
+                          <a:solidFill>
+                            <a:schemeClr val="tx1"/>
+                          </a:solidFill>
+                        </a:rPr>
+                        <a:t>7</a:t>
+                      </a:r>
+                      <a:endParaRPr lang="zh-TW" altLang="en-US" sz="1600" dirty="0">
+                        <a:solidFill>
+                          <a:schemeClr val="tx1"/>
+                        </a:solidFill>
+                      </a:endParaRPr>
+                    </a:p>
+                  </a:txBody>
+                  <a:tcPr anchor="ctr">
+                    <a:lnL w="12700" cap="flat" cmpd="sng" algn="ctr">
+                      <a:solidFill>
+                        <a:schemeClr val="tx1"/>
+                      </a:solidFill>
+                      <a:prstDash val="solid"/>
+                      <a:round/>
+                      <a:headEnd type="none" w="med" len="med"/>
+                      <a:tailEnd type="none" w="med" len="med"/>
+                    </a:lnL>
+                    <a:lnR w="12700" cap="flat" cmpd="sng" algn="ctr">
+                      <a:solidFill>
+                        <a:schemeClr val="tx1"/>
+                      </a:solidFill>
+                      <a:prstDash val="solid"/>
+                      <a:round/>
+                      <a:headEnd type="none" w="med" len="med"/>
+                      <a:tailEnd type="none" w="med" len="med"/>
+                    </a:lnR>
+                    <a:lnT w="12700" cap="flat" cmpd="sng" algn="ctr">
+                      <a:solidFill>
+                        <a:schemeClr val="tx1"/>
+                      </a:solidFill>
+                      <a:prstDash val="solid"/>
+                      <a:round/>
+                      <a:headEnd type="none" w="med" len="med"/>
+                      <a:tailEnd type="none" w="med" len="med"/>
+                    </a:lnT>
+                    <a:lnB w="12700" cap="flat" cmpd="sng" algn="ctr">
+                      <a:solidFill>
+                        <a:schemeClr val="tx1"/>
+                      </a:solidFill>
+                      <a:prstDash val="solid"/>
+                      <a:round/>
+                      <a:headEnd type="none" w="med" len="med"/>
+                      <a:tailEnd type="none" w="med" len="med"/>
+                    </a:lnB>
+                    <a:lnTlToBr w="12700" cmpd="sng">
+                      <a:noFill/>
+                      <a:prstDash val="solid"/>
+                    </a:lnTlToBr>
+                    <a:lnBlToTr w="12700" cmpd="sng">
+                      <a:noFill/>
+                      <a:prstDash val="solid"/>
+                    </a:lnBlToTr>
+                    <a:solidFill>
+                      <a:schemeClr val="bg1"/>
+                    </a:solidFill>
+                  </a:tcPr>
+                </a:tc>
+                <a:tc>
+                  <a:txBody>
+                    <a:bodyPr/>
+                    <a:lstStyle/>
+                    <a:p>
+                      <a:pPr algn="ctr"/>
+                      <a:r>
+                        <a:rPr lang="en-US" altLang="zh-TW" sz="1600" dirty="0" smtClean="0">
+                          <a:solidFill>
+                            <a:schemeClr val="tx1"/>
+                          </a:solidFill>
+                        </a:rPr>
+                        <a:t>21</a:t>
+                      </a:r>
+                      <a:endParaRPr lang="zh-TW" altLang="en-US" sz="1600" dirty="0">
+                        <a:solidFill>
+                          <a:schemeClr val="tx1"/>
+                        </a:solidFill>
+                      </a:endParaRPr>
+                    </a:p>
+                  </a:txBody>
+                  <a:tcPr anchor="ctr">
+                    <a:lnL w="12700" cap="flat" cmpd="sng" algn="ctr">
+                      <a:solidFill>
+                        <a:schemeClr val="tx1"/>
+                      </a:solidFill>
+                      <a:prstDash val="solid"/>
+                      <a:round/>
+                      <a:headEnd type="none" w="med" len="med"/>
+                      <a:tailEnd type="none" w="med" len="med"/>
+                    </a:lnL>
+                    <a:lnR w="12700" cap="flat" cmpd="sng" algn="ctr">
+                      <a:solidFill>
+                        <a:schemeClr val="tx1"/>
+                      </a:solidFill>
+                      <a:prstDash val="solid"/>
+                      <a:round/>
+                      <a:headEnd type="none" w="med" len="med"/>
+                      <a:tailEnd type="none" w="med" len="med"/>
+                    </a:lnR>
+                    <a:lnT w="12700" cap="flat" cmpd="sng" algn="ctr">
+                      <a:solidFill>
+                        <a:schemeClr val="tx1"/>
+                      </a:solidFill>
+                      <a:prstDash val="solid"/>
+                      <a:round/>
+                      <a:headEnd type="none" w="med" len="med"/>
+                      <a:tailEnd type="none" w="med" len="med"/>
+                    </a:lnT>
+                    <a:lnB w="12700" cap="flat" cmpd="sng" algn="ctr">
+                      <a:solidFill>
+                        <a:schemeClr val="tx1"/>
+                      </a:solidFill>
+                      <a:prstDash val="solid"/>
+                      <a:round/>
+                      <a:headEnd type="none" w="med" len="med"/>
+                      <a:tailEnd type="none" w="med" len="med"/>
+                    </a:lnB>
+                    <a:lnTlToBr w="12700" cmpd="sng">
+                      <a:noFill/>
+                      <a:prstDash val="solid"/>
+                    </a:lnTlToBr>
+                    <a:lnBlToTr w="12700" cmpd="sng">
+                      <a:noFill/>
+                      <a:prstDash val="solid"/>
+                    </a:lnBlToTr>
+                    <a:solidFill>
+                      <a:schemeClr val="bg1"/>
+                    </a:solidFill>
+                  </a:tcPr>
+                </a:tc>
+                <a:tc>
+                  <a:txBody>
+                    <a:bodyPr/>
+                    <a:lstStyle/>
+                    <a:p>
+                      <a:pPr algn="ctr"/>
+                      <a:r>
+                        <a:rPr lang="en-US" altLang="zh-TW" sz="1600" dirty="0" smtClean="0">
+                          <a:solidFill>
+                            <a:schemeClr val="tx1"/>
+                          </a:solidFill>
+                        </a:rPr>
+                        <a:t>35</a:t>
+                      </a:r>
+                      <a:endParaRPr lang="zh-TW" altLang="en-US" sz="1600" dirty="0">
+                        <a:solidFill>
+                          <a:schemeClr val="tx1"/>
+                        </a:solidFill>
+                      </a:endParaRPr>
+                    </a:p>
+                  </a:txBody>
+                  <a:tcPr anchor="ctr">
+                    <a:lnL w="12700" cap="flat" cmpd="sng" algn="ctr">
+                      <a:solidFill>
+                        <a:schemeClr val="tx1"/>
+                      </a:solidFill>
+                      <a:prstDash val="solid"/>
+                      <a:round/>
+                      <a:headEnd type="none" w="med" len="med"/>
+                      <a:tailEnd type="none" w="med" len="med"/>
+                    </a:lnL>
+                    <a:lnR w="12700" cap="flat" cmpd="sng" algn="ctr">
+                      <a:solidFill>
+                        <a:schemeClr val="tx1"/>
+                      </a:solidFill>
+                      <a:prstDash val="solid"/>
+                      <a:round/>
+                      <a:headEnd type="none" w="med" len="med"/>
+                      <a:tailEnd type="none" w="med" len="med"/>
+                    </a:lnR>
+                    <a:lnT w="12700" cap="flat" cmpd="sng" algn="ctr">
+                      <a:solidFill>
+                        <a:schemeClr val="tx1"/>
+                      </a:solidFill>
+                      <a:prstDash val="solid"/>
+                      <a:round/>
+                      <a:headEnd type="none" w="med" len="med"/>
+                      <a:tailEnd type="none" w="med" len="med"/>
+                    </a:lnT>
+                    <a:lnB w="12700" cap="flat" cmpd="sng" algn="ctr">
+                      <a:solidFill>
+                        <a:schemeClr val="tx1"/>
+                      </a:solidFill>
+                      <a:prstDash val="solid"/>
+                      <a:round/>
+                      <a:headEnd type="none" w="med" len="med"/>
+                      <a:tailEnd type="none" w="med" len="med"/>
+                    </a:lnB>
+                    <a:lnTlToBr w="12700" cmpd="sng">
+                      <a:noFill/>
+                      <a:prstDash val="solid"/>
+                    </a:lnTlToBr>
+                    <a:lnBlToTr w="12700" cmpd="sng">
+                      <a:noFill/>
+                      <a:prstDash val="solid"/>
+                    </a:lnBlToTr>
+                    <a:solidFill>
+                      <a:schemeClr val="bg1"/>
+                    </a:solidFill>
+                  </a:tcPr>
+                </a:tc>
+                <a:tc>
+                  <a:txBody>
+                    <a:bodyPr/>
+                    <a:lstStyle/>
+                    <a:p>
+                      <a:pPr algn="ctr"/>
+                      <a:r>
+                        <a:rPr lang="en-US" altLang="zh-TW" sz="1600" dirty="0" smtClean="0">
+                          <a:solidFill>
+                            <a:schemeClr val="tx1"/>
+                          </a:solidFill>
+                        </a:rPr>
+                        <a:t>35</a:t>
+                      </a:r>
+                      <a:endParaRPr lang="zh-TW" altLang="en-US" sz="1600" dirty="0">
+                        <a:solidFill>
+                          <a:schemeClr val="tx1"/>
+                        </a:solidFill>
+                      </a:endParaRPr>
+                    </a:p>
+                  </a:txBody>
+                  <a:tcPr anchor="ctr">
+                    <a:lnL w="12700" cap="flat" cmpd="sng" algn="ctr">
+                      <a:solidFill>
+                        <a:schemeClr val="tx1"/>
+                      </a:solidFill>
+                      <a:prstDash val="solid"/>
+                      <a:round/>
+                      <a:headEnd type="none" w="med" len="med"/>
+                      <a:tailEnd type="none" w="med" len="med"/>
+                    </a:lnL>
+                    <a:lnR w="12700" cap="flat" cmpd="sng" algn="ctr">
+                      <a:solidFill>
+                        <a:schemeClr val="tx1"/>
+                      </a:solidFill>
+                      <a:prstDash val="solid"/>
+                      <a:round/>
+                      <a:headEnd type="none" w="med" len="med"/>
+                      <a:tailEnd type="none" w="med" len="med"/>
+                    </a:lnR>
+                    <a:lnT w="12700" cap="flat" cmpd="sng" algn="ctr">
+                      <a:solidFill>
+                        <a:schemeClr val="tx1"/>
+                      </a:solidFill>
+                      <a:prstDash val="solid"/>
+                      <a:round/>
+                      <a:headEnd type="none" w="med" len="med"/>
+                      <a:tailEnd type="none" w="med" len="med"/>
+                    </a:lnT>
+                    <a:lnB w="12700" cap="flat" cmpd="sng" algn="ctr">
+                      <a:solidFill>
+                        <a:schemeClr val="tx1"/>
+                      </a:solidFill>
+                      <a:prstDash val="solid"/>
+                      <a:round/>
+                      <a:headEnd type="none" w="med" len="med"/>
+                      <a:tailEnd type="none" w="med" len="med"/>
+                    </a:lnB>
+                    <a:lnTlToBr w="12700" cmpd="sng">
+                      <a:noFill/>
+                      <a:prstDash val="solid"/>
+                    </a:lnTlToBr>
+                    <a:lnBlToTr w="12700" cmpd="sng">
+                      <a:noFill/>
+                      <a:prstDash val="solid"/>
+                    </a:lnBlToTr>
+                    <a:solidFill>
+                      <a:schemeClr val="bg1"/>
+                    </a:solidFill>
+                  </a:tcPr>
+                </a:tc>
+                <a:tc>
+                  <a:txBody>
+                    <a:bodyPr/>
+                    <a:lstStyle/>
+                    <a:p>
+                      <a:pPr algn="ctr"/>
+                      <a:r>
+                        <a:rPr lang="en-US" altLang="zh-TW" sz="1600" dirty="0" smtClean="0">
+                          <a:solidFill>
+                            <a:schemeClr val="tx1"/>
+                          </a:solidFill>
+                        </a:rPr>
+                        <a:t>20</a:t>
+                      </a:r>
+                      <a:endParaRPr lang="zh-TW" altLang="en-US" sz="1600" dirty="0">
+                        <a:solidFill>
+                          <a:schemeClr val="tx1"/>
+                        </a:solidFill>
+                      </a:endParaRPr>
+                    </a:p>
+                  </a:txBody>
+                  <a:tcPr anchor="ctr">
+                    <a:lnL w="12700" cap="flat" cmpd="sng" algn="ctr">
+                      <a:solidFill>
+                        <a:schemeClr val="tx1"/>
+                      </a:solidFill>
+                      <a:prstDash val="solid"/>
+                      <a:round/>
+                      <a:headEnd type="none" w="med" len="med"/>
+                      <a:tailEnd type="none" w="med" len="med"/>
+                    </a:lnL>
+                    <a:lnR w="12700" cap="flat" cmpd="sng" algn="ctr">
+                      <a:solidFill>
+                        <a:schemeClr val="tx1"/>
+                      </a:solidFill>
+                      <a:prstDash val="solid"/>
+                      <a:round/>
+                      <a:headEnd type="none" w="med" len="med"/>
+                      <a:tailEnd type="none" w="med" len="med"/>
+                    </a:lnR>
+                    <a:lnT w="12700" cap="flat" cmpd="sng" algn="ctr">
+                      <a:solidFill>
+                        <a:schemeClr val="tx1"/>
+                      </a:solidFill>
+                      <a:prstDash val="solid"/>
+                      <a:round/>
+                      <a:headEnd type="none" w="med" len="med"/>
+                      <a:tailEnd type="none" w="med" len="med"/>
+                    </a:lnT>
+                    <a:lnB w="12700" cap="flat" cmpd="sng" algn="ctr">
+                      <a:solidFill>
+                        <a:schemeClr val="tx1"/>
+                      </a:solidFill>
+                      <a:prstDash val="solid"/>
+                      <a:round/>
+                      <a:headEnd type="none" w="med" len="med"/>
+                      <a:tailEnd type="none" w="med" len="med"/>
+                    </a:lnB>
+                    <a:lnTlToBr w="12700" cmpd="sng">
+                      <a:noFill/>
+                      <a:prstDash val="solid"/>
+                    </a:lnTlToBr>
+                    <a:lnBlToTr w="12700" cmpd="sng">
+                      <a:noFill/>
+                      <a:prstDash val="solid"/>
+                    </a:lnBlToTr>
+                    <a:solidFill>
+                      <a:schemeClr val="bg1"/>
+                    </a:solidFill>
+                  </a:tcPr>
+                </a:tc>
+                <a:tc>
+                  <a:txBody>
+                    <a:bodyPr/>
+                    <a:lstStyle/>
+                    <a:p>
+                      <a:pPr algn="ctr"/>
+                      <a:r>
+                        <a:rPr lang="en-US" altLang="zh-TW" sz="1600" dirty="0" smtClean="0">
+                          <a:solidFill>
+                            <a:schemeClr val="tx1"/>
+                          </a:solidFill>
+                        </a:rPr>
+                        <a:t>7</a:t>
+                      </a:r>
+                      <a:endParaRPr lang="zh-TW" altLang="en-US" sz="1600" dirty="0">
+                        <a:solidFill>
+                          <a:schemeClr val="tx1"/>
+                        </a:solidFill>
+                      </a:endParaRPr>
+                    </a:p>
+                  </a:txBody>
+                  <a:tcPr anchor="ctr">
+                    <a:lnL w="12700" cap="flat" cmpd="sng" algn="ctr">
+                      <a:solidFill>
+                        <a:schemeClr val="tx1"/>
+                      </a:solidFill>
+                      <a:prstDash val="solid"/>
+                      <a:round/>
+                      <a:headEnd type="none" w="med" len="med"/>
+                      <a:tailEnd type="none" w="med" len="med"/>
+                    </a:lnL>
+                    <a:lnR w="12700" cap="flat" cmpd="sng" algn="ctr">
+                      <a:solidFill>
+                        <a:schemeClr val="tx1"/>
+                      </a:solidFill>
+                      <a:prstDash val="solid"/>
+                      <a:round/>
+                      <a:headEnd type="none" w="med" len="med"/>
+                      <a:tailEnd type="none" w="med" len="med"/>
+                    </a:lnR>
+                    <a:lnT w="12700" cap="flat" cmpd="sng" algn="ctr">
+                      <a:solidFill>
+                        <a:schemeClr val="tx1"/>
+                      </a:solidFill>
+                      <a:prstDash val="solid"/>
+                      <a:round/>
+                      <a:headEnd type="none" w="med" len="med"/>
+                      <a:tailEnd type="none" w="med" len="med"/>
+                    </a:lnT>
+                    <a:lnB w="12700" cap="flat" cmpd="sng" algn="ctr">
+                      <a:solidFill>
+                        <a:schemeClr val="tx1"/>
+                      </a:solidFill>
+                      <a:prstDash val="solid"/>
+                      <a:round/>
+                      <a:headEnd type="none" w="med" len="med"/>
+                      <a:tailEnd type="none" w="med" len="med"/>
+                    </a:lnB>
+                    <a:lnTlToBr w="12700" cmpd="sng">
+                      <a:noFill/>
+                      <a:prstDash val="solid"/>
+                    </a:lnTlToBr>
+                    <a:lnBlToTr w="12700" cmpd="sng">
+                      <a:noFill/>
+                      <a:prstDash val="solid"/>
+                    </a:lnBlToTr>
+                    <a:solidFill>
+                      <a:schemeClr val="bg1"/>
+                    </a:solidFill>
+                  </a:tcPr>
+                </a:tc>
+                <a:tc>
+                  <a:txBody>
+                    <a:bodyPr/>
+                    <a:lstStyle/>
+                    <a:p>
+                      <a:pPr algn="ctr"/>
+                      <a:r>
+                        <a:rPr lang="en-US" altLang="zh-TW" sz="1600" dirty="0" smtClean="0">
+                          <a:solidFill>
+                            <a:schemeClr val="tx1"/>
+                          </a:solidFill>
+                        </a:rPr>
+                        <a:t>1</a:t>
+                      </a:r>
+                      <a:endParaRPr lang="zh-TW" altLang="en-US" sz="1600" dirty="0">
+                        <a:solidFill>
+                          <a:schemeClr val="tx1"/>
+                        </a:solidFill>
+                      </a:endParaRPr>
+                    </a:p>
+                  </a:txBody>
+                  <a:tcPr anchor="ctr">
+                    <a:lnL w="12700" cap="flat" cmpd="sng" algn="ctr">
+                      <a:solidFill>
+                        <a:schemeClr val="tx1"/>
+                      </a:solidFill>
+                      <a:prstDash val="solid"/>
+                      <a:round/>
+                      <a:headEnd type="none" w="med" len="med"/>
+                      <a:tailEnd type="none" w="med" len="med"/>
+                    </a:lnL>
+                    <a:lnR w="12700" cap="flat" cmpd="sng" algn="ctr">
+                      <a:solidFill>
+                        <a:schemeClr val="tx1"/>
+                      </a:solidFill>
+                      <a:prstDash val="solid"/>
+                      <a:round/>
+                      <a:headEnd type="none" w="med" len="med"/>
+                      <a:tailEnd type="none" w="med" len="med"/>
+                    </a:lnR>
+                    <a:lnT w="12700" cap="flat" cmpd="sng" algn="ctr">
+                      <a:solidFill>
+                        <a:schemeClr val="tx1"/>
+                      </a:solidFill>
+                      <a:prstDash val="solid"/>
+                      <a:round/>
+                      <a:headEnd type="none" w="med" len="med"/>
+                      <a:tailEnd type="none" w="med" len="med"/>
+                    </a:lnT>
+                    <a:lnB w="12700" cap="flat" cmpd="sng" algn="ctr">
+                      <a:solidFill>
+                        <a:schemeClr val="tx1"/>
+                      </a:solidFill>
+                      <a:prstDash val="solid"/>
+                      <a:round/>
+                      <a:headEnd type="none" w="med" len="med"/>
+                      <a:tailEnd type="none" w="med" len="med"/>
+                    </a:lnB>
+                    <a:lnTlToBr w="12700" cmpd="sng">
+                      <a:noFill/>
+                      <a:prstDash val="solid"/>
+                    </a:lnTlToBr>
+                    <a:lnBlToTr w="12700" cmpd="sng">
+                      <a:noFill/>
+                      <a:prstDash val="solid"/>
+                    </a:lnBlToTr>
+                    <a:solidFill>
+                      <a:schemeClr val="bg1"/>
+                    </a:solidFill>
+                  </a:tcPr>
+                </a:tc>
+                <a:extLst>
+                  <a:ext uri="{0D108BD9-81ED-4DB2-BD59-A6C34878D82A}">
+                    <a16:rowId xmlns:a16="http://schemas.microsoft.com/office/drawing/2014/main" val="2545554640"/>
+                  </a:ext>
+                </a:extLst>
+              </a:tr>
+            </a:tbl>
+          </a:graphicData>
+        </a:graphic>
+      </p:graphicFrame>
+      <mc:AlternateContent xmlns:mc="http://schemas.openxmlformats.org/markup-compatibility/2006">
+        <mc:Choice xmlns:a14="http://schemas.microsoft.com/office/drawing/2010/main" Requires="a14">
+          <p:sp>
+            <p:nvSpPr>
+              <p:cNvPr id="5" name="文字方塊 4"/>
+              <p:cNvSpPr txBox="1"/>
+              <p:nvPr/>
+            </p:nvSpPr>
+            <p:spPr>
+              <a:xfrm>
+                <a:off x="4883276" y="5227310"/>
+                <a:ext cx="1783693" cy="618311"/>
+              </a:xfrm>
+              <a:prstGeom prst="rect">
+                <a:avLst/>
+              </a:prstGeom>
+              <a:noFill/>
+            </p:spPr>
+            <p:txBody>
+              <a:bodyPr wrap="none" rtlCol="0">
+                <a:spAutoFit/>
+              </a:bodyPr>
+              <a:lstStyle/>
+              <a:p>
+                <a14:m>
+                  <m:oMathPara xmlns:m="http://schemas.openxmlformats.org/officeDocument/2006/math">
+                    <m:oMathParaPr>
+                      <m:jc m:val="centerGroup"/>
+                    </m:oMathParaPr>
+                    <m:oMath xmlns:m="http://schemas.openxmlformats.org/officeDocument/2006/math">
+                      <m:sSubSup>
+                        <m:sSubSupPr>
+                          <m:ctrlPr>
+                            <a:rPr lang="en-US" altLang="zh-TW" i="1" smtClean="0">
+                              <a:latin typeface="Cambria Math" panose="02040503050406030204" pitchFamily="18" charset="0"/>
+                            </a:rPr>
+                          </m:ctrlPr>
+                        </m:sSubSupPr>
+                        <m:e>
+                          <m:r>
+                            <m:rPr>
+                              <m:sty m:val="p"/>
+                            </m:rPr>
+                            <a:rPr lang="en-US" altLang="zh-TW" i="1">
+                              <a:latin typeface="Cambria Math" panose="02040503050406030204" pitchFamily="18" charset="0"/>
+                            </a:rPr>
+                            <m:t>C</m:t>
+                          </m:r>
+                        </m:e>
+                        <m:sub>
+                          <m:r>
+                            <a:rPr lang="en-US" altLang="zh-TW" b="0" i="1" smtClean="0">
+                              <a:latin typeface="Cambria Math" panose="02040503050406030204" pitchFamily="18" charset="0"/>
+                            </a:rPr>
+                            <m:t>2</m:t>
+                          </m:r>
+                        </m:sub>
+                        <m:sup>
+                          <m:r>
+                            <a:rPr lang="en-US" altLang="zh-TW" b="0" i="1" smtClean="0">
+                              <a:latin typeface="Cambria Math" panose="02040503050406030204" pitchFamily="18" charset="0"/>
+                            </a:rPr>
+                            <m:t>5</m:t>
+                          </m:r>
+                        </m:sup>
+                      </m:sSubSup>
+                      <m:r>
+                        <a:rPr lang="en-US" altLang="zh-TW" i="1" smtClean="0">
+                          <a:latin typeface="Cambria Math" panose="02040503050406030204" pitchFamily="18" charset="0"/>
+                          <a:ea typeface="Cambria Math" panose="02040503050406030204" pitchFamily="18" charset="0"/>
+                        </a:rPr>
+                        <m:t>=</m:t>
+                      </m:r>
+                      <m:f>
+                        <m:fPr>
+                          <m:ctrlPr>
+                            <a:rPr lang="en-US" altLang="zh-TW" i="1" smtClean="0">
+                              <a:latin typeface="Cambria Math" panose="02040503050406030204" pitchFamily="18" charset="0"/>
+                              <a:ea typeface="Cambria Math" panose="02040503050406030204" pitchFamily="18" charset="0"/>
+                            </a:rPr>
+                          </m:ctrlPr>
+                        </m:fPr>
+                        <m:num>
+                          <m:r>
+                            <a:rPr lang="en-US" altLang="zh-TW" b="0" i="1" smtClean="0">
+                              <a:latin typeface="Cambria Math" panose="02040503050406030204" pitchFamily="18" charset="0"/>
+                              <a:ea typeface="Cambria Math" panose="02040503050406030204" pitchFamily="18" charset="0"/>
+                            </a:rPr>
+                            <m:t>5!</m:t>
+                          </m:r>
+                        </m:num>
+                        <m:den>
+                          <m:r>
+                            <a:rPr lang="en-US" altLang="zh-TW" b="0" i="1" smtClean="0">
+                              <a:latin typeface="Cambria Math" panose="02040503050406030204" pitchFamily="18" charset="0"/>
+                              <a:ea typeface="Cambria Math" panose="02040503050406030204" pitchFamily="18" charset="0"/>
+                            </a:rPr>
+                            <m:t>2!3!</m:t>
+                          </m:r>
+                        </m:den>
+                      </m:f>
+                      <m:r>
+                        <a:rPr lang="en-US" altLang="zh-TW" i="1" smtClean="0">
+                          <a:latin typeface="Cambria Math" panose="02040503050406030204" pitchFamily="18" charset="0"/>
+                          <a:ea typeface="Cambria Math" panose="02040503050406030204" pitchFamily="18" charset="0"/>
+                        </a:rPr>
+                        <m:t>=</m:t>
+                      </m:r>
+                      <m:r>
+                        <a:rPr lang="en-US" altLang="zh-TW" b="0" i="1" smtClean="0">
+                          <a:latin typeface="Cambria Math" panose="02040503050406030204" pitchFamily="18" charset="0"/>
+                          <a:ea typeface="Cambria Math" panose="02040503050406030204" pitchFamily="18" charset="0"/>
+                        </a:rPr>
+                        <m:t>10</m:t>
+                      </m:r>
+                    </m:oMath>
+                  </m:oMathPara>
+                </a14:m>
+                <a:endParaRPr lang="zh-TW" altLang="en-US" dirty="0"/>
+              </a:p>
+            </p:txBody>
+          </p:sp>
+        </mc:Choice>
+        <mc:Fallback>
+          <p:sp>
+            <p:nvSpPr>
+              <p:cNvPr id="5" name="文字方塊 4"/>
+              <p:cNvSpPr txBox="1">
+                <a:spLocks noRot="1" noChangeAspect="1" noMove="1" noResize="1" noEditPoints="1" noAdjustHandles="1" noChangeArrowheads="1" noChangeShapeType="1" noTextEdit="1"/>
+              </p:cNvSpPr>
+              <p:nvPr/>
+            </p:nvSpPr>
+            <p:spPr>
+              <a:xfrm>
+                <a:off x="4883276" y="5227310"/>
+                <a:ext cx="1783693" cy="618311"/>
+              </a:xfrm>
+              <a:prstGeom prst="rect">
+                <a:avLst/>
+              </a:prstGeom>
+              <a:blipFill>
+                <a:blip r:embed="rId3"/>
+                <a:stretch>
+                  <a:fillRect/>
+                </a:stretch>
+              </a:blipFill>
+            </p:spPr>
+            <p:txBody>
+              <a:bodyPr/>
+              <a:lstStyle/>
+              <a:p>
+                <a:r>
+                  <a:rPr lang="zh-TW" altLang="en-US">
+                    <a:noFill/>
+                  </a:rPr>
+                  <a:t> </a:t>
+                </a:r>
+              </a:p>
+            </p:txBody>
+          </p:sp>
+        </mc:Fallback>
+      </mc:AlternateContent>
+      <p:sp>
+        <p:nvSpPr>
+          <p:cNvPr id="6" name="弧形箭號 (上彎) 5"/>
+          <p:cNvSpPr/>
+          <p:nvPr/>
+        </p:nvSpPr>
+        <p:spPr>
+          <a:xfrm>
+            <a:off x="6336792" y="5733288"/>
+            <a:ext cx="2368296" cy="612647"/>
+          </a:xfrm>
+          <a:prstGeom prst="curvedUpArrow">
+            <a:avLst/>
+          </a:prstGeom>
+          <a:solidFill>
+            <a:srgbClr val="92278F">
+              <a:alpha val="49020"/>
+            </a:srgbClr>
+          </a:solidFill>
+          <a:ln>
+            <a:noFill/>
+          </a:ln>
+        </p:spPr>
+        <p:style>
+          <a:lnRef idx="2">
+            <a:schemeClr val="accent1">
+              <a:shade val="50000"/>
+            </a:schemeClr>
+          </a:lnRef>
+          <a:fillRef idx="1">
+            <a:schemeClr val="accent1"/>
+          </a:fillRef>
+          <a:effectRef idx="0">
+            <a:schemeClr val="accent1"/>
+          </a:effectRef>
+          <a:fontRef idx="minor">
+            <a:schemeClr val="lt1"/>
+          </a:fontRef>
+        </p:style>
+        <p:txBody>
+          <a:bodyPr rtlCol="0" anchor="ctr"/>
+          <a:lstStyle/>
+          <a:p>
+            <a:pPr algn="ctr"/>
+            <a:endParaRPr lang="zh-TW" altLang="en-US">
+              <a:solidFill>
+                <a:schemeClr val="tx1"/>
+              </a:solidFill>
+            </a:endParaRPr>
+          </a:p>
+        </p:txBody>
+      </p:sp>
+      <p:cxnSp>
+        <p:nvCxnSpPr>
+          <p:cNvPr id="8" name="直線單箭頭接點 7"/>
+          <p:cNvCxnSpPr/>
+          <p:nvPr/>
+        </p:nvCxnSpPr>
+        <p:spPr>
+          <a:xfrm>
+            <a:off x="7854696" y="4032504"/>
+            <a:ext cx="274320" cy="219456"/>
+          </a:xfrm>
+          <a:prstGeom prst="straightConnector1">
+            <a:avLst/>
+          </a:prstGeom>
+          <a:ln w="28575">
+            <a:solidFill>
+              <a:srgbClr val="FF0000"/>
+            </a:solidFill>
+            <a:tailEnd type="triangle"/>
+          </a:ln>
+        </p:spPr>
+        <p:style>
+          <a:lnRef idx="1">
+            <a:schemeClr val="accent1"/>
+          </a:lnRef>
+          <a:fillRef idx="0">
+            <a:schemeClr val="accent1"/>
+          </a:fillRef>
+          <a:effectRef idx="0">
+            <a:schemeClr val="accent1"/>
+          </a:effectRef>
+          <a:fontRef idx="minor">
+            <a:schemeClr val="tx1"/>
+          </a:fontRef>
+        </p:style>
+      </p:cxnSp>
+      <p:cxnSp>
+        <p:nvCxnSpPr>
+          <p:cNvPr id="9" name="直線單箭頭接點 8"/>
+          <p:cNvCxnSpPr/>
+          <p:nvPr/>
+        </p:nvCxnSpPr>
+        <p:spPr>
+          <a:xfrm>
+            <a:off x="7854696" y="4423866"/>
+            <a:ext cx="274320" cy="219456"/>
+          </a:xfrm>
+          <a:prstGeom prst="straightConnector1">
+            <a:avLst/>
+          </a:prstGeom>
+          <a:ln w="28575">
+            <a:solidFill>
+              <a:srgbClr val="FF0000"/>
+            </a:solidFill>
+            <a:tailEnd type="triangle"/>
+          </a:ln>
+        </p:spPr>
+        <p:style>
+          <a:lnRef idx="1">
+            <a:schemeClr val="accent1"/>
+          </a:lnRef>
+          <a:fillRef idx="0">
+            <a:schemeClr val="accent1"/>
+          </a:fillRef>
+          <a:effectRef idx="0">
+            <a:schemeClr val="accent1"/>
+          </a:effectRef>
+          <a:fontRef idx="minor">
+            <a:schemeClr val="tx1"/>
+          </a:fontRef>
+        </p:style>
+      </p:cxnSp>
+      <p:cxnSp>
+        <p:nvCxnSpPr>
+          <p:cNvPr id="10" name="直線單箭頭接點 9"/>
+          <p:cNvCxnSpPr/>
+          <p:nvPr/>
+        </p:nvCxnSpPr>
+        <p:spPr>
+          <a:xfrm>
+            <a:off x="8290029" y="4423866"/>
+            <a:ext cx="274320" cy="219456"/>
+          </a:xfrm>
+          <a:prstGeom prst="straightConnector1">
+            <a:avLst/>
+          </a:prstGeom>
+          <a:ln w="28575">
+            <a:solidFill>
+              <a:srgbClr val="FF0000"/>
+            </a:solidFill>
+            <a:tailEnd type="triangle"/>
+          </a:ln>
+        </p:spPr>
+        <p:style>
+          <a:lnRef idx="1">
+            <a:schemeClr val="accent1"/>
+          </a:lnRef>
+          <a:fillRef idx="0">
+            <a:schemeClr val="accent1"/>
+          </a:fillRef>
+          <a:effectRef idx="0">
+            <a:schemeClr val="accent1"/>
+          </a:effectRef>
+          <a:fontRef idx="minor">
+            <a:schemeClr val="tx1"/>
+          </a:fontRef>
+        </p:style>
+      </p:cxnSp>
+      <p:cxnSp>
+        <p:nvCxnSpPr>
+          <p:cNvPr id="11" name="直線單箭頭接點 10"/>
+          <p:cNvCxnSpPr/>
+          <p:nvPr/>
+        </p:nvCxnSpPr>
+        <p:spPr>
+          <a:xfrm flipH="1">
+            <a:off x="8243294" y="4032504"/>
+            <a:ext cx="6626" cy="219456"/>
+          </a:xfrm>
+          <a:prstGeom prst="straightConnector1">
+            <a:avLst/>
+          </a:prstGeom>
+          <a:ln w="28575">
+            <a:solidFill>
+              <a:srgbClr val="FF0000"/>
+            </a:solidFill>
+            <a:tailEnd type="triangle"/>
+          </a:ln>
+        </p:spPr>
+        <p:style>
+          <a:lnRef idx="1">
+            <a:schemeClr val="accent1"/>
+          </a:lnRef>
+          <a:fillRef idx="0">
+            <a:schemeClr val="accent1"/>
+          </a:fillRef>
+          <a:effectRef idx="0">
+            <a:schemeClr val="accent1"/>
+          </a:effectRef>
+          <a:fontRef idx="minor">
+            <a:schemeClr val="tx1"/>
+          </a:fontRef>
+        </p:style>
+      </p:cxnSp>
+      <p:cxnSp>
+        <p:nvCxnSpPr>
+          <p:cNvPr id="15" name="直線單箭頭接點 14"/>
+          <p:cNvCxnSpPr/>
+          <p:nvPr/>
+        </p:nvCxnSpPr>
+        <p:spPr>
+          <a:xfrm flipH="1">
+            <a:off x="8249920" y="4423866"/>
+            <a:ext cx="6626" cy="219456"/>
+          </a:xfrm>
+          <a:prstGeom prst="straightConnector1">
+            <a:avLst/>
+          </a:prstGeom>
+          <a:ln w="28575">
+            <a:solidFill>
+              <a:srgbClr val="FF0000"/>
+            </a:solidFill>
+            <a:tailEnd type="triangle"/>
+          </a:ln>
+        </p:spPr>
+        <p:style>
+          <a:lnRef idx="1">
+            <a:schemeClr val="accent1"/>
+          </a:lnRef>
+          <a:fillRef idx="0">
+            <a:schemeClr val="accent1"/>
+          </a:fillRef>
+          <a:effectRef idx="0">
+            <a:schemeClr val="accent1"/>
+          </a:effectRef>
+          <a:fontRef idx="minor">
+            <a:schemeClr val="tx1"/>
+          </a:fontRef>
+        </p:style>
+      </p:cxnSp>
+      <p:cxnSp>
+        <p:nvCxnSpPr>
+          <p:cNvPr id="16" name="直線單箭頭接點 15"/>
+          <p:cNvCxnSpPr/>
+          <p:nvPr/>
+        </p:nvCxnSpPr>
+        <p:spPr>
+          <a:xfrm flipH="1">
+            <a:off x="8638008" y="4423866"/>
+            <a:ext cx="6626" cy="219456"/>
+          </a:xfrm>
+          <a:prstGeom prst="straightConnector1">
+            <a:avLst/>
+          </a:prstGeom>
+          <a:ln w="28575">
+            <a:solidFill>
+              <a:srgbClr val="FF0000"/>
+            </a:solidFill>
+            <a:tailEnd type="triangle"/>
+          </a:ln>
+        </p:spPr>
+        <p:style>
+          <a:lnRef idx="1">
+            <a:schemeClr val="accent1"/>
+          </a:lnRef>
+          <a:fillRef idx="0">
+            <a:schemeClr val="accent1"/>
+          </a:fillRef>
+          <a:effectRef idx="0">
+            <a:schemeClr val="accent1"/>
+          </a:effectRef>
+          <a:fontRef idx="minor">
+            <a:schemeClr val="tx1"/>
+          </a:fontRef>
+        </p:style>
+      </p:cxnSp>
+      <p:sp>
+        <p:nvSpPr>
+          <p:cNvPr id="17" name="文字方塊 16"/>
+          <p:cNvSpPr txBox="1"/>
+          <p:nvPr/>
+        </p:nvSpPr>
+        <p:spPr>
+          <a:xfrm>
+            <a:off x="8459815" y="5418820"/>
+            <a:ext cx="428153" cy="307777"/>
+          </a:xfrm>
+          <a:prstGeom prst="rect">
+            <a:avLst/>
+          </a:prstGeom>
+          <a:solidFill>
+            <a:srgbClr val="FFFF00"/>
+          </a:solidFill>
+        </p:spPr>
+        <p:txBody>
+          <a:bodyPr wrap="square" rtlCol="0">
+            <a:spAutoFit/>
+          </a:bodyPr>
+          <a:lstStyle/>
+          <a:p>
+            <a:r>
+              <a:rPr lang="en-US" altLang="zh-TW" sz="1400" b="1" dirty="0" smtClean="0">
+                <a:solidFill>
+                  <a:srgbClr val="FF0000"/>
+                </a:solidFill>
+              </a:rPr>
+              <a:t>10</a:t>
+            </a:r>
+            <a:endParaRPr lang="zh-TW" altLang="en-US" sz="1400" b="1" dirty="0">
+              <a:solidFill>
+                <a:srgbClr val="FF0000"/>
+              </a:solidFill>
+            </a:endParaRPr>
+          </a:p>
+        </p:txBody>
+      </p:sp>
     </p:spTree>
     <p:extLst>
       <p:ext uri="{BB962C8B-B14F-4D97-AF65-F5344CB8AC3E}">
@@ -29421,14 +35686,2941 @@
   <p:timing>
     <p:tnLst>
       <p:par>
-        <p:cTn id="1" dur="indefinite" restart="never" nodeType="tmRoot"/>
+        <p:cTn id="1" dur="indefinite" restart="never" nodeType="tmRoot">
+          <p:childTnLst>
+            <p:seq concurrent="1" nextAc="seek">
+              <p:cTn id="2" dur="indefinite" nodeType="mainSeq">
+                <p:childTnLst>
+                  <p:par>
+                    <p:cTn id="3" fill="hold">
+                      <p:stCondLst>
+                        <p:cond delay="indefinite"/>
+                      </p:stCondLst>
+                      <p:childTnLst>
+                        <p:par>
+                          <p:cTn id="4" fill="hold">
+                            <p:stCondLst>
+                              <p:cond delay="0"/>
+                            </p:stCondLst>
+                            <p:childTnLst>
+                              <p:par>
+                                <p:cTn id="5" presetID="1" presetClass="entr" presetSubtype="0" fill="hold" nodeType="clickEffect">
+                                  <p:stCondLst>
+                                    <p:cond delay="0"/>
+                                  </p:stCondLst>
+                                  <p:childTnLst>
+                                    <p:set>
+                                      <p:cBhvr>
+                                        <p:cTn id="6" dur="1" fill="hold">
+                                          <p:stCondLst>
+                                            <p:cond delay="0"/>
+                                          </p:stCondLst>
+                                        </p:cTn>
+                                        <p:tgtEl>
+                                          <p:spTgt spid="4"/>
+                                        </p:tgtEl>
+                                        <p:attrNameLst>
+                                          <p:attrName>style.visibility</p:attrName>
+                                        </p:attrNameLst>
+                                      </p:cBhvr>
+                                      <p:to>
+                                        <p:strVal val="visible"/>
+                                      </p:to>
+                                    </p:set>
+                                  </p:childTnLst>
+                                </p:cTn>
+                              </p:par>
+                            </p:childTnLst>
+                          </p:cTn>
+                        </p:par>
+                      </p:childTnLst>
+                    </p:cTn>
+                  </p:par>
+                  <p:par>
+                    <p:cTn id="7" fill="hold">
+                      <p:stCondLst>
+                        <p:cond delay="indefinite"/>
+                      </p:stCondLst>
+                      <p:childTnLst>
+                        <p:par>
+                          <p:cTn id="8" fill="hold">
+                            <p:stCondLst>
+                              <p:cond delay="0"/>
+                            </p:stCondLst>
+                            <p:childTnLst>
+                              <p:par>
+                                <p:cTn id="9" presetID="1" presetClass="entr" presetSubtype="0" fill="hold" nodeType="clickEffect">
+                                  <p:stCondLst>
+                                    <p:cond delay="0"/>
+                                  </p:stCondLst>
+                                  <p:childTnLst>
+                                    <p:set>
+                                      <p:cBhvr>
+                                        <p:cTn id="10" dur="1" fill="hold">
+                                          <p:stCondLst>
+                                            <p:cond delay="0"/>
+                                          </p:stCondLst>
+                                        </p:cTn>
+                                        <p:tgtEl>
+                                          <p:spTgt spid="8"/>
+                                        </p:tgtEl>
+                                        <p:attrNameLst>
+                                          <p:attrName>style.visibility</p:attrName>
+                                        </p:attrNameLst>
+                                      </p:cBhvr>
+                                      <p:to>
+                                        <p:strVal val="visible"/>
+                                      </p:to>
+                                    </p:set>
+                                  </p:childTnLst>
+                                </p:cTn>
+                              </p:par>
+                              <p:par>
+                                <p:cTn id="11" presetID="1" presetClass="entr" presetSubtype="0" fill="hold" nodeType="withEffect">
+                                  <p:stCondLst>
+                                    <p:cond delay="0"/>
+                                  </p:stCondLst>
+                                  <p:childTnLst>
+                                    <p:set>
+                                      <p:cBhvr>
+                                        <p:cTn id="12" dur="1" fill="hold">
+                                          <p:stCondLst>
+                                            <p:cond delay="0"/>
+                                          </p:stCondLst>
+                                        </p:cTn>
+                                        <p:tgtEl>
+                                          <p:spTgt spid="9"/>
+                                        </p:tgtEl>
+                                        <p:attrNameLst>
+                                          <p:attrName>style.visibility</p:attrName>
+                                        </p:attrNameLst>
+                                      </p:cBhvr>
+                                      <p:to>
+                                        <p:strVal val="visible"/>
+                                      </p:to>
+                                    </p:set>
+                                  </p:childTnLst>
+                                </p:cTn>
+                              </p:par>
+                              <p:par>
+                                <p:cTn id="13" presetID="1" presetClass="entr" presetSubtype="0" fill="hold" nodeType="withEffect">
+                                  <p:stCondLst>
+                                    <p:cond delay="0"/>
+                                  </p:stCondLst>
+                                  <p:childTnLst>
+                                    <p:set>
+                                      <p:cBhvr>
+                                        <p:cTn id="14" dur="1" fill="hold">
+                                          <p:stCondLst>
+                                            <p:cond delay="0"/>
+                                          </p:stCondLst>
+                                        </p:cTn>
+                                        <p:tgtEl>
+                                          <p:spTgt spid="10"/>
+                                        </p:tgtEl>
+                                        <p:attrNameLst>
+                                          <p:attrName>style.visibility</p:attrName>
+                                        </p:attrNameLst>
+                                      </p:cBhvr>
+                                      <p:to>
+                                        <p:strVal val="visible"/>
+                                      </p:to>
+                                    </p:set>
+                                  </p:childTnLst>
+                                </p:cTn>
+                              </p:par>
+                              <p:par>
+                                <p:cTn id="15" presetID="1" presetClass="entr" presetSubtype="0" fill="hold" nodeType="withEffect">
+                                  <p:stCondLst>
+                                    <p:cond delay="0"/>
+                                  </p:stCondLst>
+                                  <p:childTnLst>
+                                    <p:set>
+                                      <p:cBhvr>
+                                        <p:cTn id="16" dur="1" fill="hold">
+                                          <p:stCondLst>
+                                            <p:cond delay="0"/>
+                                          </p:stCondLst>
+                                        </p:cTn>
+                                        <p:tgtEl>
+                                          <p:spTgt spid="11"/>
+                                        </p:tgtEl>
+                                        <p:attrNameLst>
+                                          <p:attrName>style.visibility</p:attrName>
+                                        </p:attrNameLst>
+                                      </p:cBhvr>
+                                      <p:to>
+                                        <p:strVal val="visible"/>
+                                      </p:to>
+                                    </p:set>
+                                  </p:childTnLst>
+                                </p:cTn>
+                              </p:par>
+                              <p:par>
+                                <p:cTn id="17" presetID="1" presetClass="entr" presetSubtype="0" fill="hold" nodeType="withEffect">
+                                  <p:stCondLst>
+                                    <p:cond delay="0"/>
+                                  </p:stCondLst>
+                                  <p:childTnLst>
+                                    <p:set>
+                                      <p:cBhvr>
+                                        <p:cTn id="18" dur="1" fill="hold">
+                                          <p:stCondLst>
+                                            <p:cond delay="0"/>
+                                          </p:stCondLst>
+                                        </p:cTn>
+                                        <p:tgtEl>
+                                          <p:spTgt spid="15"/>
+                                        </p:tgtEl>
+                                        <p:attrNameLst>
+                                          <p:attrName>style.visibility</p:attrName>
+                                        </p:attrNameLst>
+                                      </p:cBhvr>
+                                      <p:to>
+                                        <p:strVal val="visible"/>
+                                      </p:to>
+                                    </p:set>
+                                  </p:childTnLst>
+                                </p:cTn>
+                              </p:par>
+                              <p:par>
+                                <p:cTn id="19" presetID="1" presetClass="entr" presetSubtype="0" fill="hold" nodeType="withEffect">
+                                  <p:stCondLst>
+                                    <p:cond delay="0"/>
+                                  </p:stCondLst>
+                                  <p:childTnLst>
+                                    <p:set>
+                                      <p:cBhvr>
+                                        <p:cTn id="20" dur="1" fill="hold">
+                                          <p:stCondLst>
+                                            <p:cond delay="0"/>
+                                          </p:stCondLst>
+                                        </p:cTn>
+                                        <p:tgtEl>
+                                          <p:spTgt spid="16"/>
+                                        </p:tgtEl>
+                                        <p:attrNameLst>
+                                          <p:attrName>style.visibility</p:attrName>
+                                        </p:attrNameLst>
+                                      </p:cBhvr>
+                                      <p:to>
+                                        <p:strVal val="visible"/>
+                                      </p:to>
+                                    </p:set>
+                                  </p:childTnLst>
+                                </p:cTn>
+                              </p:par>
+                            </p:childTnLst>
+                          </p:cTn>
+                        </p:par>
+                      </p:childTnLst>
+                    </p:cTn>
+                  </p:par>
+                  <p:par>
+                    <p:cTn id="21" fill="hold">
+                      <p:stCondLst>
+                        <p:cond delay="indefinite"/>
+                      </p:stCondLst>
+                      <p:childTnLst>
+                        <p:par>
+                          <p:cTn id="22" fill="hold">
+                            <p:stCondLst>
+                              <p:cond delay="0"/>
+                            </p:stCondLst>
+                            <p:childTnLst>
+                              <p:par>
+                                <p:cTn id="23" presetID="1" presetClass="entr" presetSubtype="0" fill="hold" grpId="0" nodeType="clickEffect">
+                                  <p:stCondLst>
+                                    <p:cond delay="0"/>
+                                  </p:stCondLst>
+                                  <p:childTnLst>
+                                    <p:set>
+                                      <p:cBhvr>
+                                        <p:cTn id="24" dur="1" fill="hold">
+                                          <p:stCondLst>
+                                            <p:cond delay="0"/>
+                                          </p:stCondLst>
+                                        </p:cTn>
+                                        <p:tgtEl>
+                                          <p:spTgt spid="17"/>
+                                        </p:tgtEl>
+                                        <p:attrNameLst>
+                                          <p:attrName>style.visibility</p:attrName>
+                                        </p:attrNameLst>
+                                      </p:cBhvr>
+                                      <p:to>
+                                        <p:strVal val="visible"/>
+                                      </p:to>
+                                    </p:set>
+                                  </p:childTnLst>
+                                </p:cTn>
+                              </p:par>
+                              <p:par>
+                                <p:cTn id="25" presetID="1" presetClass="entr" presetSubtype="0" fill="hold" grpId="0" nodeType="withEffect">
+                                  <p:stCondLst>
+                                    <p:cond delay="0"/>
+                                  </p:stCondLst>
+                                  <p:childTnLst>
+                                    <p:set>
+                                      <p:cBhvr>
+                                        <p:cTn id="26" dur="1" fill="hold">
+                                          <p:stCondLst>
+                                            <p:cond delay="0"/>
+                                          </p:stCondLst>
+                                        </p:cTn>
+                                        <p:tgtEl>
+                                          <p:spTgt spid="6"/>
+                                        </p:tgtEl>
+                                        <p:attrNameLst>
+                                          <p:attrName>style.visibility</p:attrName>
+                                        </p:attrNameLst>
+                                      </p:cBhvr>
+                                      <p:to>
+                                        <p:strVal val="visible"/>
+                                      </p:to>
+                                    </p:set>
+                                  </p:childTnLst>
+                                </p:cTn>
+                              </p:par>
+                              <p:par>
+                                <p:cTn id="27" presetID="1" presetClass="entr" presetSubtype="0" fill="hold" grpId="0" nodeType="withEffect">
+                                  <p:stCondLst>
+                                    <p:cond delay="0"/>
+                                  </p:stCondLst>
+                                  <p:childTnLst>
+                                    <p:set>
+                                      <p:cBhvr>
+                                        <p:cTn id="28" dur="1" fill="hold">
+                                          <p:stCondLst>
+                                            <p:cond delay="0"/>
+                                          </p:stCondLst>
+                                        </p:cTn>
+                                        <p:tgtEl>
+                                          <p:spTgt spid="5"/>
+                                        </p:tgtEl>
+                                        <p:attrNameLst>
+                                          <p:attrName>style.visibility</p:attrName>
+                                        </p:attrNameLst>
+                                      </p:cBhvr>
+                                      <p:to>
+                                        <p:strVal val="visible"/>
+                                      </p:to>
+                                    </p:set>
+                                  </p:childTnLst>
+                                </p:cTn>
+                              </p:par>
+                            </p:childTnLst>
+                          </p:cTn>
+                        </p:par>
+                      </p:childTnLst>
+                    </p:cTn>
+                  </p:par>
+                </p:childTnLst>
+              </p:cTn>
+              <p:prevCondLst>
+                <p:cond evt="onPrev" delay="0">
+                  <p:tgtEl>
+                    <p:sldTgt/>
+                  </p:tgtEl>
+                </p:cond>
+              </p:prevCondLst>
+              <p:nextCondLst>
+                <p:cond evt="onNext" delay="0">
+                  <p:tgtEl>
+                    <p:sldTgt/>
+                  </p:tgtEl>
+                </p:cond>
+              </p:nextCondLst>
+            </p:seq>
+          </p:childTnLst>
+        </p:cTn>
       </p:par>
     </p:tnLst>
+    <p:bldLst>
+      <p:bldP spid="5" grpId="0"/>
+      <p:bldP spid="6" grpId="0" animBg="1"/>
+      <p:bldP spid="17" grpId="0" animBg="1"/>
+    </p:bldLst>
   </p:timing>
 </p:sld>
 </file>
 
 <file path=ppt/slides/slide34.xml><?xml version="1.0" encoding="utf-8"?>
+<p:sld xmlns:a="http://schemas.openxmlformats.org/drawingml/2006/main" xmlns:r="http://schemas.openxmlformats.org/officeDocument/2006/relationships" xmlns:p="http://schemas.openxmlformats.org/presentationml/2006/main">
+  <p:cSld>
+    <p:spTree>
+      <p:nvGrpSpPr>
+        <p:cNvPr id="1" name=""/>
+        <p:cNvGrpSpPr/>
+        <p:nvPr/>
+      </p:nvGrpSpPr>
+      <p:grpSpPr>
+        <a:xfrm>
+          <a:off x="0" y="0"/>
+          <a:ext cx="0" cy="0"/>
+          <a:chOff x="0" y="0"/>
+          <a:chExt cx="0" cy="0"/>
+        </a:xfrm>
+      </p:grpSpPr>
+      <p:sp>
+        <p:nvSpPr>
+          <p:cNvPr id="3" name="內容版面配置區 2"/>
+          <p:cNvSpPr>
+            <a:spLocks noGrp="1"/>
+          </p:cNvSpPr>
+          <p:nvPr>
+            <p:ph idx="1"/>
+          </p:nvPr>
+        </p:nvSpPr>
+        <p:spPr/>
+        <p:txBody>
+          <a:bodyPr>
+            <a:normAutofit lnSpcReduction="10000"/>
+          </a:bodyPr>
+          <a:lstStyle/>
+          <a:p>
+            <a:r>
+              <a:rPr lang="zh-TW" altLang="en-US" dirty="0" smtClean="0"/>
+              <a:t>電腦裡的福點數的有效數字有上限，所以我們要求小數點後第</a:t>
+            </a:r>
+            <a:r>
+              <a:rPr lang="en-US" altLang="zh-TW" dirty="0" smtClean="0"/>
+              <a:t>n</a:t>
+            </a:r>
+            <a:r>
+              <a:rPr lang="zh-TW" altLang="en-US" dirty="0" smtClean="0"/>
+              <a:t>位數需要另外想辦法計算。</a:t>
+            </a:r>
+            <a:endParaRPr lang="en-US" altLang="zh-TW" dirty="0" smtClean="0"/>
+          </a:p>
+          <a:p>
+            <a:r>
+              <a:rPr lang="zh-TW" altLang="en-US" dirty="0"/>
+              <a:t>輸入：</a:t>
+            </a:r>
+            <a:r>
+              <a:rPr lang="en-US" altLang="zh-TW" dirty="0" smtClean="0"/>
+              <a:t>n</a:t>
+            </a:r>
+          </a:p>
+          <a:p>
+            <a:r>
+              <a:rPr lang="zh-TW" altLang="en-US" dirty="0"/>
+              <a:t>輸出：</a:t>
+            </a:r>
+            <a:r>
+              <a:rPr lang="en-US" altLang="zh-TW" dirty="0"/>
+              <a:t>1/19</a:t>
+            </a:r>
+            <a:r>
+              <a:rPr lang="zh-TW" altLang="en-US" dirty="0"/>
+              <a:t>的小數點後第</a:t>
+            </a:r>
+            <a:r>
+              <a:rPr lang="en-US" altLang="zh-TW" dirty="0"/>
+              <a:t>n</a:t>
+            </a:r>
+            <a:r>
+              <a:rPr lang="zh-TW" altLang="en-US" dirty="0" smtClean="0"/>
+              <a:t>位數</a:t>
+            </a:r>
+            <a:endParaRPr lang="en-US" altLang="zh-TW" dirty="0" smtClean="0"/>
+          </a:p>
+          <a:p>
+            <a:r>
+              <a:rPr lang="zh-TW" altLang="en-US" dirty="0"/>
+              <a:t>思考</a:t>
+            </a:r>
+            <a:r>
+              <a:rPr lang="zh-TW" altLang="en-US" dirty="0" smtClean="0"/>
+              <a:t>：</a:t>
+            </a:r>
+            <a:endParaRPr lang="en-US" altLang="zh-TW" dirty="0" smtClean="0"/>
+          </a:p>
+          <a:p>
+            <a:pPr lvl="1"/>
+            <a:r>
+              <a:rPr lang="zh-TW" altLang="en-US" dirty="0"/>
+              <a:t>怎麼算小數點後第</a:t>
+            </a:r>
+            <a:r>
+              <a:rPr lang="en-US" altLang="zh-TW" dirty="0"/>
+              <a:t>1</a:t>
+            </a:r>
+            <a:r>
+              <a:rPr lang="zh-TW" altLang="en-US" dirty="0"/>
+              <a:t>位數</a:t>
+            </a:r>
+            <a:r>
+              <a:rPr lang="zh-TW" altLang="en-US" dirty="0" smtClean="0"/>
+              <a:t>？地</a:t>
+            </a:r>
+            <a:r>
+              <a:rPr lang="en-US" altLang="zh-TW" dirty="0" smtClean="0"/>
+              <a:t>2</a:t>
+            </a:r>
+            <a:r>
+              <a:rPr lang="zh-TW" altLang="en-US" dirty="0" smtClean="0"/>
+              <a:t>位數？</a:t>
+            </a:r>
+            <a:endParaRPr lang="en-US" altLang="zh-TW" dirty="0" smtClean="0"/>
+          </a:p>
+          <a:p>
+            <a:pPr lvl="1"/>
+            <a:r>
+              <a:rPr lang="zh-TW" altLang="en-US" dirty="0"/>
+              <a:t>觀察</a:t>
+            </a:r>
+            <a:r>
+              <a:rPr lang="zh-TW" altLang="en-US" dirty="0" smtClean="0"/>
+              <a:t>直</a:t>
+            </a:r>
+            <a:r>
+              <a:rPr lang="zh-TW" altLang="en-US" dirty="0"/>
+              <a:t>式</a:t>
+            </a:r>
+            <a:r>
+              <a:rPr lang="zh-TW" altLang="en-US" dirty="0" smtClean="0"/>
+              <a:t>除法。</a:t>
+            </a:r>
+            <a:endParaRPr lang="en-US" altLang="zh-TW" dirty="0" smtClean="0"/>
+          </a:p>
+          <a:p>
+            <a:pPr lvl="1"/>
+            <a:r>
+              <a:rPr lang="zh-TW" altLang="en-US" dirty="0"/>
+              <a:t>利用整數除法</a:t>
+            </a:r>
+            <a:r>
+              <a:rPr lang="zh-TW" altLang="en-US" dirty="0" smtClean="0"/>
+              <a:t>！</a:t>
+            </a:r>
+            <a:endParaRPr lang="en-US" altLang="zh-TW" dirty="0" smtClean="0"/>
+          </a:p>
+          <a:p>
+            <a:pPr lvl="1"/>
+            <a:r>
+              <a:rPr lang="zh-TW" altLang="en-US" dirty="0" smtClean="0"/>
+              <a:t>分子</a:t>
+            </a:r>
+            <a:r>
+              <a:rPr lang="en-US" altLang="zh-TW" dirty="0" smtClean="0"/>
+              <a:t>1</a:t>
+            </a:r>
+            <a:r>
+              <a:rPr lang="zh-TW" altLang="en-US" dirty="0" smtClean="0"/>
+              <a:t>先</a:t>
+            </a:r>
+            <a:r>
+              <a:rPr lang="zh-TW" altLang="en-US" dirty="0"/>
+              <a:t>乘以</a:t>
+            </a:r>
+            <a:r>
+              <a:rPr lang="en-US" altLang="zh-TW" dirty="0"/>
+              <a:t>10</a:t>
+            </a:r>
+            <a:r>
+              <a:rPr lang="zh-TW" altLang="en-US" dirty="0"/>
+              <a:t>再</a:t>
+            </a:r>
+            <a:r>
+              <a:rPr lang="zh-TW" altLang="en-US" dirty="0" smtClean="0"/>
+              <a:t>除以</a:t>
+            </a:r>
+            <a:r>
+              <a:rPr lang="en-US" altLang="zh-TW" dirty="0" smtClean="0"/>
+              <a:t>19</a:t>
+            </a:r>
+            <a:r>
+              <a:rPr lang="zh-TW" altLang="en-US" dirty="0" smtClean="0"/>
+              <a:t>得到第一位數。餘數</a:t>
+            </a:r>
+            <a:r>
+              <a:rPr lang="en-US" altLang="zh-TW" dirty="0" smtClean="0"/>
+              <a:t>10</a:t>
+            </a:r>
+            <a:r>
+              <a:rPr lang="zh-TW" altLang="en-US" dirty="0" smtClean="0"/>
+              <a:t>留到下一步驟。</a:t>
+            </a:r>
+            <a:endParaRPr lang="en-US" altLang="zh-TW" dirty="0" smtClean="0"/>
+          </a:p>
+          <a:p>
+            <a:pPr lvl="1"/>
+            <a:r>
+              <a:rPr lang="zh-TW" altLang="en-US" dirty="0" smtClean="0"/>
+              <a:t>上一步驟剩下的數再</a:t>
+            </a:r>
+            <a:r>
+              <a:rPr lang="zh-TW" altLang="en-US" dirty="0"/>
+              <a:t>乘以</a:t>
+            </a:r>
+            <a:r>
+              <a:rPr lang="en-US" altLang="zh-TW" dirty="0" smtClean="0"/>
+              <a:t>10</a:t>
+            </a:r>
+            <a:r>
+              <a:rPr lang="zh-TW" altLang="en-US" dirty="0" smtClean="0"/>
+              <a:t>，再次除以</a:t>
+            </a:r>
+            <a:r>
+              <a:rPr lang="en-US" altLang="zh-TW" dirty="0" smtClean="0"/>
+              <a:t>19</a:t>
+            </a:r>
+            <a:r>
+              <a:rPr lang="zh-TW" altLang="en-US" dirty="0" smtClean="0"/>
+              <a:t>得到第二位數。</a:t>
+            </a:r>
+            <a:r>
+              <a:rPr lang="zh-TW" altLang="en-US" dirty="0"/>
+              <a:t>餘數</a:t>
+            </a:r>
+            <a:r>
+              <a:rPr lang="en-US" altLang="zh-TW" dirty="0"/>
+              <a:t>10</a:t>
+            </a:r>
+            <a:r>
+              <a:rPr lang="zh-TW" altLang="en-US" dirty="0"/>
+              <a:t>留到下一步驟</a:t>
+            </a:r>
+            <a:r>
+              <a:rPr lang="zh-TW" altLang="en-US" dirty="0" smtClean="0"/>
+              <a:t>。</a:t>
+            </a:r>
+            <a:endParaRPr lang="en-US" altLang="zh-TW" dirty="0" smtClean="0"/>
+          </a:p>
+          <a:p>
+            <a:pPr lvl="1"/>
+            <a:r>
+              <a:rPr lang="zh-TW" altLang="en-US"/>
+              <a:t>每一</a:t>
+            </a:r>
+            <a:r>
+              <a:rPr lang="zh-TW" altLang="en-US" smtClean="0"/>
+              <a:t>位小數都存放在</a:t>
+            </a:r>
+            <a:r>
+              <a:rPr lang="zh-TW" altLang="en-US"/>
+              <a:t>陣列中。</a:t>
+            </a:r>
+            <a:endParaRPr lang="en-US" altLang="zh-TW" dirty="0"/>
+          </a:p>
+          <a:p>
+            <a:pPr lvl="1"/>
+            <a:endParaRPr lang="zh-TW" altLang="en-US" dirty="0"/>
+          </a:p>
+        </p:txBody>
+      </p:sp>
+      <p:sp>
+        <p:nvSpPr>
+          <p:cNvPr id="2" name="標題 1"/>
+          <p:cNvSpPr>
+            <a:spLocks noGrp="1"/>
+          </p:cNvSpPr>
+          <p:nvPr>
+            <p:ph type="title"/>
+          </p:nvPr>
+        </p:nvSpPr>
+        <p:spPr/>
+        <p:txBody>
+          <a:bodyPr/>
+          <a:lstStyle/>
+          <a:p>
+            <a:r>
+              <a:rPr lang="en-US" altLang="zh-TW" dirty="0" smtClean="0"/>
+              <a:t>1/19</a:t>
+            </a:r>
+            <a:r>
+              <a:rPr lang="zh-TW" altLang="en-US" dirty="0" smtClean="0"/>
+              <a:t>化為小數後的第</a:t>
+            </a:r>
+            <a:r>
+              <a:rPr lang="en-US" altLang="zh-TW" dirty="0" smtClean="0"/>
+              <a:t>n</a:t>
+            </a:r>
+            <a:r>
+              <a:rPr lang="zh-TW" altLang="en-US" dirty="0" smtClean="0"/>
+              <a:t>位數是多少？</a:t>
+            </a:r>
+            <a:endParaRPr lang="zh-TW" altLang="en-US" dirty="0"/>
+          </a:p>
+        </p:txBody>
+      </p:sp>
+      <p:grpSp>
+        <p:nvGrpSpPr>
+          <p:cNvPr id="8" name="群組 7"/>
+          <p:cNvGrpSpPr/>
+          <p:nvPr/>
+        </p:nvGrpSpPr>
+        <p:grpSpPr>
+          <a:xfrm>
+            <a:off x="7605008" y="2160589"/>
+            <a:ext cx="2139696" cy="1431036"/>
+            <a:chOff x="8293608" y="2173986"/>
+            <a:chExt cx="2139696" cy="1431036"/>
+          </a:xfrm>
+        </p:grpSpPr>
+        <p:cxnSp>
+          <p:nvCxnSpPr>
+            <p:cNvPr id="6" name="直線接點 5"/>
+            <p:cNvCxnSpPr/>
+            <p:nvPr/>
+          </p:nvCxnSpPr>
+          <p:spPr>
+            <a:xfrm>
+              <a:off x="8878824" y="2889504"/>
+              <a:ext cx="1554480" cy="0"/>
+            </a:xfrm>
+            <a:prstGeom prst="line">
+              <a:avLst/>
+            </a:prstGeom>
+            <a:ln w="19050">
+              <a:solidFill>
+                <a:schemeClr val="tx1"/>
+              </a:solidFill>
+            </a:ln>
+          </p:spPr>
+          <p:style>
+            <a:lnRef idx="1">
+              <a:schemeClr val="accent1"/>
+            </a:lnRef>
+            <a:fillRef idx="0">
+              <a:schemeClr val="accent1"/>
+            </a:fillRef>
+            <a:effectRef idx="0">
+              <a:schemeClr val="accent1"/>
+            </a:effectRef>
+            <a:fontRef idx="minor">
+              <a:schemeClr val="tx1"/>
+            </a:fontRef>
+          </p:style>
+        </p:cxnSp>
+        <p:sp>
+          <p:nvSpPr>
+            <p:cNvPr id="7" name="弧形 6"/>
+            <p:cNvSpPr/>
+            <p:nvPr/>
+          </p:nvSpPr>
+          <p:spPr>
+            <a:xfrm>
+              <a:off x="8293608" y="2173986"/>
+              <a:ext cx="576072" cy="1431036"/>
+            </a:xfrm>
+            <a:prstGeom prst="arc">
+              <a:avLst>
+                <a:gd name="adj1" fmla="val 50413"/>
+                <a:gd name="adj2" fmla="val 4473953"/>
+              </a:avLst>
+            </a:prstGeom>
+            <a:ln w="19050">
+              <a:solidFill>
+                <a:schemeClr val="tx1"/>
+              </a:solidFill>
+            </a:ln>
+          </p:spPr>
+          <p:style>
+            <a:lnRef idx="1">
+              <a:schemeClr val="accent1"/>
+            </a:lnRef>
+            <a:fillRef idx="0">
+              <a:schemeClr val="accent1"/>
+            </a:fillRef>
+            <a:effectRef idx="0">
+              <a:schemeClr val="accent1"/>
+            </a:effectRef>
+            <a:fontRef idx="minor">
+              <a:schemeClr val="tx1"/>
+            </a:fontRef>
+          </p:style>
+          <p:txBody>
+            <a:bodyPr rtlCol="0" anchor="ctr"/>
+            <a:lstStyle/>
+            <a:p>
+              <a:pPr algn="ctr"/>
+              <a:endParaRPr lang="zh-TW" altLang="en-US"/>
+            </a:p>
+          </p:txBody>
+        </p:sp>
+      </p:grpSp>
+      <p:sp>
+        <p:nvSpPr>
+          <p:cNvPr id="9" name="文字方塊 8"/>
+          <p:cNvSpPr txBox="1"/>
+          <p:nvPr/>
+        </p:nvSpPr>
+        <p:spPr>
+          <a:xfrm>
+            <a:off x="8254232" y="2959029"/>
+            <a:ext cx="319318" cy="369332"/>
+          </a:xfrm>
+          <a:prstGeom prst="rect">
+            <a:avLst/>
+          </a:prstGeom>
+          <a:noFill/>
+        </p:spPr>
+        <p:txBody>
+          <a:bodyPr wrap="none" rtlCol="0">
+            <a:spAutoFit/>
+          </a:bodyPr>
+          <a:lstStyle/>
+          <a:p>
+            <a:r>
+              <a:rPr lang="en-US" altLang="zh-TW" b="1" dirty="0" smtClean="0"/>
+              <a:t>1</a:t>
+            </a:r>
+            <a:endParaRPr lang="zh-TW" altLang="en-US" b="1" dirty="0"/>
+          </a:p>
+        </p:txBody>
+      </p:sp>
+      <p:sp>
+        <p:nvSpPr>
+          <p:cNvPr id="10" name="文字方塊 9"/>
+          <p:cNvSpPr txBox="1"/>
+          <p:nvPr/>
+        </p:nvSpPr>
+        <p:spPr>
+          <a:xfrm>
+            <a:off x="7595864" y="2959029"/>
+            <a:ext cx="453970" cy="369332"/>
+          </a:xfrm>
+          <a:prstGeom prst="rect">
+            <a:avLst/>
+          </a:prstGeom>
+          <a:noFill/>
+        </p:spPr>
+        <p:txBody>
+          <a:bodyPr wrap="none" rtlCol="0">
+            <a:spAutoFit/>
+          </a:bodyPr>
+          <a:lstStyle/>
+          <a:p>
+            <a:r>
+              <a:rPr lang="en-US" altLang="zh-TW" b="1" dirty="0" smtClean="0"/>
+              <a:t>19</a:t>
+            </a:r>
+            <a:endParaRPr lang="zh-TW" altLang="en-US" b="1" dirty="0"/>
+          </a:p>
+        </p:txBody>
+      </p:sp>
+      <p:sp>
+        <p:nvSpPr>
+          <p:cNvPr id="11" name="文字方塊 10"/>
+          <p:cNvSpPr txBox="1"/>
+          <p:nvPr/>
+        </p:nvSpPr>
+        <p:spPr>
+          <a:xfrm>
+            <a:off x="8263576" y="2506775"/>
+            <a:ext cx="404278" cy="369332"/>
+          </a:xfrm>
+          <a:prstGeom prst="rect">
+            <a:avLst/>
+          </a:prstGeom>
+          <a:noFill/>
+        </p:spPr>
+        <p:txBody>
+          <a:bodyPr wrap="none" rtlCol="0">
+            <a:spAutoFit/>
+          </a:bodyPr>
+          <a:lstStyle/>
+          <a:p>
+            <a:r>
+              <a:rPr lang="en-US" altLang="zh-TW" b="1" dirty="0" smtClean="0"/>
+              <a:t>0.</a:t>
+            </a:r>
+            <a:endParaRPr lang="zh-TW" altLang="en-US" b="1" dirty="0"/>
+          </a:p>
+        </p:txBody>
+      </p:sp>
+      <p:cxnSp>
+        <p:nvCxnSpPr>
+          <p:cNvPr id="13" name="直線接點 12"/>
+          <p:cNvCxnSpPr/>
+          <p:nvPr/>
+        </p:nvCxnSpPr>
+        <p:spPr>
+          <a:xfrm>
+            <a:off x="8190224" y="3591625"/>
+            <a:ext cx="1554480" cy="0"/>
+          </a:xfrm>
+          <a:prstGeom prst="line">
+            <a:avLst/>
+          </a:prstGeom>
+          <a:ln w="19050">
+            <a:solidFill>
+              <a:schemeClr val="tx1"/>
+            </a:solidFill>
+          </a:ln>
+        </p:spPr>
+        <p:style>
+          <a:lnRef idx="1">
+            <a:schemeClr val="accent1"/>
+          </a:lnRef>
+          <a:fillRef idx="0">
+            <a:schemeClr val="accent1"/>
+          </a:fillRef>
+          <a:effectRef idx="0">
+            <a:schemeClr val="accent1"/>
+          </a:effectRef>
+          <a:fontRef idx="minor">
+            <a:schemeClr val="tx1"/>
+          </a:fontRef>
+        </p:style>
+      </p:cxnSp>
+      <p:sp>
+        <p:nvSpPr>
+          <p:cNvPr id="15" name="文字方塊 14"/>
+          <p:cNvSpPr txBox="1"/>
+          <p:nvPr/>
+        </p:nvSpPr>
+        <p:spPr>
+          <a:xfrm>
+            <a:off x="8263576" y="3226616"/>
+            <a:ext cx="319318" cy="369332"/>
+          </a:xfrm>
+          <a:prstGeom prst="rect">
+            <a:avLst/>
+          </a:prstGeom>
+          <a:noFill/>
+        </p:spPr>
+        <p:txBody>
+          <a:bodyPr wrap="none" rtlCol="0">
+            <a:spAutoFit/>
+          </a:bodyPr>
+          <a:lstStyle/>
+          <a:p>
+            <a:r>
+              <a:rPr lang="en-US" altLang="zh-TW" b="1" dirty="0" smtClean="0"/>
+              <a:t>0</a:t>
+            </a:r>
+            <a:endParaRPr lang="zh-TW" altLang="en-US" b="1" dirty="0"/>
+          </a:p>
+        </p:txBody>
+      </p:sp>
+      <p:sp>
+        <p:nvSpPr>
+          <p:cNvPr id="16" name="文字方塊 15"/>
+          <p:cNvSpPr txBox="1"/>
+          <p:nvPr/>
+        </p:nvSpPr>
+        <p:spPr>
+          <a:xfrm>
+            <a:off x="8263576" y="3617841"/>
+            <a:ext cx="319318" cy="369332"/>
+          </a:xfrm>
+          <a:prstGeom prst="rect">
+            <a:avLst/>
+          </a:prstGeom>
+          <a:noFill/>
+        </p:spPr>
+        <p:txBody>
+          <a:bodyPr wrap="none" rtlCol="0">
+            <a:spAutoFit/>
+          </a:bodyPr>
+          <a:lstStyle/>
+          <a:p>
+            <a:r>
+              <a:rPr lang="en-US" altLang="zh-TW" b="1" dirty="0" smtClean="0"/>
+              <a:t>1</a:t>
+            </a:r>
+            <a:endParaRPr lang="zh-TW" altLang="en-US" b="1" dirty="0"/>
+          </a:p>
+        </p:txBody>
+      </p:sp>
+      <p:sp>
+        <p:nvSpPr>
+          <p:cNvPr id="17" name="文字方塊 16"/>
+          <p:cNvSpPr txBox="1"/>
+          <p:nvPr/>
+        </p:nvSpPr>
+        <p:spPr>
+          <a:xfrm>
+            <a:off x="8483115" y="3617841"/>
+            <a:ext cx="319318" cy="369332"/>
+          </a:xfrm>
+          <a:prstGeom prst="rect">
+            <a:avLst/>
+          </a:prstGeom>
+          <a:noFill/>
+        </p:spPr>
+        <p:txBody>
+          <a:bodyPr wrap="none" rtlCol="0">
+            <a:spAutoFit/>
+          </a:bodyPr>
+          <a:lstStyle/>
+          <a:p>
+            <a:r>
+              <a:rPr lang="en-US" altLang="zh-TW" b="1" dirty="0" smtClean="0">
+                <a:solidFill>
+                  <a:srgbClr val="FF0000"/>
+                </a:solidFill>
+              </a:rPr>
+              <a:t>0</a:t>
+            </a:r>
+            <a:endParaRPr lang="zh-TW" altLang="en-US" b="1" dirty="0">
+              <a:solidFill>
+                <a:srgbClr val="FF0000"/>
+              </a:solidFill>
+            </a:endParaRPr>
+          </a:p>
+        </p:txBody>
+      </p:sp>
+      <p:sp>
+        <p:nvSpPr>
+          <p:cNvPr id="18" name="文字方塊 17"/>
+          <p:cNvSpPr txBox="1"/>
+          <p:nvPr/>
+        </p:nvSpPr>
+        <p:spPr>
+          <a:xfrm>
+            <a:off x="8483115" y="2502453"/>
+            <a:ext cx="319318" cy="369332"/>
+          </a:xfrm>
+          <a:prstGeom prst="rect">
+            <a:avLst/>
+          </a:prstGeom>
+          <a:noFill/>
+        </p:spPr>
+        <p:txBody>
+          <a:bodyPr wrap="none" rtlCol="0">
+            <a:spAutoFit/>
+          </a:bodyPr>
+          <a:lstStyle/>
+          <a:p>
+            <a:r>
+              <a:rPr lang="en-US" altLang="zh-TW" b="1" dirty="0" smtClean="0"/>
+              <a:t>0</a:t>
+            </a:r>
+            <a:endParaRPr lang="zh-TW" altLang="en-US" b="1" dirty="0"/>
+          </a:p>
+        </p:txBody>
+      </p:sp>
+      <p:sp>
+        <p:nvSpPr>
+          <p:cNvPr id="19" name="文字方塊 18"/>
+          <p:cNvSpPr txBox="1"/>
+          <p:nvPr/>
+        </p:nvSpPr>
+        <p:spPr>
+          <a:xfrm>
+            <a:off x="8483564" y="3863535"/>
+            <a:ext cx="319318" cy="369332"/>
+          </a:xfrm>
+          <a:prstGeom prst="rect">
+            <a:avLst/>
+          </a:prstGeom>
+          <a:noFill/>
+        </p:spPr>
+        <p:txBody>
+          <a:bodyPr wrap="none" rtlCol="0">
+            <a:spAutoFit/>
+          </a:bodyPr>
+          <a:lstStyle/>
+          <a:p>
+            <a:r>
+              <a:rPr lang="en-US" altLang="zh-TW" b="1" dirty="0" smtClean="0"/>
+              <a:t>0</a:t>
+            </a:r>
+            <a:endParaRPr lang="zh-TW" altLang="en-US" b="1" dirty="0"/>
+          </a:p>
+        </p:txBody>
+      </p:sp>
+      <p:cxnSp>
+        <p:nvCxnSpPr>
+          <p:cNvPr id="20" name="直線接點 19"/>
+          <p:cNvCxnSpPr/>
+          <p:nvPr/>
+        </p:nvCxnSpPr>
+        <p:spPr>
+          <a:xfrm>
+            <a:off x="8181080" y="4236996"/>
+            <a:ext cx="1554480" cy="0"/>
+          </a:xfrm>
+          <a:prstGeom prst="line">
+            <a:avLst/>
+          </a:prstGeom>
+          <a:ln w="19050">
+            <a:solidFill>
+              <a:schemeClr val="tx1"/>
+            </a:solidFill>
+          </a:ln>
+        </p:spPr>
+        <p:style>
+          <a:lnRef idx="1">
+            <a:schemeClr val="accent1"/>
+          </a:lnRef>
+          <a:fillRef idx="0">
+            <a:schemeClr val="accent1"/>
+          </a:fillRef>
+          <a:effectRef idx="0">
+            <a:schemeClr val="accent1"/>
+          </a:effectRef>
+          <a:fontRef idx="minor">
+            <a:schemeClr val="tx1"/>
+          </a:fontRef>
+        </p:style>
+      </p:cxnSp>
+      <p:cxnSp>
+        <p:nvCxnSpPr>
+          <p:cNvPr id="21" name="直線接點 20"/>
+          <p:cNvCxnSpPr/>
+          <p:nvPr/>
+        </p:nvCxnSpPr>
+        <p:spPr>
+          <a:xfrm>
+            <a:off x="8181080" y="4902628"/>
+            <a:ext cx="1554480" cy="0"/>
+          </a:xfrm>
+          <a:prstGeom prst="line">
+            <a:avLst/>
+          </a:prstGeom>
+          <a:ln w="19050">
+            <a:solidFill>
+              <a:schemeClr val="tx1"/>
+            </a:solidFill>
+          </a:ln>
+        </p:spPr>
+        <p:style>
+          <a:lnRef idx="1">
+            <a:schemeClr val="accent1"/>
+          </a:lnRef>
+          <a:fillRef idx="0">
+            <a:schemeClr val="accent1"/>
+          </a:fillRef>
+          <a:effectRef idx="0">
+            <a:schemeClr val="accent1"/>
+          </a:effectRef>
+          <a:fontRef idx="minor">
+            <a:schemeClr val="tx1"/>
+          </a:fontRef>
+        </p:style>
+      </p:cxnSp>
+      <p:sp>
+        <p:nvSpPr>
+          <p:cNvPr id="22" name="文字方塊 21"/>
+          <p:cNvSpPr txBox="1"/>
+          <p:nvPr/>
+        </p:nvSpPr>
+        <p:spPr>
+          <a:xfrm>
+            <a:off x="8483115" y="4258889"/>
+            <a:ext cx="319318" cy="369332"/>
+          </a:xfrm>
+          <a:prstGeom prst="rect">
+            <a:avLst/>
+          </a:prstGeom>
+          <a:noFill/>
+        </p:spPr>
+        <p:txBody>
+          <a:bodyPr wrap="none" rtlCol="0">
+            <a:spAutoFit/>
+          </a:bodyPr>
+          <a:lstStyle/>
+          <a:p>
+            <a:r>
+              <a:rPr lang="en-US" altLang="zh-TW" b="1" dirty="0" smtClean="0"/>
+              <a:t>0</a:t>
+            </a:r>
+            <a:endParaRPr lang="zh-TW" altLang="en-US" b="1" dirty="0"/>
+          </a:p>
+        </p:txBody>
+      </p:sp>
+      <p:sp>
+        <p:nvSpPr>
+          <p:cNvPr id="23" name="文字方塊 22"/>
+          <p:cNvSpPr txBox="1"/>
+          <p:nvPr/>
+        </p:nvSpPr>
+        <p:spPr>
+          <a:xfrm>
+            <a:off x="8258843" y="4263211"/>
+            <a:ext cx="319318" cy="369332"/>
+          </a:xfrm>
+          <a:prstGeom prst="rect">
+            <a:avLst/>
+          </a:prstGeom>
+          <a:noFill/>
+        </p:spPr>
+        <p:txBody>
+          <a:bodyPr wrap="none" rtlCol="0">
+            <a:spAutoFit/>
+          </a:bodyPr>
+          <a:lstStyle/>
+          <a:p>
+            <a:r>
+              <a:rPr lang="en-US" altLang="zh-TW" b="1" dirty="0" smtClean="0"/>
+              <a:t>1</a:t>
+            </a:r>
+            <a:endParaRPr lang="zh-TW" altLang="en-US" b="1" dirty="0"/>
+          </a:p>
+        </p:txBody>
+      </p:sp>
+      <p:sp>
+        <p:nvSpPr>
+          <p:cNvPr id="24" name="文字方塊 23"/>
+          <p:cNvSpPr txBox="1"/>
+          <p:nvPr/>
+        </p:nvSpPr>
+        <p:spPr>
+          <a:xfrm>
+            <a:off x="8717860" y="4263211"/>
+            <a:ext cx="319318" cy="369332"/>
+          </a:xfrm>
+          <a:prstGeom prst="rect">
+            <a:avLst/>
+          </a:prstGeom>
+          <a:noFill/>
+        </p:spPr>
+        <p:txBody>
+          <a:bodyPr wrap="none" rtlCol="0">
+            <a:spAutoFit/>
+          </a:bodyPr>
+          <a:lstStyle/>
+          <a:p>
+            <a:r>
+              <a:rPr lang="en-US" altLang="zh-TW" b="1" dirty="0" smtClean="0">
+                <a:solidFill>
+                  <a:srgbClr val="FF0000"/>
+                </a:solidFill>
+              </a:rPr>
+              <a:t>0</a:t>
+            </a:r>
+            <a:endParaRPr lang="zh-TW" altLang="en-US" b="1" dirty="0">
+              <a:solidFill>
+                <a:srgbClr val="FF0000"/>
+              </a:solidFill>
+            </a:endParaRPr>
+          </a:p>
+        </p:txBody>
+      </p:sp>
+      <p:sp>
+        <p:nvSpPr>
+          <p:cNvPr id="25" name="文字方塊 24"/>
+          <p:cNvSpPr txBox="1"/>
+          <p:nvPr/>
+        </p:nvSpPr>
+        <p:spPr>
+          <a:xfrm>
+            <a:off x="8717860" y="2506775"/>
+            <a:ext cx="319318" cy="369332"/>
+          </a:xfrm>
+          <a:prstGeom prst="rect">
+            <a:avLst/>
+          </a:prstGeom>
+          <a:noFill/>
+        </p:spPr>
+        <p:txBody>
+          <a:bodyPr wrap="none" rtlCol="0">
+            <a:spAutoFit/>
+          </a:bodyPr>
+          <a:lstStyle/>
+          <a:p>
+            <a:r>
+              <a:rPr lang="en-US" altLang="zh-TW" b="1" dirty="0" smtClean="0"/>
+              <a:t>5</a:t>
+            </a:r>
+            <a:endParaRPr lang="zh-TW" altLang="en-US" b="1" dirty="0"/>
+          </a:p>
+        </p:txBody>
+      </p:sp>
+      <p:sp>
+        <p:nvSpPr>
+          <p:cNvPr id="26" name="文字方塊 25"/>
+          <p:cNvSpPr txBox="1"/>
+          <p:nvPr/>
+        </p:nvSpPr>
+        <p:spPr>
+          <a:xfrm>
+            <a:off x="8485257" y="4520023"/>
+            <a:ext cx="319318" cy="369332"/>
+          </a:xfrm>
+          <a:prstGeom prst="rect">
+            <a:avLst/>
+          </a:prstGeom>
+          <a:noFill/>
+        </p:spPr>
+        <p:txBody>
+          <a:bodyPr wrap="none" rtlCol="0">
+            <a:spAutoFit/>
+          </a:bodyPr>
+          <a:lstStyle/>
+          <a:p>
+            <a:r>
+              <a:rPr lang="en-US" altLang="zh-TW" b="1" dirty="0" smtClean="0"/>
+              <a:t>9</a:t>
+            </a:r>
+            <a:endParaRPr lang="zh-TW" altLang="en-US" b="1" dirty="0"/>
+          </a:p>
+        </p:txBody>
+      </p:sp>
+      <p:sp>
+        <p:nvSpPr>
+          <p:cNvPr id="27" name="文字方塊 26"/>
+          <p:cNvSpPr txBox="1"/>
+          <p:nvPr/>
+        </p:nvSpPr>
+        <p:spPr>
+          <a:xfrm>
+            <a:off x="8721647" y="4520023"/>
+            <a:ext cx="319318" cy="369332"/>
+          </a:xfrm>
+          <a:prstGeom prst="rect">
+            <a:avLst/>
+          </a:prstGeom>
+          <a:noFill/>
+        </p:spPr>
+        <p:txBody>
+          <a:bodyPr wrap="none" rtlCol="0">
+            <a:spAutoFit/>
+          </a:bodyPr>
+          <a:lstStyle/>
+          <a:p>
+            <a:r>
+              <a:rPr lang="en-US" altLang="zh-TW" b="1" dirty="0" smtClean="0"/>
+              <a:t>5</a:t>
+            </a:r>
+            <a:endParaRPr lang="zh-TW" altLang="en-US" b="1" dirty="0"/>
+          </a:p>
+        </p:txBody>
+      </p:sp>
+      <p:sp>
+        <p:nvSpPr>
+          <p:cNvPr id="28" name="文字方塊 27"/>
+          <p:cNvSpPr txBox="1"/>
+          <p:nvPr/>
+        </p:nvSpPr>
+        <p:spPr>
+          <a:xfrm>
+            <a:off x="8721647" y="4900198"/>
+            <a:ext cx="319318" cy="369332"/>
+          </a:xfrm>
+          <a:prstGeom prst="rect">
+            <a:avLst/>
+          </a:prstGeom>
+          <a:noFill/>
+        </p:spPr>
+        <p:txBody>
+          <a:bodyPr wrap="none" rtlCol="0">
+            <a:spAutoFit/>
+          </a:bodyPr>
+          <a:lstStyle/>
+          <a:p>
+            <a:r>
+              <a:rPr lang="en-US" altLang="zh-TW" b="1" dirty="0" smtClean="0"/>
+              <a:t>5</a:t>
+            </a:r>
+            <a:endParaRPr lang="zh-TW" altLang="en-US" b="1" dirty="0"/>
+          </a:p>
+        </p:txBody>
+      </p:sp>
+      <p:sp>
+        <p:nvSpPr>
+          <p:cNvPr id="29" name="文字方塊 28"/>
+          <p:cNvSpPr txBox="1"/>
+          <p:nvPr/>
+        </p:nvSpPr>
+        <p:spPr>
+          <a:xfrm>
+            <a:off x="8957315" y="4898983"/>
+            <a:ext cx="319318" cy="369332"/>
+          </a:xfrm>
+          <a:prstGeom prst="rect">
+            <a:avLst/>
+          </a:prstGeom>
+          <a:noFill/>
+        </p:spPr>
+        <p:txBody>
+          <a:bodyPr wrap="none" rtlCol="0">
+            <a:spAutoFit/>
+          </a:bodyPr>
+          <a:lstStyle/>
+          <a:p>
+            <a:r>
+              <a:rPr lang="en-US" altLang="zh-TW" b="1" dirty="0" smtClean="0">
+                <a:solidFill>
+                  <a:srgbClr val="FF0000"/>
+                </a:solidFill>
+              </a:rPr>
+              <a:t>0</a:t>
+            </a:r>
+            <a:endParaRPr lang="zh-TW" altLang="en-US" b="1" dirty="0">
+              <a:solidFill>
+                <a:srgbClr val="FF0000"/>
+              </a:solidFill>
+            </a:endParaRPr>
+          </a:p>
+        </p:txBody>
+      </p:sp>
+      <p:sp>
+        <p:nvSpPr>
+          <p:cNvPr id="30" name="文字方塊 29"/>
+          <p:cNvSpPr txBox="1"/>
+          <p:nvPr/>
+        </p:nvSpPr>
+        <p:spPr>
+          <a:xfrm>
+            <a:off x="8955736" y="2500398"/>
+            <a:ext cx="319318" cy="369332"/>
+          </a:xfrm>
+          <a:prstGeom prst="rect">
+            <a:avLst/>
+          </a:prstGeom>
+          <a:noFill/>
+        </p:spPr>
+        <p:txBody>
+          <a:bodyPr wrap="none" rtlCol="0">
+            <a:spAutoFit/>
+          </a:bodyPr>
+          <a:lstStyle/>
+          <a:p>
+            <a:r>
+              <a:rPr lang="en-US" altLang="zh-TW" b="1" dirty="0" smtClean="0"/>
+              <a:t>2</a:t>
+            </a:r>
+            <a:endParaRPr lang="zh-TW" altLang="en-US" b="1" dirty="0"/>
+          </a:p>
+        </p:txBody>
+      </p:sp>
+      <p:sp>
+        <p:nvSpPr>
+          <p:cNvPr id="31" name="文字方塊 30"/>
+          <p:cNvSpPr txBox="1"/>
+          <p:nvPr/>
+        </p:nvSpPr>
+        <p:spPr>
+          <a:xfrm>
+            <a:off x="8717860" y="5146167"/>
+            <a:ext cx="319318" cy="369332"/>
+          </a:xfrm>
+          <a:prstGeom prst="rect">
+            <a:avLst/>
+          </a:prstGeom>
+          <a:noFill/>
+        </p:spPr>
+        <p:txBody>
+          <a:bodyPr wrap="none" rtlCol="0">
+            <a:spAutoFit/>
+          </a:bodyPr>
+          <a:lstStyle/>
+          <a:p>
+            <a:r>
+              <a:rPr lang="en-US" altLang="zh-TW" b="1" dirty="0" smtClean="0"/>
+              <a:t>3</a:t>
+            </a:r>
+            <a:endParaRPr lang="zh-TW" altLang="en-US" b="1" dirty="0"/>
+          </a:p>
+        </p:txBody>
+      </p:sp>
+      <p:sp>
+        <p:nvSpPr>
+          <p:cNvPr id="32" name="文字方塊 31"/>
+          <p:cNvSpPr txBox="1"/>
+          <p:nvPr/>
+        </p:nvSpPr>
+        <p:spPr>
+          <a:xfrm>
+            <a:off x="8955741" y="5151546"/>
+            <a:ext cx="319318" cy="369332"/>
+          </a:xfrm>
+          <a:prstGeom prst="rect">
+            <a:avLst/>
+          </a:prstGeom>
+          <a:noFill/>
+        </p:spPr>
+        <p:txBody>
+          <a:bodyPr wrap="none" rtlCol="0">
+            <a:spAutoFit/>
+          </a:bodyPr>
+          <a:lstStyle/>
+          <a:p>
+            <a:r>
+              <a:rPr lang="en-US" altLang="zh-TW" b="1" dirty="0" smtClean="0"/>
+              <a:t>8</a:t>
+            </a:r>
+            <a:endParaRPr lang="zh-TW" altLang="en-US" b="1" dirty="0"/>
+          </a:p>
+        </p:txBody>
+      </p:sp>
+      <p:cxnSp>
+        <p:nvCxnSpPr>
+          <p:cNvPr id="33" name="直線接點 32"/>
+          <p:cNvCxnSpPr/>
+          <p:nvPr/>
+        </p:nvCxnSpPr>
+        <p:spPr>
+          <a:xfrm>
+            <a:off x="8190224" y="5495607"/>
+            <a:ext cx="1554480" cy="0"/>
+          </a:xfrm>
+          <a:prstGeom prst="line">
+            <a:avLst/>
+          </a:prstGeom>
+          <a:ln w="19050">
+            <a:solidFill>
+              <a:schemeClr val="tx1"/>
+            </a:solidFill>
+          </a:ln>
+        </p:spPr>
+        <p:style>
+          <a:lnRef idx="1">
+            <a:schemeClr val="accent1"/>
+          </a:lnRef>
+          <a:fillRef idx="0">
+            <a:schemeClr val="accent1"/>
+          </a:fillRef>
+          <a:effectRef idx="0">
+            <a:schemeClr val="accent1"/>
+          </a:effectRef>
+          <a:fontRef idx="minor">
+            <a:schemeClr val="tx1"/>
+          </a:fontRef>
+        </p:style>
+      </p:cxnSp>
+      <p:sp>
+        <p:nvSpPr>
+          <p:cNvPr id="34" name="文字方塊 33"/>
+          <p:cNvSpPr txBox="1"/>
+          <p:nvPr/>
+        </p:nvSpPr>
+        <p:spPr>
+          <a:xfrm>
+            <a:off x="8721647" y="5511417"/>
+            <a:ext cx="319318" cy="369332"/>
+          </a:xfrm>
+          <a:prstGeom prst="rect">
+            <a:avLst/>
+          </a:prstGeom>
+          <a:noFill/>
+        </p:spPr>
+        <p:txBody>
+          <a:bodyPr wrap="none" rtlCol="0">
+            <a:spAutoFit/>
+          </a:bodyPr>
+          <a:lstStyle/>
+          <a:p>
+            <a:r>
+              <a:rPr lang="en-US" altLang="zh-TW" b="1" dirty="0" smtClean="0"/>
+              <a:t>1</a:t>
+            </a:r>
+            <a:endParaRPr lang="zh-TW" altLang="en-US" b="1" dirty="0"/>
+          </a:p>
+        </p:txBody>
+      </p:sp>
+      <p:sp>
+        <p:nvSpPr>
+          <p:cNvPr id="35" name="文字方塊 34"/>
+          <p:cNvSpPr txBox="1"/>
+          <p:nvPr/>
+        </p:nvSpPr>
+        <p:spPr>
+          <a:xfrm>
+            <a:off x="8959528" y="5511417"/>
+            <a:ext cx="319318" cy="369332"/>
+          </a:xfrm>
+          <a:prstGeom prst="rect">
+            <a:avLst/>
+          </a:prstGeom>
+          <a:noFill/>
+        </p:spPr>
+        <p:txBody>
+          <a:bodyPr wrap="none" rtlCol="0">
+            <a:spAutoFit/>
+          </a:bodyPr>
+          <a:lstStyle/>
+          <a:p>
+            <a:r>
+              <a:rPr lang="en-US" altLang="zh-TW" b="1" dirty="0" smtClean="0"/>
+              <a:t>2</a:t>
+            </a:r>
+            <a:endParaRPr lang="zh-TW" altLang="en-US" b="1" dirty="0"/>
+          </a:p>
+        </p:txBody>
+      </p:sp>
+      <p:sp>
+        <p:nvSpPr>
+          <p:cNvPr id="36" name="文字方塊 35"/>
+          <p:cNvSpPr txBox="1"/>
+          <p:nvPr/>
+        </p:nvSpPr>
+        <p:spPr>
+          <a:xfrm>
+            <a:off x="9235287" y="5516417"/>
+            <a:ext cx="319318" cy="369332"/>
+          </a:xfrm>
+          <a:prstGeom prst="rect">
+            <a:avLst/>
+          </a:prstGeom>
+          <a:noFill/>
+        </p:spPr>
+        <p:txBody>
+          <a:bodyPr wrap="none" rtlCol="0">
+            <a:spAutoFit/>
+          </a:bodyPr>
+          <a:lstStyle/>
+          <a:p>
+            <a:r>
+              <a:rPr lang="en-US" altLang="zh-TW" b="1" dirty="0" smtClean="0">
+                <a:solidFill>
+                  <a:srgbClr val="FF0000"/>
+                </a:solidFill>
+              </a:rPr>
+              <a:t>0</a:t>
+            </a:r>
+            <a:endParaRPr lang="zh-TW" altLang="en-US" b="1" dirty="0">
+              <a:solidFill>
+                <a:srgbClr val="FF0000"/>
+              </a:solidFill>
+            </a:endParaRPr>
+          </a:p>
+        </p:txBody>
+      </p:sp>
+      <p:sp>
+        <p:nvSpPr>
+          <p:cNvPr id="38" name="圓角矩形圖說文字 37"/>
+          <p:cNvSpPr/>
+          <p:nvPr/>
+        </p:nvSpPr>
+        <p:spPr>
+          <a:xfrm>
+            <a:off x="9827200" y="2437534"/>
+            <a:ext cx="821094" cy="532051"/>
+          </a:xfrm>
+          <a:prstGeom prst="wedgeRoundRectCallout">
+            <a:avLst>
+              <a:gd name="adj1" fmla="val -114452"/>
+              <a:gd name="adj2" fmla="val 2874"/>
+              <a:gd name="adj3" fmla="val 16667"/>
+            </a:avLst>
+          </a:prstGeom>
+        </p:spPr>
+        <p:style>
+          <a:lnRef idx="2">
+            <a:schemeClr val="accent1">
+              <a:shade val="50000"/>
+            </a:schemeClr>
+          </a:lnRef>
+          <a:fillRef idx="1">
+            <a:schemeClr val="accent1"/>
+          </a:fillRef>
+          <a:effectRef idx="0">
+            <a:schemeClr val="accent1"/>
+          </a:effectRef>
+          <a:fontRef idx="minor">
+            <a:schemeClr val="lt1"/>
+          </a:fontRef>
+        </p:style>
+        <p:txBody>
+          <a:bodyPr rtlCol="0" anchor="ctr"/>
+          <a:lstStyle/>
+          <a:p>
+            <a:pPr algn="ctr"/>
+            <a:r>
+              <a:rPr lang="zh-TW" altLang="en-US" dirty="0" smtClean="0"/>
+              <a:t>商數</a:t>
+            </a:r>
+            <a:endParaRPr lang="zh-TW" altLang="en-US" dirty="0"/>
+          </a:p>
+        </p:txBody>
+      </p:sp>
+      <p:sp>
+        <p:nvSpPr>
+          <p:cNvPr id="39" name="圓角矩形圖說文字 38"/>
+          <p:cNvSpPr/>
+          <p:nvPr/>
+        </p:nvSpPr>
+        <p:spPr>
+          <a:xfrm>
+            <a:off x="9866588" y="3568924"/>
+            <a:ext cx="1078220" cy="532051"/>
+          </a:xfrm>
+          <a:prstGeom prst="wedgeRoundRectCallout">
+            <a:avLst>
+              <a:gd name="adj1" fmla="val -141419"/>
+              <a:gd name="adj2" fmla="val -5895"/>
+              <a:gd name="adj3" fmla="val 16667"/>
+            </a:avLst>
+          </a:prstGeom>
+        </p:spPr>
+        <p:style>
+          <a:lnRef idx="2">
+            <a:schemeClr val="accent1">
+              <a:shade val="50000"/>
+            </a:schemeClr>
+          </a:lnRef>
+          <a:fillRef idx="1">
+            <a:schemeClr val="accent1"/>
+          </a:fillRef>
+          <a:effectRef idx="0">
+            <a:schemeClr val="accent1"/>
+          </a:effectRef>
+          <a:fontRef idx="minor">
+            <a:schemeClr val="lt1"/>
+          </a:fontRef>
+        </p:style>
+        <p:txBody>
+          <a:bodyPr rtlCol="0" anchor="ctr"/>
+          <a:lstStyle/>
+          <a:p>
+            <a:pPr algn="ctr"/>
+            <a:r>
+              <a:rPr lang="zh-TW" altLang="en-US" dirty="0" smtClean="0"/>
+              <a:t>餘數</a:t>
+            </a:r>
+            <a:r>
+              <a:rPr lang="en-US" altLang="zh-TW" dirty="0" smtClean="0"/>
+              <a:t>x10</a:t>
+            </a:r>
+            <a:endParaRPr lang="zh-TW" altLang="en-US" dirty="0"/>
+          </a:p>
+        </p:txBody>
+      </p:sp>
+      <p:sp>
+        <p:nvSpPr>
+          <p:cNvPr id="40" name="圓角矩形圖說文字 39"/>
+          <p:cNvSpPr/>
+          <p:nvPr/>
+        </p:nvSpPr>
+        <p:spPr>
+          <a:xfrm>
+            <a:off x="9866588" y="4232867"/>
+            <a:ext cx="1078220" cy="532051"/>
+          </a:xfrm>
+          <a:prstGeom prst="wedgeRoundRectCallout">
+            <a:avLst>
+              <a:gd name="adj1" fmla="val -118919"/>
+              <a:gd name="adj2" fmla="val -9402"/>
+              <a:gd name="adj3" fmla="val 16667"/>
+            </a:avLst>
+          </a:prstGeom>
+        </p:spPr>
+        <p:style>
+          <a:lnRef idx="2">
+            <a:schemeClr val="accent1">
+              <a:shade val="50000"/>
+            </a:schemeClr>
+          </a:lnRef>
+          <a:fillRef idx="1">
+            <a:schemeClr val="accent1"/>
+          </a:fillRef>
+          <a:effectRef idx="0">
+            <a:schemeClr val="accent1"/>
+          </a:effectRef>
+          <a:fontRef idx="minor">
+            <a:schemeClr val="lt1"/>
+          </a:fontRef>
+        </p:style>
+        <p:txBody>
+          <a:bodyPr rtlCol="0" anchor="ctr"/>
+          <a:lstStyle/>
+          <a:p>
+            <a:pPr algn="ctr"/>
+            <a:r>
+              <a:rPr lang="zh-TW" altLang="en-US" dirty="0" smtClean="0"/>
+              <a:t>餘數</a:t>
+            </a:r>
+            <a:r>
+              <a:rPr lang="en-US" altLang="zh-TW" dirty="0" smtClean="0"/>
+              <a:t>x10</a:t>
+            </a:r>
+            <a:endParaRPr lang="zh-TW" altLang="en-US" dirty="0"/>
+          </a:p>
+        </p:txBody>
+      </p:sp>
+      <p:sp>
+        <p:nvSpPr>
+          <p:cNvPr id="41" name="圓角矩形圖說文字 40"/>
+          <p:cNvSpPr/>
+          <p:nvPr/>
+        </p:nvSpPr>
+        <p:spPr>
+          <a:xfrm>
+            <a:off x="9879046" y="4889355"/>
+            <a:ext cx="1078220" cy="532051"/>
+          </a:xfrm>
+          <a:prstGeom prst="wedgeRoundRectCallout">
+            <a:avLst>
+              <a:gd name="adj1" fmla="val -103343"/>
+              <a:gd name="adj2" fmla="val -11156"/>
+              <a:gd name="adj3" fmla="val 16667"/>
+            </a:avLst>
+          </a:prstGeom>
+        </p:spPr>
+        <p:style>
+          <a:lnRef idx="2">
+            <a:schemeClr val="accent1">
+              <a:shade val="50000"/>
+            </a:schemeClr>
+          </a:lnRef>
+          <a:fillRef idx="1">
+            <a:schemeClr val="accent1"/>
+          </a:fillRef>
+          <a:effectRef idx="0">
+            <a:schemeClr val="accent1"/>
+          </a:effectRef>
+          <a:fontRef idx="minor">
+            <a:schemeClr val="lt1"/>
+          </a:fontRef>
+        </p:style>
+        <p:txBody>
+          <a:bodyPr rtlCol="0" anchor="ctr"/>
+          <a:lstStyle/>
+          <a:p>
+            <a:pPr algn="ctr"/>
+            <a:r>
+              <a:rPr lang="zh-TW" altLang="en-US" dirty="0" smtClean="0"/>
+              <a:t>餘數</a:t>
+            </a:r>
+            <a:r>
+              <a:rPr lang="en-US" altLang="zh-TW" dirty="0" smtClean="0"/>
+              <a:t>x10</a:t>
+            </a:r>
+            <a:endParaRPr lang="zh-TW" altLang="en-US" dirty="0"/>
+          </a:p>
+        </p:txBody>
+      </p:sp>
+    </p:spTree>
+    <p:extLst>
+      <p:ext uri="{BB962C8B-B14F-4D97-AF65-F5344CB8AC3E}">
+        <p14:creationId xmlns:p14="http://schemas.microsoft.com/office/powerpoint/2010/main" val="812096732"/>
+      </p:ext>
+    </p:extLst>
+  </p:cSld>
+  <p:clrMapOvr>
+    <a:masterClrMapping/>
+  </p:clrMapOvr>
+  <p:timing>
+    <p:tnLst>
+      <p:par>
+        <p:cTn id="1" dur="indefinite" restart="never" nodeType="tmRoot">
+          <p:childTnLst>
+            <p:seq concurrent="1" nextAc="seek">
+              <p:cTn id="2" dur="indefinite" nodeType="mainSeq">
+                <p:childTnLst>
+                  <p:par>
+                    <p:cTn id="3" fill="hold">
+                      <p:stCondLst>
+                        <p:cond delay="indefinite"/>
+                      </p:stCondLst>
+                      <p:childTnLst>
+                        <p:par>
+                          <p:cTn id="4" fill="hold">
+                            <p:stCondLst>
+                              <p:cond delay="0"/>
+                            </p:stCondLst>
+                            <p:childTnLst>
+                              <p:par>
+                                <p:cTn id="5" presetID="1" presetClass="entr" presetSubtype="0" fill="hold" nodeType="clickEffect">
+                                  <p:stCondLst>
+                                    <p:cond delay="0"/>
+                                  </p:stCondLst>
+                                  <p:childTnLst>
+                                    <p:set>
+                                      <p:cBhvr>
+                                        <p:cTn id="6" dur="1" fill="hold">
+                                          <p:stCondLst>
+                                            <p:cond delay="0"/>
+                                          </p:stCondLst>
+                                        </p:cTn>
+                                        <p:tgtEl>
+                                          <p:spTgt spid="8"/>
+                                        </p:tgtEl>
+                                        <p:attrNameLst>
+                                          <p:attrName>style.visibility</p:attrName>
+                                        </p:attrNameLst>
+                                      </p:cBhvr>
+                                      <p:to>
+                                        <p:strVal val="visible"/>
+                                      </p:to>
+                                    </p:set>
+                                  </p:childTnLst>
+                                </p:cTn>
+                              </p:par>
+                              <p:par>
+                                <p:cTn id="7" presetID="1" presetClass="entr" presetSubtype="0" fill="hold" grpId="0" nodeType="withEffect">
+                                  <p:stCondLst>
+                                    <p:cond delay="0"/>
+                                  </p:stCondLst>
+                                  <p:childTnLst>
+                                    <p:set>
+                                      <p:cBhvr>
+                                        <p:cTn id="8" dur="1" fill="hold">
+                                          <p:stCondLst>
+                                            <p:cond delay="0"/>
+                                          </p:stCondLst>
+                                        </p:cTn>
+                                        <p:tgtEl>
+                                          <p:spTgt spid="10"/>
+                                        </p:tgtEl>
+                                        <p:attrNameLst>
+                                          <p:attrName>style.visibility</p:attrName>
+                                        </p:attrNameLst>
+                                      </p:cBhvr>
+                                      <p:to>
+                                        <p:strVal val="visible"/>
+                                      </p:to>
+                                    </p:set>
+                                  </p:childTnLst>
+                                </p:cTn>
+                              </p:par>
+                              <p:par>
+                                <p:cTn id="9" presetID="1" presetClass="entr" presetSubtype="0" fill="hold" grpId="0" nodeType="withEffect">
+                                  <p:stCondLst>
+                                    <p:cond delay="0"/>
+                                  </p:stCondLst>
+                                  <p:childTnLst>
+                                    <p:set>
+                                      <p:cBhvr>
+                                        <p:cTn id="10" dur="1" fill="hold">
+                                          <p:stCondLst>
+                                            <p:cond delay="0"/>
+                                          </p:stCondLst>
+                                        </p:cTn>
+                                        <p:tgtEl>
+                                          <p:spTgt spid="9"/>
+                                        </p:tgtEl>
+                                        <p:attrNameLst>
+                                          <p:attrName>style.visibility</p:attrName>
+                                        </p:attrNameLst>
+                                      </p:cBhvr>
+                                      <p:to>
+                                        <p:strVal val="visible"/>
+                                      </p:to>
+                                    </p:set>
+                                  </p:childTnLst>
+                                </p:cTn>
+                              </p:par>
+                            </p:childTnLst>
+                          </p:cTn>
+                        </p:par>
+                      </p:childTnLst>
+                    </p:cTn>
+                  </p:par>
+                  <p:par>
+                    <p:cTn id="11" fill="hold">
+                      <p:stCondLst>
+                        <p:cond delay="indefinite"/>
+                      </p:stCondLst>
+                      <p:childTnLst>
+                        <p:par>
+                          <p:cTn id="12" fill="hold">
+                            <p:stCondLst>
+                              <p:cond delay="0"/>
+                            </p:stCondLst>
+                            <p:childTnLst>
+                              <p:par>
+                                <p:cTn id="13" presetID="1" presetClass="entr" presetSubtype="0" fill="hold" grpId="0" nodeType="clickEffect">
+                                  <p:stCondLst>
+                                    <p:cond delay="0"/>
+                                  </p:stCondLst>
+                                  <p:childTnLst>
+                                    <p:set>
+                                      <p:cBhvr>
+                                        <p:cTn id="14" dur="1" fill="hold">
+                                          <p:stCondLst>
+                                            <p:cond delay="0"/>
+                                          </p:stCondLst>
+                                        </p:cTn>
+                                        <p:tgtEl>
+                                          <p:spTgt spid="11"/>
+                                        </p:tgtEl>
+                                        <p:attrNameLst>
+                                          <p:attrName>style.visibility</p:attrName>
+                                        </p:attrNameLst>
+                                      </p:cBhvr>
+                                      <p:to>
+                                        <p:strVal val="visible"/>
+                                      </p:to>
+                                    </p:set>
+                                  </p:childTnLst>
+                                </p:cTn>
+                              </p:par>
+                              <p:par>
+                                <p:cTn id="15" presetID="1" presetClass="entr" presetSubtype="0" fill="hold" grpId="0" nodeType="withEffect">
+                                  <p:stCondLst>
+                                    <p:cond delay="0"/>
+                                  </p:stCondLst>
+                                  <p:childTnLst>
+                                    <p:set>
+                                      <p:cBhvr>
+                                        <p:cTn id="16" dur="1" fill="hold">
+                                          <p:stCondLst>
+                                            <p:cond delay="0"/>
+                                          </p:stCondLst>
+                                        </p:cTn>
+                                        <p:tgtEl>
+                                          <p:spTgt spid="15"/>
+                                        </p:tgtEl>
+                                        <p:attrNameLst>
+                                          <p:attrName>style.visibility</p:attrName>
+                                        </p:attrNameLst>
+                                      </p:cBhvr>
+                                      <p:to>
+                                        <p:strVal val="visible"/>
+                                      </p:to>
+                                    </p:set>
+                                  </p:childTnLst>
+                                </p:cTn>
+                              </p:par>
+                            </p:childTnLst>
+                          </p:cTn>
+                        </p:par>
+                      </p:childTnLst>
+                    </p:cTn>
+                  </p:par>
+                  <p:par>
+                    <p:cTn id="17" fill="hold">
+                      <p:stCondLst>
+                        <p:cond delay="indefinite"/>
+                      </p:stCondLst>
+                      <p:childTnLst>
+                        <p:par>
+                          <p:cTn id="18" fill="hold">
+                            <p:stCondLst>
+                              <p:cond delay="0"/>
+                            </p:stCondLst>
+                            <p:childTnLst>
+                              <p:par>
+                                <p:cTn id="19" presetID="1" presetClass="entr" presetSubtype="0" fill="hold" nodeType="clickEffect">
+                                  <p:stCondLst>
+                                    <p:cond delay="0"/>
+                                  </p:stCondLst>
+                                  <p:childTnLst>
+                                    <p:set>
+                                      <p:cBhvr>
+                                        <p:cTn id="20" dur="1" fill="hold">
+                                          <p:stCondLst>
+                                            <p:cond delay="0"/>
+                                          </p:stCondLst>
+                                        </p:cTn>
+                                        <p:tgtEl>
+                                          <p:spTgt spid="13"/>
+                                        </p:tgtEl>
+                                        <p:attrNameLst>
+                                          <p:attrName>style.visibility</p:attrName>
+                                        </p:attrNameLst>
+                                      </p:cBhvr>
+                                      <p:to>
+                                        <p:strVal val="visible"/>
+                                      </p:to>
+                                    </p:set>
+                                  </p:childTnLst>
+                                </p:cTn>
+                              </p:par>
+                              <p:par>
+                                <p:cTn id="21" presetID="1" presetClass="entr" presetSubtype="0" fill="hold" grpId="0" nodeType="withEffect">
+                                  <p:stCondLst>
+                                    <p:cond delay="0"/>
+                                  </p:stCondLst>
+                                  <p:childTnLst>
+                                    <p:set>
+                                      <p:cBhvr>
+                                        <p:cTn id="22" dur="1" fill="hold">
+                                          <p:stCondLst>
+                                            <p:cond delay="0"/>
+                                          </p:stCondLst>
+                                        </p:cTn>
+                                        <p:tgtEl>
+                                          <p:spTgt spid="16"/>
+                                        </p:tgtEl>
+                                        <p:attrNameLst>
+                                          <p:attrName>style.visibility</p:attrName>
+                                        </p:attrNameLst>
+                                      </p:cBhvr>
+                                      <p:to>
+                                        <p:strVal val="visible"/>
+                                      </p:to>
+                                    </p:set>
+                                  </p:childTnLst>
+                                </p:cTn>
+                              </p:par>
+                            </p:childTnLst>
+                          </p:cTn>
+                        </p:par>
+                      </p:childTnLst>
+                    </p:cTn>
+                  </p:par>
+                  <p:par>
+                    <p:cTn id="23" fill="hold">
+                      <p:stCondLst>
+                        <p:cond delay="indefinite"/>
+                      </p:stCondLst>
+                      <p:childTnLst>
+                        <p:par>
+                          <p:cTn id="24" fill="hold">
+                            <p:stCondLst>
+                              <p:cond delay="0"/>
+                            </p:stCondLst>
+                            <p:childTnLst>
+                              <p:par>
+                                <p:cTn id="25" presetID="1" presetClass="entr" presetSubtype="0" fill="hold" grpId="0" nodeType="clickEffect">
+                                  <p:stCondLst>
+                                    <p:cond delay="0"/>
+                                  </p:stCondLst>
+                                  <p:childTnLst>
+                                    <p:set>
+                                      <p:cBhvr>
+                                        <p:cTn id="26" dur="1" fill="hold">
+                                          <p:stCondLst>
+                                            <p:cond delay="0"/>
+                                          </p:stCondLst>
+                                        </p:cTn>
+                                        <p:tgtEl>
+                                          <p:spTgt spid="17"/>
+                                        </p:tgtEl>
+                                        <p:attrNameLst>
+                                          <p:attrName>style.visibility</p:attrName>
+                                        </p:attrNameLst>
+                                      </p:cBhvr>
+                                      <p:to>
+                                        <p:strVal val="visible"/>
+                                      </p:to>
+                                    </p:set>
+                                  </p:childTnLst>
+                                </p:cTn>
+                              </p:par>
+                            </p:childTnLst>
+                          </p:cTn>
+                        </p:par>
+                      </p:childTnLst>
+                    </p:cTn>
+                  </p:par>
+                  <p:par>
+                    <p:cTn id="27" fill="hold">
+                      <p:stCondLst>
+                        <p:cond delay="indefinite"/>
+                      </p:stCondLst>
+                      <p:childTnLst>
+                        <p:par>
+                          <p:cTn id="28" fill="hold">
+                            <p:stCondLst>
+                              <p:cond delay="0"/>
+                            </p:stCondLst>
+                            <p:childTnLst>
+                              <p:par>
+                                <p:cTn id="29" presetID="1" presetClass="entr" presetSubtype="0" fill="hold" grpId="0" nodeType="clickEffect">
+                                  <p:stCondLst>
+                                    <p:cond delay="0"/>
+                                  </p:stCondLst>
+                                  <p:childTnLst>
+                                    <p:set>
+                                      <p:cBhvr>
+                                        <p:cTn id="30" dur="1" fill="hold">
+                                          <p:stCondLst>
+                                            <p:cond delay="0"/>
+                                          </p:stCondLst>
+                                        </p:cTn>
+                                        <p:tgtEl>
+                                          <p:spTgt spid="18"/>
+                                        </p:tgtEl>
+                                        <p:attrNameLst>
+                                          <p:attrName>style.visibility</p:attrName>
+                                        </p:attrNameLst>
+                                      </p:cBhvr>
+                                      <p:to>
+                                        <p:strVal val="visible"/>
+                                      </p:to>
+                                    </p:set>
+                                  </p:childTnLst>
+                                </p:cTn>
+                              </p:par>
+                              <p:par>
+                                <p:cTn id="31" presetID="1" presetClass="entr" presetSubtype="0" fill="hold" grpId="0" nodeType="withEffect">
+                                  <p:stCondLst>
+                                    <p:cond delay="0"/>
+                                  </p:stCondLst>
+                                  <p:childTnLst>
+                                    <p:set>
+                                      <p:cBhvr>
+                                        <p:cTn id="32" dur="1" fill="hold">
+                                          <p:stCondLst>
+                                            <p:cond delay="0"/>
+                                          </p:stCondLst>
+                                        </p:cTn>
+                                        <p:tgtEl>
+                                          <p:spTgt spid="19"/>
+                                        </p:tgtEl>
+                                        <p:attrNameLst>
+                                          <p:attrName>style.visibility</p:attrName>
+                                        </p:attrNameLst>
+                                      </p:cBhvr>
+                                      <p:to>
+                                        <p:strVal val="visible"/>
+                                      </p:to>
+                                    </p:set>
+                                  </p:childTnLst>
+                                </p:cTn>
+                              </p:par>
+                            </p:childTnLst>
+                          </p:cTn>
+                        </p:par>
+                      </p:childTnLst>
+                    </p:cTn>
+                  </p:par>
+                  <p:par>
+                    <p:cTn id="33" fill="hold">
+                      <p:stCondLst>
+                        <p:cond delay="indefinite"/>
+                      </p:stCondLst>
+                      <p:childTnLst>
+                        <p:par>
+                          <p:cTn id="34" fill="hold">
+                            <p:stCondLst>
+                              <p:cond delay="0"/>
+                            </p:stCondLst>
+                            <p:childTnLst>
+                              <p:par>
+                                <p:cTn id="35" presetID="1" presetClass="entr" presetSubtype="0" fill="hold" nodeType="clickEffect">
+                                  <p:stCondLst>
+                                    <p:cond delay="0"/>
+                                  </p:stCondLst>
+                                  <p:childTnLst>
+                                    <p:set>
+                                      <p:cBhvr>
+                                        <p:cTn id="36" dur="1" fill="hold">
+                                          <p:stCondLst>
+                                            <p:cond delay="0"/>
+                                          </p:stCondLst>
+                                        </p:cTn>
+                                        <p:tgtEl>
+                                          <p:spTgt spid="20"/>
+                                        </p:tgtEl>
+                                        <p:attrNameLst>
+                                          <p:attrName>style.visibility</p:attrName>
+                                        </p:attrNameLst>
+                                      </p:cBhvr>
+                                      <p:to>
+                                        <p:strVal val="visible"/>
+                                      </p:to>
+                                    </p:set>
+                                  </p:childTnLst>
+                                </p:cTn>
+                              </p:par>
+                              <p:par>
+                                <p:cTn id="37" presetID="1" presetClass="entr" presetSubtype="0" fill="hold" grpId="0" nodeType="withEffect">
+                                  <p:stCondLst>
+                                    <p:cond delay="0"/>
+                                  </p:stCondLst>
+                                  <p:childTnLst>
+                                    <p:set>
+                                      <p:cBhvr>
+                                        <p:cTn id="38" dur="1" fill="hold">
+                                          <p:stCondLst>
+                                            <p:cond delay="0"/>
+                                          </p:stCondLst>
+                                        </p:cTn>
+                                        <p:tgtEl>
+                                          <p:spTgt spid="22"/>
+                                        </p:tgtEl>
+                                        <p:attrNameLst>
+                                          <p:attrName>style.visibility</p:attrName>
+                                        </p:attrNameLst>
+                                      </p:cBhvr>
+                                      <p:to>
+                                        <p:strVal val="visible"/>
+                                      </p:to>
+                                    </p:set>
+                                  </p:childTnLst>
+                                </p:cTn>
+                              </p:par>
+                              <p:par>
+                                <p:cTn id="39" presetID="1" presetClass="entr" presetSubtype="0" fill="hold" grpId="0" nodeType="withEffect">
+                                  <p:stCondLst>
+                                    <p:cond delay="0"/>
+                                  </p:stCondLst>
+                                  <p:childTnLst>
+                                    <p:set>
+                                      <p:cBhvr>
+                                        <p:cTn id="40" dur="1" fill="hold">
+                                          <p:stCondLst>
+                                            <p:cond delay="0"/>
+                                          </p:stCondLst>
+                                        </p:cTn>
+                                        <p:tgtEl>
+                                          <p:spTgt spid="23"/>
+                                        </p:tgtEl>
+                                        <p:attrNameLst>
+                                          <p:attrName>style.visibility</p:attrName>
+                                        </p:attrNameLst>
+                                      </p:cBhvr>
+                                      <p:to>
+                                        <p:strVal val="visible"/>
+                                      </p:to>
+                                    </p:set>
+                                  </p:childTnLst>
+                                </p:cTn>
+                              </p:par>
+                            </p:childTnLst>
+                          </p:cTn>
+                        </p:par>
+                      </p:childTnLst>
+                    </p:cTn>
+                  </p:par>
+                  <p:par>
+                    <p:cTn id="41" fill="hold">
+                      <p:stCondLst>
+                        <p:cond delay="indefinite"/>
+                      </p:stCondLst>
+                      <p:childTnLst>
+                        <p:par>
+                          <p:cTn id="42" fill="hold">
+                            <p:stCondLst>
+                              <p:cond delay="0"/>
+                            </p:stCondLst>
+                            <p:childTnLst>
+                              <p:par>
+                                <p:cTn id="43" presetID="1" presetClass="entr" presetSubtype="0" fill="hold" grpId="0" nodeType="clickEffect">
+                                  <p:stCondLst>
+                                    <p:cond delay="0"/>
+                                  </p:stCondLst>
+                                  <p:childTnLst>
+                                    <p:set>
+                                      <p:cBhvr>
+                                        <p:cTn id="44" dur="1" fill="hold">
+                                          <p:stCondLst>
+                                            <p:cond delay="0"/>
+                                          </p:stCondLst>
+                                        </p:cTn>
+                                        <p:tgtEl>
+                                          <p:spTgt spid="24"/>
+                                        </p:tgtEl>
+                                        <p:attrNameLst>
+                                          <p:attrName>style.visibility</p:attrName>
+                                        </p:attrNameLst>
+                                      </p:cBhvr>
+                                      <p:to>
+                                        <p:strVal val="visible"/>
+                                      </p:to>
+                                    </p:set>
+                                  </p:childTnLst>
+                                </p:cTn>
+                              </p:par>
+                            </p:childTnLst>
+                          </p:cTn>
+                        </p:par>
+                      </p:childTnLst>
+                    </p:cTn>
+                  </p:par>
+                  <p:par>
+                    <p:cTn id="45" fill="hold">
+                      <p:stCondLst>
+                        <p:cond delay="indefinite"/>
+                      </p:stCondLst>
+                      <p:childTnLst>
+                        <p:par>
+                          <p:cTn id="46" fill="hold">
+                            <p:stCondLst>
+                              <p:cond delay="0"/>
+                            </p:stCondLst>
+                            <p:childTnLst>
+                              <p:par>
+                                <p:cTn id="47" presetID="1" presetClass="entr" presetSubtype="0" fill="hold" grpId="0" nodeType="clickEffect">
+                                  <p:stCondLst>
+                                    <p:cond delay="0"/>
+                                  </p:stCondLst>
+                                  <p:childTnLst>
+                                    <p:set>
+                                      <p:cBhvr>
+                                        <p:cTn id="48" dur="1" fill="hold">
+                                          <p:stCondLst>
+                                            <p:cond delay="0"/>
+                                          </p:stCondLst>
+                                        </p:cTn>
+                                        <p:tgtEl>
+                                          <p:spTgt spid="27"/>
+                                        </p:tgtEl>
+                                        <p:attrNameLst>
+                                          <p:attrName>style.visibility</p:attrName>
+                                        </p:attrNameLst>
+                                      </p:cBhvr>
+                                      <p:to>
+                                        <p:strVal val="visible"/>
+                                      </p:to>
+                                    </p:set>
+                                  </p:childTnLst>
+                                </p:cTn>
+                              </p:par>
+                              <p:par>
+                                <p:cTn id="49" presetID="1" presetClass="entr" presetSubtype="0" fill="hold" grpId="0" nodeType="withEffect">
+                                  <p:stCondLst>
+                                    <p:cond delay="0"/>
+                                  </p:stCondLst>
+                                  <p:childTnLst>
+                                    <p:set>
+                                      <p:cBhvr>
+                                        <p:cTn id="50" dur="1" fill="hold">
+                                          <p:stCondLst>
+                                            <p:cond delay="0"/>
+                                          </p:stCondLst>
+                                        </p:cTn>
+                                        <p:tgtEl>
+                                          <p:spTgt spid="26"/>
+                                        </p:tgtEl>
+                                        <p:attrNameLst>
+                                          <p:attrName>style.visibility</p:attrName>
+                                        </p:attrNameLst>
+                                      </p:cBhvr>
+                                      <p:to>
+                                        <p:strVal val="visible"/>
+                                      </p:to>
+                                    </p:set>
+                                  </p:childTnLst>
+                                </p:cTn>
+                              </p:par>
+                              <p:par>
+                                <p:cTn id="51" presetID="1" presetClass="entr" presetSubtype="0" fill="hold" grpId="0" nodeType="withEffect">
+                                  <p:stCondLst>
+                                    <p:cond delay="0"/>
+                                  </p:stCondLst>
+                                  <p:childTnLst>
+                                    <p:set>
+                                      <p:cBhvr>
+                                        <p:cTn id="52" dur="1" fill="hold">
+                                          <p:stCondLst>
+                                            <p:cond delay="0"/>
+                                          </p:stCondLst>
+                                        </p:cTn>
+                                        <p:tgtEl>
+                                          <p:spTgt spid="25"/>
+                                        </p:tgtEl>
+                                        <p:attrNameLst>
+                                          <p:attrName>style.visibility</p:attrName>
+                                        </p:attrNameLst>
+                                      </p:cBhvr>
+                                      <p:to>
+                                        <p:strVal val="visible"/>
+                                      </p:to>
+                                    </p:set>
+                                  </p:childTnLst>
+                                </p:cTn>
+                              </p:par>
+                            </p:childTnLst>
+                          </p:cTn>
+                        </p:par>
+                      </p:childTnLst>
+                    </p:cTn>
+                  </p:par>
+                  <p:par>
+                    <p:cTn id="53" fill="hold">
+                      <p:stCondLst>
+                        <p:cond delay="indefinite"/>
+                      </p:stCondLst>
+                      <p:childTnLst>
+                        <p:par>
+                          <p:cTn id="54" fill="hold">
+                            <p:stCondLst>
+                              <p:cond delay="0"/>
+                            </p:stCondLst>
+                            <p:childTnLst>
+                              <p:par>
+                                <p:cTn id="55" presetID="1" presetClass="entr" presetSubtype="0" fill="hold" grpId="0" nodeType="clickEffect">
+                                  <p:stCondLst>
+                                    <p:cond delay="0"/>
+                                  </p:stCondLst>
+                                  <p:childTnLst>
+                                    <p:set>
+                                      <p:cBhvr>
+                                        <p:cTn id="56" dur="1" fill="hold">
+                                          <p:stCondLst>
+                                            <p:cond delay="0"/>
+                                          </p:stCondLst>
+                                        </p:cTn>
+                                        <p:tgtEl>
+                                          <p:spTgt spid="28"/>
+                                        </p:tgtEl>
+                                        <p:attrNameLst>
+                                          <p:attrName>style.visibility</p:attrName>
+                                        </p:attrNameLst>
+                                      </p:cBhvr>
+                                      <p:to>
+                                        <p:strVal val="visible"/>
+                                      </p:to>
+                                    </p:set>
+                                  </p:childTnLst>
+                                </p:cTn>
+                              </p:par>
+                              <p:par>
+                                <p:cTn id="57" presetID="1" presetClass="entr" presetSubtype="0" fill="hold" nodeType="withEffect">
+                                  <p:stCondLst>
+                                    <p:cond delay="0"/>
+                                  </p:stCondLst>
+                                  <p:childTnLst>
+                                    <p:set>
+                                      <p:cBhvr>
+                                        <p:cTn id="58" dur="1" fill="hold">
+                                          <p:stCondLst>
+                                            <p:cond delay="0"/>
+                                          </p:stCondLst>
+                                        </p:cTn>
+                                        <p:tgtEl>
+                                          <p:spTgt spid="21"/>
+                                        </p:tgtEl>
+                                        <p:attrNameLst>
+                                          <p:attrName>style.visibility</p:attrName>
+                                        </p:attrNameLst>
+                                      </p:cBhvr>
+                                      <p:to>
+                                        <p:strVal val="visible"/>
+                                      </p:to>
+                                    </p:set>
+                                  </p:childTnLst>
+                                </p:cTn>
+                              </p:par>
+                            </p:childTnLst>
+                          </p:cTn>
+                        </p:par>
+                      </p:childTnLst>
+                    </p:cTn>
+                  </p:par>
+                  <p:par>
+                    <p:cTn id="59" fill="hold">
+                      <p:stCondLst>
+                        <p:cond delay="indefinite"/>
+                      </p:stCondLst>
+                      <p:childTnLst>
+                        <p:par>
+                          <p:cTn id="60" fill="hold">
+                            <p:stCondLst>
+                              <p:cond delay="0"/>
+                            </p:stCondLst>
+                            <p:childTnLst>
+                              <p:par>
+                                <p:cTn id="61" presetID="1" presetClass="entr" presetSubtype="0" fill="hold" grpId="0" nodeType="clickEffect">
+                                  <p:stCondLst>
+                                    <p:cond delay="0"/>
+                                  </p:stCondLst>
+                                  <p:childTnLst>
+                                    <p:set>
+                                      <p:cBhvr>
+                                        <p:cTn id="62" dur="1" fill="hold">
+                                          <p:stCondLst>
+                                            <p:cond delay="0"/>
+                                          </p:stCondLst>
+                                        </p:cTn>
+                                        <p:tgtEl>
+                                          <p:spTgt spid="29"/>
+                                        </p:tgtEl>
+                                        <p:attrNameLst>
+                                          <p:attrName>style.visibility</p:attrName>
+                                        </p:attrNameLst>
+                                      </p:cBhvr>
+                                      <p:to>
+                                        <p:strVal val="visible"/>
+                                      </p:to>
+                                    </p:set>
+                                  </p:childTnLst>
+                                </p:cTn>
+                              </p:par>
+                            </p:childTnLst>
+                          </p:cTn>
+                        </p:par>
+                      </p:childTnLst>
+                    </p:cTn>
+                  </p:par>
+                  <p:par>
+                    <p:cTn id="63" fill="hold">
+                      <p:stCondLst>
+                        <p:cond delay="indefinite"/>
+                      </p:stCondLst>
+                      <p:childTnLst>
+                        <p:par>
+                          <p:cTn id="64" fill="hold">
+                            <p:stCondLst>
+                              <p:cond delay="0"/>
+                            </p:stCondLst>
+                            <p:childTnLst>
+                              <p:par>
+                                <p:cTn id="65" presetID="1" presetClass="entr" presetSubtype="0" fill="hold" grpId="0" nodeType="clickEffect">
+                                  <p:stCondLst>
+                                    <p:cond delay="0"/>
+                                  </p:stCondLst>
+                                  <p:childTnLst>
+                                    <p:set>
+                                      <p:cBhvr>
+                                        <p:cTn id="66" dur="1" fill="hold">
+                                          <p:stCondLst>
+                                            <p:cond delay="0"/>
+                                          </p:stCondLst>
+                                        </p:cTn>
+                                        <p:tgtEl>
+                                          <p:spTgt spid="31"/>
+                                        </p:tgtEl>
+                                        <p:attrNameLst>
+                                          <p:attrName>style.visibility</p:attrName>
+                                        </p:attrNameLst>
+                                      </p:cBhvr>
+                                      <p:to>
+                                        <p:strVal val="visible"/>
+                                      </p:to>
+                                    </p:set>
+                                  </p:childTnLst>
+                                </p:cTn>
+                              </p:par>
+                              <p:par>
+                                <p:cTn id="67" presetID="1" presetClass="entr" presetSubtype="0" fill="hold" grpId="0" nodeType="withEffect">
+                                  <p:stCondLst>
+                                    <p:cond delay="0"/>
+                                  </p:stCondLst>
+                                  <p:childTnLst>
+                                    <p:set>
+                                      <p:cBhvr>
+                                        <p:cTn id="68" dur="1" fill="hold">
+                                          <p:stCondLst>
+                                            <p:cond delay="0"/>
+                                          </p:stCondLst>
+                                        </p:cTn>
+                                        <p:tgtEl>
+                                          <p:spTgt spid="32"/>
+                                        </p:tgtEl>
+                                        <p:attrNameLst>
+                                          <p:attrName>style.visibility</p:attrName>
+                                        </p:attrNameLst>
+                                      </p:cBhvr>
+                                      <p:to>
+                                        <p:strVal val="visible"/>
+                                      </p:to>
+                                    </p:set>
+                                  </p:childTnLst>
+                                </p:cTn>
+                              </p:par>
+                              <p:par>
+                                <p:cTn id="69" presetID="1" presetClass="entr" presetSubtype="0" fill="hold" grpId="0" nodeType="withEffect">
+                                  <p:stCondLst>
+                                    <p:cond delay="0"/>
+                                  </p:stCondLst>
+                                  <p:childTnLst>
+                                    <p:set>
+                                      <p:cBhvr>
+                                        <p:cTn id="70" dur="1" fill="hold">
+                                          <p:stCondLst>
+                                            <p:cond delay="0"/>
+                                          </p:stCondLst>
+                                        </p:cTn>
+                                        <p:tgtEl>
+                                          <p:spTgt spid="30"/>
+                                        </p:tgtEl>
+                                        <p:attrNameLst>
+                                          <p:attrName>style.visibility</p:attrName>
+                                        </p:attrNameLst>
+                                      </p:cBhvr>
+                                      <p:to>
+                                        <p:strVal val="visible"/>
+                                      </p:to>
+                                    </p:set>
+                                  </p:childTnLst>
+                                </p:cTn>
+                              </p:par>
+                            </p:childTnLst>
+                          </p:cTn>
+                        </p:par>
+                      </p:childTnLst>
+                    </p:cTn>
+                  </p:par>
+                  <p:par>
+                    <p:cTn id="71" fill="hold">
+                      <p:stCondLst>
+                        <p:cond delay="indefinite"/>
+                      </p:stCondLst>
+                      <p:childTnLst>
+                        <p:par>
+                          <p:cTn id="72" fill="hold">
+                            <p:stCondLst>
+                              <p:cond delay="0"/>
+                            </p:stCondLst>
+                            <p:childTnLst>
+                              <p:par>
+                                <p:cTn id="73" presetID="1" presetClass="entr" presetSubtype="0" fill="hold" nodeType="clickEffect">
+                                  <p:stCondLst>
+                                    <p:cond delay="0"/>
+                                  </p:stCondLst>
+                                  <p:childTnLst>
+                                    <p:set>
+                                      <p:cBhvr>
+                                        <p:cTn id="74" dur="1" fill="hold">
+                                          <p:stCondLst>
+                                            <p:cond delay="0"/>
+                                          </p:stCondLst>
+                                        </p:cTn>
+                                        <p:tgtEl>
+                                          <p:spTgt spid="33"/>
+                                        </p:tgtEl>
+                                        <p:attrNameLst>
+                                          <p:attrName>style.visibility</p:attrName>
+                                        </p:attrNameLst>
+                                      </p:cBhvr>
+                                      <p:to>
+                                        <p:strVal val="visible"/>
+                                      </p:to>
+                                    </p:set>
+                                  </p:childTnLst>
+                                </p:cTn>
+                              </p:par>
+                              <p:par>
+                                <p:cTn id="75" presetID="1" presetClass="entr" presetSubtype="0" fill="hold" grpId="0" nodeType="withEffect">
+                                  <p:stCondLst>
+                                    <p:cond delay="0"/>
+                                  </p:stCondLst>
+                                  <p:childTnLst>
+                                    <p:set>
+                                      <p:cBhvr>
+                                        <p:cTn id="76" dur="1" fill="hold">
+                                          <p:stCondLst>
+                                            <p:cond delay="0"/>
+                                          </p:stCondLst>
+                                        </p:cTn>
+                                        <p:tgtEl>
+                                          <p:spTgt spid="36"/>
+                                        </p:tgtEl>
+                                        <p:attrNameLst>
+                                          <p:attrName>style.visibility</p:attrName>
+                                        </p:attrNameLst>
+                                      </p:cBhvr>
+                                      <p:to>
+                                        <p:strVal val="visible"/>
+                                      </p:to>
+                                    </p:set>
+                                  </p:childTnLst>
+                                </p:cTn>
+                              </p:par>
+                              <p:par>
+                                <p:cTn id="77" presetID="1" presetClass="entr" presetSubtype="0" fill="hold" grpId="0" nodeType="withEffect">
+                                  <p:stCondLst>
+                                    <p:cond delay="0"/>
+                                  </p:stCondLst>
+                                  <p:childTnLst>
+                                    <p:set>
+                                      <p:cBhvr>
+                                        <p:cTn id="78" dur="1" fill="hold">
+                                          <p:stCondLst>
+                                            <p:cond delay="0"/>
+                                          </p:stCondLst>
+                                        </p:cTn>
+                                        <p:tgtEl>
+                                          <p:spTgt spid="35"/>
+                                        </p:tgtEl>
+                                        <p:attrNameLst>
+                                          <p:attrName>style.visibility</p:attrName>
+                                        </p:attrNameLst>
+                                      </p:cBhvr>
+                                      <p:to>
+                                        <p:strVal val="visible"/>
+                                      </p:to>
+                                    </p:set>
+                                  </p:childTnLst>
+                                </p:cTn>
+                              </p:par>
+                              <p:par>
+                                <p:cTn id="79" presetID="1" presetClass="entr" presetSubtype="0" fill="hold" grpId="0" nodeType="withEffect">
+                                  <p:stCondLst>
+                                    <p:cond delay="0"/>
+                                  </p:stCondLst>
+                                  <p:childTnLst>
+                                    <p:set>
+                                      <p:cBhvr>
+                                        <p:cTn id="80" dur="1" fill="hold">
+                                          <p:stCondLst>
+                                            <p:cond delay="0"/>
+                                          </p:stCondLst>
+                                        </p:cTn>
+                                        <p:tgtEl>
+                                          <p:spTgt spid="34"/>
+                                        </p:tgtEl>
+                                        <p:attrNameLst>
+                                          <p:attrName>style.visibility</p:attrName>
+                                        </p:attrNameLst>
+                                      </p:cBhvr>
+                                      <p:to>
+                                        <p:strVal val="visible"/>
+                                      </p:to>
+                                    </p:set>
+                                  </p:childTnLst>
+                                </p:cTn>
+                              </p:par>
+                            </p:childTnLst>
+                          </p:cTn>
+                        </p:par>
+                      </p:childTnLst>
+                    </p:cTn>
+                  </p:par>
+                  <p:par>
+                    <p:cTn id="81" fill="hold">
+                      <p:stCondLst>
+                        <p:cond delay="indefinite"/>
+                      </p:stCondLst>
+                      <p:childTnLst>
+                        <p:par>
+                          <p:cTn id="82" fill="hold">
+                            <p:stCondLst>
+                              <p:cond delay="0"/>
+                            </p:stCondLst>
+                            <p:childTnLst>
+                              <p:par>
+                                <p:cTn id="83" presetID="1" presetClass="entr" presetSubtype="0" fill="hold" grpId="0" nodeType="clickEffect">
+                                  <p:stCondLst>
+                                    <p:cond delay="0"/>
+                                  </p:stCondLst>
+                                  <p:childTnLst>
+                                    <p:set>
+                                      <p:cBhvr>
+                                        <p:cTn id="84" dur="1" fill="hold">
+                                          <p:stCondLst>
+                                            <p:cond delay="0"/>
+                                          </p:stCondLst>
+                                        </p:cTn>
+                                        <p:tgtEl>
+                                          <p:spTgt spid="41"/>
+                                        </p:tgtEl>
+                                        <p:attrNameLst>
+                                          <p:attrName>style.visibility</p:attrName>
+                                        </p:attrNameLst>
+                                      </p:cBhvr>
+                                      <p:to>
+                                        <p:strVal val="visible"/>
+                                      </p:to>
+                                    </p:set>
+                                  </p:childTnLst>
+                                </p:cTn>
+                              </p:par>
+                              <p:par>
+                                <p:cTn id="85" presetID="1" presetClass="entr" presetSubtype="0" fill="hold" grpId="0" nodeType="withEffect">
+                                  <p:stCondLst>
+                                    <p:cond delay="0"/>
+                                  </p:stCondLst>
+                                  <p:childTnLst>
+                                    <p:set>
+                                      <p:cBhvr>
+                                        <p:cTn id="86" dur="1" fill="hold">
+                                          <p:stCondLst>
+                                            <p:cond delay="0"/>
+                                          </p:stCondLst>
+                                        </p:cTn>
+                                        <p:tgtEl>
+                                          <p:spTgt spid="40"/>
+                                        </p:tgtEl>
+                                        <p:attrNameLst>
+                                          <p:attrName>style.visibility</p:attrName>
+                                        </p:attrNameLst>
+                                      </p:cBhvr>
+                                      <p:to>
+                                        <p:strVal val="visible"/>
+                                      </p:to>
+                                    </p:set>
+                                  </p:childTnLst>
+                                </p:cTn>
+                              </p:par>
+                              <p:par>
+                                <p:cTn id="87" presetID="1" presetClass="entr" presetSubtype="0" fill="hold" grpId="0" nodeType="withEffect">
+                                  <p:stCondLst>
+                                    <p:cond delay="0"/>
+                                  </p:stCondLst>
+                                  <p:childTnLst>
+                                    <p:set>
+                                      <p:cBhvr>
+                                        <p:cTn id="88" dur="1" fill="hold">
+                                          <p:stCondLst>
+                                            <p:cond delay="0"/>
+                                          </p:stCondLst>
+                                        </p:cTn>
+                                        <p:tgtEl>
+                                          <p:spTgt spid="39"/>
+                                        </p:tgtEl>
+                                        <p:attrNameLst>
+                                          <p:attrName>style.visibility</p:attrName>
+                                        </p:attrNameLst>
+                                      </p:cBhvr>
+                                      <p:to>
+                                        <p:strVal val="visible"/>
+                                      </p:to>
+                                    </p:set>
+                                  </p:childTnLst>
+                                </p:cTn>
+                              </p:par>
+                              <p:par>
+                                <p:cTn id="89" presetID="1" presetClass="entr" presetSubtype="0" fill="hold" grpId="0" nodeType="withEffect">
+                                  <p:stCondLst>
+                                    <p:cond delay="0"/>
+                                  </p:stCondLst>
+                                  <p:childTnLst>
+                                    <p:set>
+                                      <p:cBhvr>
+                                        <p:cTn id="90" dur="1" fill="hold">
+                                          <p:stCondLst>
+                                            <p:cond delay="0"/>
+                                          </p:stCondLst>
+                                        </p:cTn>
+                                        <p:tgtEl>
+                                          <p:spTgt spid="38"/>
+                                        </p:tgtEl>
+                                        <p:attrNameLst>
+                                          <p:attrName>style.visibility</p:attrName>
+                                        </p:attrNameLst>
+                                      </p:cBhvr>
+                                      <p:to>
+                                        <p:strVal val="visible"/>
+                                      </p:to>
+                                    </p:set>
+                                  </p:childTnLst>
+                                </p:cTn>
+                              </p:par>
+                            </p:childTnLst>
+                          </p:cTn>
+                        </p:par>
+                      </p:childTnLst>
+                    </p:cTn>
+                  </p:par>
+                </p:childTnLst>
+              </p:cTn>
+              <p:prevCondLst>
+                <p:cond evt="onPrev" delay="0">
+                  <p:tgtEl>
+                    <p:sldTgt/>
+                  </p:tgtEl>
+                </p:cond>
+              </p:prevCondLst>
+              <p:nextCondLst>
+                <p:cond evt="onNext" delay="0">
+                  <p:tgtEl>
+                    <p:sldTgt/>
+                  </p:tgtEl>
+                </p:cond>
+              </p:nextCondLst>
+            </p:seq>
+          </p:childTnLst>
+        </p:cTn>
+      </p:par>
+    </p:tnLst>
+    <p:bldLst>
+      <p:bldP spid="9" grpId="0"/>
+      <p:bldP spid="10" grpId="0"/>
+      <p:bldP spid="11" grpId="0"/>
+      <p:bldP spid="15" grpId="0"/>
+      <p:bldP spid="16" grpId="0"/>
+      <p:bldP spid="17" grpId="0"/>
+      <p:bldP spid="18" grpId="0"/>
+      <p:bldP spid="19" grpId="0"/>
+      <p:bldP spid="22" grpId="0"/>
+      <p:bldP spid="23" grpId="0"/>
+      <p:bldP spid="24" grpId="0"/>
+      <p:bldP spid="25" grpId="0"/>
+      <p:bldP spid="26" grpId="0"/>
+      <p:bldP spid="27" grpId="0"/>
+      <p:bldP spid="28" grpId="0"/>
+      <p:bldP spid="29" grpId="0"/>
+      <p:bldP spid="30" grpId="0"/>
+      <p:bldP spid="31" grpId="0"/>
+      <p:bldP spid="32" grpId="0"/>
+      <p:bldP spid="34" grpId="0"/>
+      <p:bldP spid="35" grpId="0"/>
+      <p:bldP spid="36" grpId="0"/>
+      <p:bldP spid="38" grpId="0" animBg="1"/>
+      <p:bldP spid="39" grpId="0" animBg="1"/>
+      <p:bldP spid="40" grpId="0" animBg="1"/>
+      <p:bldP spid="41" grpId="0" animBg="1"/>
+    </p:bldLst>
+  </p:timing>
+</p:sld>
+</file>
+
+<file path=ppt/slides/slide35.xml><?xml version="1.0" encoding="utf-8"?>
 <p:sld xmlns:a="http://schemas.openxmlformats.org/drawingml/2006/main" xmlns:r="http://schemas.openxmlformats.org/officeDocument/2006/relationships" xmlns:p="http://schemas.openxmlformats.org/presentationml/2006/main">
   <p:cSld>
     <p:spTree>
